--- a/present/ตัวอย่างไฟล์นำเสนอ.pptx
+++ b/present/ตัวอย่างไฟล์นำเสนอ.pptx
@@ -2,7 +2,7 @@
 <file path=ppt/presentation.xml><?xml version="1.0" encoding="utf-8"?>
 <p:presentation xmlns:a="http://schemas.openxmlformats.org/drawingml/2006/main" xmlns:r="http://schemas.openxmlformats.org/officeDocument/2006/relationships" xmlns:p="http://schemas.openxmlformats.org/presentationml/2006/main" saveSubsetFonts="1">
   <p:sldMasterIdLst>
-    <p:sldMasterId id="2147483648" r:id="rId1"/>
+    <p:sldMasterId id="2147483660" r:id="rId1"/>
   </p:sldMasterIdLst>
   <p:sldIdLst>
     <p:sldId id="256" r:id="rId2"/>
@@ -15,7 +15,7 @@
     <a:defPPr>
       <a:defRPr lang="en-US"/>
     </a:defPPr>
-    <a:lvl1pPr marL="0" algn="l" defTabSz="914400" rtl="0" eaLnBrk="1" latinLnBrk="0" hangingPunct="1">
+    <a:lvl1pPr marL="0" algn="l" defTabSz="457200" rtl="0" eaLnBrk="1" latinLnBrk="0" hangingPunct="1">
       <a:defRPr sz="1800" kern="1200">
         <a:solidFill>
           <a:schemeClr val="tx1"/>
@@ -25,7 +25,7 @@
         <a:cs typeface="+mn-cs"/>
       </a:defRPr>
     </a:lvl1pPr>
-    <a:lvl2pPr marL="457200" algn="l" defTabSz="914400" rtl="0" eaLnBrk="1" latinLnBrk="0" hangingPunct="1">
+    <a:lvl2pPr marL="457200" algn="l" defTabSz="457200" rtl="0" eaLnBrk="1" latinLnBrk="0" hangingPunct="1">
       <a:defRPr sz="1800" kern="1200">
         <a:solidFill>
           <a:schemeClr val="tx1"/>
@@ -35,7 +35,7 @@
         <a:cs typeface="+mn-cs"/>
       </a:defRPr>
     </a:lvl2pPr>
-    <a:lvl3pPr marL="914400" algn="l" defTabSz="914400" rtl="0" eaLnBrk="1" latinLnBrk="0" hangingPunct="1">
+    <a:lvl3pPr marL="914400" algn="l" defTabSz="457200" rtl="0" eaLnBrk="1" latinLnBrk="0" hangingPunct="1">
       <a:defRPr sz="1800" kern="1200">
         <a:solidFill>
           <a:schemeClr val="tx1"/>
@@ -45,7 +45,7 @@
         <a:cs typeface="+mn-cs"/>
       </a:defRPr>
     </a:lvl3pPr>
-    <a:lvl4pPr marL="1371600" algn="l" defTabSz="914400" rtl="0" eaLnBrk="1" latinLnBrk="0" hangingPunct="1">
+    <a:lvl4pPr marL="1371600" algn="l" defTabSz="457200" rtl="0" eaLnBrk="1" latinLnBrk="0" hangingPunct="1">
       <a:defRPr sz="1800" kern="1200">
         <a:solidFill>
           <a:schemeClr val="tx1"/>
@@ -55,7 +55,7 @@
         <a:cs typeface="+mn-cs"/>
       </a:defRPr>
     </a:lvl4pPr>
-    <a:lvl5pPr marL="1828800" algn="l" defTabSz="914400" rtl="0" eaLnBrk="1" latinLnBrk="0" hangingPunct="1">
+    <a:lvl5pPr marL="1828800" algn="l" defTabSz="457200" rtl="0" eaLnBrk="1" latinLnBrk="0" hangingPunct="1">
       <a:defRPr sz="1800" kern="1200">
         <a:solidFill>
           <a:schemeClr val="tx1"/>
@@ -65,7 +65,7 @@
         <a:cs typeface="+mn-cs"/>
       </a:defRPr>
     </a:lvl5pPr>
-    <a:lvl6pPr marL="2286000" algn="l" defTabSz="914400" rtl="0" eaLnBrk="1" latinLnBrk="0" hangingPunct="1">
+    <a:lvl6pPr marL="2286000" algn="l" defTabSz="457200" rtl="0" eaLnBrk="1" latinLnBrk="0" hangingPunct="1">
       <a:defRPr sz="1800" kern="1200">
         <a:solidFill>
           <a:schemeClr val="tx1"/>
@@ -75,7 +75,7 @@
         <a:cs typeface="+mn-cs"/>
       </a:defRPr>
     </a:lvl6pPr>
-    <a:lvl7pPr marL="2743200" algn="l" defTabSz="914400" rtl="0" eaLnBrk="1" latinLnBrk="0" hangingPunct="1">
+    <a:lvl7pPr marL="2743200" algn="l" defTabSz="457200" rtl="0" eaLnBrk="1" latinLnBrk="0" hangingPunct="1">
       <a:defRPr sz="1800" kern="1200">
         <a:solidFill>
           <a:schemeClr val="tx1"/>
@@ -85,7 +85,7 @@
         <a:cs typeface="+mn-cs"/>
       </a:defRPr>
     </a:lvl7pPr>
-    <a:lvl8pPr marL="3200400" algn="l" defTabSz="914400" rtl="0" eaLnBrk="1" latinLnBrk="0" hangingPunct="1">
+    <a:lvl8pPr marL="3200400" algn="l" defTabSz="457200" rtl="0" eaLnBrk="1" latinLnBrk="0" hangingPunct="1">
       <a:defRPr sz="1800" kern="1200">
         <a:solidFill>
           <a:schemeClr val="tx1"/>
@@ -95,7 +95,7 @@
         <a:cs typeface="+mn-cs"/>
       </a:defRPr>
     </a:lvl8pPr>
-    <a:lvl9pPr marL="3657600" algn="l" defTabSz="914400" rtl="0" eaLnBrk="1" latinLnBrk="0" hangingPunct="1">
+    <a:lvl9pPr marL="3657600" algn="l" defTabSz="457200" rtl="0" eaLnBrk="1" latinLnBrk="0" hangingPunct="1">
       <a:defRPr sz="1800" kern="1200">
         <a:solidFill>
           <a:schemeClr val="tx1"/>
@@ -126,8 +126,8 @@
 </file>
 
 <file path=ppt/slideLayouts/slideLayout1.xml><?xml version="1.0" encoding="utf-8"?>
-<p:sldLayout xmlns:a="http://schemas.openxmlformats.org/drawingml/2006/main" xmlns:r="http://schemas.openxmlformats.org/officeDocument/2006/relationships" xmlns:p="http://schemas.openxmlformats.org/presentationml/2006/main" type="title" preserve="1">
-  <p:cSld name="Title Slide">
+<p:sldLayout xmlns:a="http://schemas.openxmlformats.org/drawingml/2006/main" xmlns:r="http://schemas.openxmlformats.org/officeDocument/2006/relationships" xmlns:p="http://schemas.openxmlformats.org/presentationml/2006/main" showMasterSp="0" type="title" preserve="1">
+  <p:cSld name="สไลด์ชื่อเรื่อง">
     <p:spTree>
       <p:nvGrpSpPr>
         <p:cNvPr id="1" name=""/>
@@ -142,15 +142,539 @@
           <a:chExt cx="0" cy="0"/>
         </a:xfrm>
       </p:grpSpPr>
-      <p:sp>
-        <p:nvSpPr>
-          <p:cNvPr id="2" name="Title 1">
-            <a:extLst>
-              <a:ext uri="{FF2B5EF4-FFF2-40B4-BE49-F238E27FC236}">
-                <a16:creationId xmlns:a16="http://schemas.microsoft.com/office/drawing/2014/main" id="{ED99DC92-8910-41E9-BC5A-252F11CA1415}"/>
-              </a:ext>
-            </a:extLst>
-          </p:cNvPr>
+      <p:grpSp>
+        <p:nvGrpSpPr>
+          <p:cNvPr id="7" name="Group 6"/>
+          <p:cNvGrpSpPr/>
+          <p:nvPr/>
+        </p:nvGrpSpPr>
+        <p:grpSpPr>
+          <a:xfrm>
+            <a:off x="0" y="-8467"/>
+            <a:ext cx="12192000" cy="6866467"/>
+            <a:chOff x="0" y="-8467"/>
+            <a:chExt cx="12192000" cy="6866467"/>
+          </a:xfrm>
+        </p:grpSpPr>
+        <p:cxnSp>
+          <p:nvCxnSpPr>
+            <p:cNvPr id="32" name="Straight Connector 31"/>
+            <p:cNvCxnSpPr/>
+            <p:nvPr/>
+          </p:nvCxnSpPr>
+          <p:spPr>
+            <a:xfrm>
+              <a:off x="9371012" y="0"/>
+              <a:ext cx="1219200" cy="6858000"/>
+            </a:xfrm>
+            <a:prstGeom prst="line">
+              <a:avLst/>
+            </a:prstGeom>
+            <a:ln w="9525">
+              <a:solidFill>
+                <a:schemeClr val="bg1">
+                  <a:lumMod val="75000"/>
+                </a:schemeClr>
+              </a:solidFill>
+            </a:ln>
+          </p:spPr>
+          <p:style>
+            <a:lnRef idx="2">
+              <a:schemeClr val="accent1"/>
+            </a:lnRef>
+            <a:fillRef idx="0">
+              <a:schemeClr val="accent1"/>
+            </a:fillRef>
+            <a:effectRef idx="1">
+              <a:schemeClr val="accent1"/>
+            </a:effectRef>
+            <a:fontRef idx="minor">
+              <a:schemeClr val="tx1"/>
+            </a:fontRef>
+          </p:style>
+        </p:cxnSp>
+        <p:cxnSp>
+          <p:nvCxnSpPr>
+            <p:cNvPr id="21" name="Straight Connector 20"/>
+            <p:cNvCxnSpPr/>
+            <p:nvPr/>
+          </p:nvCxnSpPr>
+          <p:spPr>
+            <a:xfrm flipH="1">
+              <a:off x="7425267" y="3681413"/>
+              <a:ext cx="4763558" cy="3176587"/>
+            </a:xfrm>
+            <a:prstGeom prst="line">
+              <a:avLst/>
+            </a:prstGeom>
+            <a:ln w="9525">
+              <a:solidFill>
+                <a:schemeClr val="bg1">
+                  <a:lumMod val="85000"/>
+                </a:schemeClr>
+              </a:solidFill>
+            </a:ln>
+          </p:spPr>
+          <p:style>
+            <a:lnRef idx="2">
+              <a:schemeClr val="accent1"/>
+            </a:lnRef>
+            <a:fillRef idx="0">
+              <a:schemeClr val="accent1"/>
+            </a:fillRef>
+            <a:effectRef idx="1">
+              <a:schemeClr val="accent1"/>
+            </a:effectRef>
+            <a:fontRef idx="minor">
+              <a:schemeClr val="tx1"/>
+            </a:fontRef>
+          </p:style>
+        </p:cxnSp>
+        <p:sp>
+          <p:nvSpPr>
+            <p:cNvPr id="24" name="Rectangle 23"/>
+            <p:cNvSpPr/>
+            <p:nvPr/>
+          </p:nvSpPr>
+          <p:spPr>
+            <a:xfrm>
+              <a:off x="9181476" y="-8467"/>
+              <a:ext cx="3007349" cy="6866467"/>
+            </a:xfrm>
+            <a:custGeom>
+              <a:avLst/>
+              <a:gdLst/>
+              <a:ahLst/>
+              <a:cxnLst/>
+              <a:rect l="l" t="t" r="r" b="b"/>
+              <a:pathLst>
+                <a:path w="3007349" h="6866467">
+                  <a:moveTo>
+                    <a:pt x="2045532" y="0"/>
+                  </a:moveTo>
+                  <a:lnTo>
+                    <a:pt x="3007349" y="0"/>
+                  </a:lnTo>
+                  <a:lnTo>
+                    <a:pt x="3007349" y="6866467"/>
+                  </a:lnTo>
+                  <a:lnTo>
+                    <a:pt x="0" y="6866467"/>
+                  </a:lnTo>
+                  <a:lnTo>
+                    <a:pt x="2045532" y="0"/>
+                  </a:lnTo>
+                  <a:close/>
+                </a:path>
+              </a:pathLst>
+            </a:custGeom>
+            <a:solidFill>
+              <a:schemeClr val="accent1">
+                <a:alpha val="30000"/>
+              </a:schemeClr>
+            </a:solidFill>
+            <a:ln>
+              <a:noFill/>
+            </a:ln>
+            <a:effectLst/>
+          </p:spPr>
+          <p:style>
+            <a:lnRef idx="1">
+              <a:schemeClr val="accent1"/>
+            </a:lnRef>
+            <a:fillRef idx="3">
+              <a:schemeClr val="accent1"/>
+            </a:fillRef>
+            <a:effectRef idx="2">
+              <a:schemeClr val="accent1"/>
+            </a:effectRef>
+            <a:fontRef idx="minor">
+              <a:schemeClr val="lt1"/>
+            </a:fontRef>
+          </p:style>
+        </p:sp>
+        <p:sp>
+          <p:nvSpPr>
+            <p:cNvPr id="26" name="Rectangle 25"/>
+            <p:cNvSpPr/>
+            <p:nvPr/>
+          </p:nvSpPr>
+          <p:spPr>
+            <a:xfrm>
+              <a:off x="9603442" y="-8467"/>
+              <a:ext cx="2588558" cy="6866467"/>
+            </a:xfrm>
+            <a:custGeom>
+              <a:avLst/>
+              <a:gdLst/>
+              <a:ahLst/>
+              <a:cxnLst/>
+              <a:rect l="l" t="t" r="r" b="b"/>
+              <a:pathLst>
+                <a:path w="2573311" h="6866467">
+                  <a:moveTo>
+                    <a:pt x="0" y="0"/>
+                  </a:moveTo>
+                  <a:lnTo>
+                    <a:pt x="2573311" y="0"/>
+                  </a:lnTo>
+                  <a:lnTo>
+                    <a:pt x="2573311" y="6866467"/>
+                  </a:lnTo>
+                  <a:lnTo>
+                    <a:pt x="1202336" y="6866467"/>
+                  </a:lnTo>
+                  <a:lnTo>
+                    <a:pt x="0" y="0"/>
+                  </a:lnTo>
+                  <a:close/>
+                </a:path>
+              </a:pathLst>
+            </a:custGeom>
+            <a:solidFill>
+              <a:schemeClr val="accent1">
+                <a:alpha val="20000"/>
+              </a:schemeClr>
+            </a:solidFill>
+            <a:ln>
+              <a:noFill/>
+            </a:ln>
+            <a:effectLst/>
+          </p:spPr>
+          <p:style>
+            <a:lnRef idx="1">
+              <a:schemeClr val="accent1"/>
+            </a:lnRef>
+            <a:fillRef idx="3">
+              <a:schemeClr val="accent1"/>
+            </a:fillRef>
+            <a:effectRef idx="2">
+              <a:schemeClr val="accent1"/>
+            </a:effectRef>
+            <a:fontRef idx="minor">
+              <a:schemeClr val="lt1"/>
+            </a:fontRef>
+          </p:style>
+        </p:sp>
+        <p:sp>
+          <p:nvSpPr>
+            <p:cNvPr id="27" name="Isosceles Triangle 26"/>
+            <p:cNvSpPr/>
+            <p:nvPr/>
+          </p:nvSpPr>
+          <p:spPr>
+            <a:xfrm>
+              <a:off x="8932333" y="3048000"/>
+              <a:ext cx="3259667" cy="3810000"/>
+            </a:xfrm>
+            <a:prstGeom prst="triangle">
+              <a:avLst>
+                <a:gd name="adj" fmla="val 100000"/>
+              </a:avLst>
+            </a:prstGeom>
+            <a:solidFill>
+              <a:schemeClr val="accent2">
+                <a:alpha val="72000"/>
+              </a:schemeClr>
+            </a:solidFill>
+            <a:ln>
+              <a:noFill/>
+            </a:ln>
+            <a:effectLst/>
+          </p:spPr>
+          <p:style>
+            <a:lnRef idx="1">
+              <a:schemeClr val="accent1"/>
+            </a:lnRef>
+            <a:fillRef idx="3">
+              <a:schemeClr val="accent1"/>
+            </a:fillRef>
+            <a:effectRef idx="2">
+              <a:schemeClr val="accent1"/>
+            </a:effectRef>
+            <a:fontRef idx="minor">
+              <a:schemeClr val="lt1"/>
+            </a:fontRef>
+          </p:style>
+        </p:sp>
+        <p:sp>
+          <p:nvSpPr>
+            <p:cNvPr id="28" name="Rectangle 27"/>
+            <p:cNvSpPr/>
+            <p:nvPr/>
+          </p:nvSpPr>
+          <p:spPr>
+            <a:xfrm>
+              <a:off x="9334500" y="-8467"/>
+              <a:ext cx="2854326" cy="6866467"/>
+            </a:xfrm>
+            <a:custGeom>
+              <a:avLst/>
+              <a:gdLst/>
+              <a:ahLst/>
+              <a:cxnLst/>
+              <a:rect l="l" t="t" r="r" b="b"/>
+              <a:pathLst>
+                <a:path w="2858013" h="6866467">
+                  <a:moveTo>
+                    <a:pt x="0" y="0"/>
+                  </a:moveTo>
+                  <a:lnTo>
+                    <a:pt x="2858013" y="0"/>
+                  </a:lnTo>
+                  <a:lnTo>
+                    <a:pt x="2858013" y="6866467"/>
+                  </a:lnTo>
+                  <a:lnTo>
+                    <a:pt x="2473942" y="6866467"/>
+                  </a:lnTo>
+                  <a:lnTo>
+                    <a:pt x="0" y="0"/>
+                  </a:lnTo>
+                  <a:close/>
+                </a:path>
+              </a:pathLst>
+            </a:custGeom>
+            <a:solidFill>
+              <a:schemeClr val="accent2">
+                <a:lumMod val="75000"/>
+                <a:alpha val="70000"/>
+              </a:schemeClr>
+            </a:solidFill>
+            <a:ln>
+              <a:noFill/>
+            </a:ln>
+            <a:effectLst/>
+          </p:spPr>
+          <p:style>
+            <a:lnRef idx="1">
+              <a:schemeClr val="accent1"/>
+            </a:lnRef>
+            <a:fillRef idx="3">
+              <a:schemeClr val="accent1"/>
+            </a:fillRef>
+            <a:effectRef idx="2">
+              <a:schemeClr val="accent1"/>
+            </a:effectRef>
+            <a:fontRef idx="minor">
+              <a:schemeClr val="lt1"/>
+            </a:fontRef>
+          </p:style>
+        </p:sp>
+        <p:sp>
+          <p:nvSpPr>
+            <p:cNvPr id="29" name="Rectangle 28"/>
+            <p:cNvSpPr/>
+            <p:nvPr/>
+          </p:nvSpPr>
+          <p:spPr>
+            <a:xfrm>
+              <a:off x="10898730" y="-8467"/>
+              <a:ext cx="1290094" cy="6866467"/>
+            </a:xfrm>
+            <a:custGeom>
+              <a:avLst/>
+              <a:gdLst/>
+              <a:ahLst/>
+              <a:cxnLst/>
+              <a:rect l="l" t="t" r="r" b="b"/>
+              <a:pathLst>
+                <a:path w="1290094" h="6858000">
+                  <a:moveTo>
+                    <a:pt x="1019735" y="0"/>
+                  </a:moveTo>
+                  <a:lnTo>
+                    <a:pt x="1290094" y="0"/>
+                  </a:lnTo>
+                  <a:lnTo>
+                    <a:pt x="1290094" y="6858000"/>
+                  </a:lnTo>
+                  <a:lnTo>
+                    <a:pt x="0" y="6858000"/>
+                  </a:lnTo>
+                  <a:lnTo>
+                    <a:pt x="1019735" y="0"/>
+                  </a:lnTo>
+                  <a:close/>
+                </a:path>
+              </a:pathLst>
+            </a:custGeom>
+            <a:solidFill>
+              <a:schemeClr val="accent1">
+                <a:lumMod val="60000"/>
+                <a:lumOff val="40000"/>
+                <a:alpha val="70000"/>
+              </a:schemeClr>
+            </a:solidFill>
+            <a:ln>
+              <a:noFill/>
+            </a:ln>
+            <a:effectLst/>
+          </p:spPr>
+          <p:style>
+            <a:lnRef idx="1">
+              <a:schemeClr val="accent1"/>
+            </a:lnRef>
+            <a:fillRef idx="3">
+              <a:schemeClr val="accent1"/>
+            </a:fillRef>
+            <a:effectRef idx="2">
+              <a:schemeClr val="accent1"/>
+            </a:effectRef>
+            <a:fontRef idx="minor">
+              <a:schemeClr val="lt1"/>
+            </a:fontRef>
+          </p:style>
+        </p:sp>
+        <p:sp>
+          <p:nvSpPr>
+            <p:cNvPr id="30" name="Rectangle 29"/>
+            <p:cNvSpPr/>
+            <p:nvPr/>
+          </p:nvSpPr>
+          <p:spPr>
+            <a:xfrm>
+              <a:off x="10938999" y="-8467"/>
+              <a:ext cx="1249825" cy="6866467"/>
+            </a:xfrm>
+            <a:custGeom>
+              <a:avLst/>
+              <a:gdLst/>
+              <a:ahLst/>
+              <a:cxnLst/>
+              <a:rect l="l" t="t" r="r" b="b"/>
+              <a:pathLst>
+                <a:path w="1249825" h="6858000">
+                  <a:moveTo>
+                    <a:pt x="0" y="0"/>
+                  </a:moveTo>
+                  <a:lnTo>
+                    <a:pt x="1249825" y="0"/>
+                  </a:lnTo>
+                  <a:lnTo>
+                    <a:pt x="1249825" y="6858000"/>
+                  </a:lnTo>
+                  <a:lnTo>
+                    <a:pt x="1109382" y="6858000"/>
+                  </a:lnTo>
+                  <a:lnTo>
+                    <a:pt x="0" y="0"/>
+                  </a:lnTo>
+                  <a:close/>
+                </a:path>
+              </a:pathLst>
+            </a:custGeom>
+            <a:solidFill>
+              <a:schemeClr val="accent1">
+                <a:alpha val="65000"/>
+              </a:schemeClr>
+            </a:solidFill>
+            <a:ln>
+              <a:noFill/>
+            </a:ln>
+            <a:effectLst/>
+          </p:spPr>
+          <p:style>
+            <a:lnRef idx="1">
+              <a:schemeClr val="accent1"/>
+            </a:lnRef>
+            <a:fillRef idx="3">
+              <a:schemeClr val="accent1"/>
+            </a:fillRef>
+            <a:effectRef idx="2">
+              <a:schemeClr val="accent1"/>
+            </a:effectRef>
+            <a:fontRef idx="minor">
+              <a:schemeClr val="lt1"/>
+            </a:fontRef>
+          </p:style>
+        </p:sp>
+        <p:sp>
+          <p:nvSpPr>
+            <p:cNvPr id="31" name="Isosceles Triangle 30"/>
+            <p:cNvSpPr/>
+            <p:nvPr/>
+          </p:nvSpPr>
+          <p:spPr>
+            <a:xfrm>
+              <a:off x="10371666" y="3589867"/>
+              <a:ext cx="1817159" cy="3268133"/>
+            </a:xfrm>
+            <a:prstGeom prst="triangle">
+              <a:avLst>
+                <a:gd name="adj" fmla="val 100000"/>
+              </a:avLst>
+            </a:prstGeom>
+            <a:solidFill>
+              <a:schemeClr val="accent1">
+                <a:alpha val="80000"/>
+              </a:schemeClr>
+            </a:solidFill>
+            <a:ln>
+              <a:noFill/>
+            </a:ln>
+            <a:effectLst/>
+          </p:spPr>
+          <p:style>
+            <a:lnRef idx="1">
+              <a:schemeClr val="accent1"/>
+            </a:lnRef>
+            <a:fillRef idx="3">
+              <a:schemeClr val="accent1"/>
+            </a:fillRef>
+            <a:effectRef idx="2">
+              <a:schemeClr val="accent1"/>
+            </a:effectRef>
+            <a:fontRef idx="minor">
+              <a:schemeClr val="lt1"/>
+            </a:fontRef>
+          </p:style>
+        </p:sp>
+        <p:sp>
+          <p:nvSpPr>
+            <p:cNvPr id="19" name="Isosceles Triangle 18"/>
+            <p:cNvSpPr/>
+            <p:nvPr/>
+          </p:nvSpPr>
+          <p:spPr>
+            <a:xfrm rot="10800000">
+              <a:off x="0" y="0"/>
+              <a:ext cx="842596" cy="5666154"/>
+            </a:xfrm>
+            <a:prstGeom prst="triangle">
+              <a:avLst>
+                <a:gd name="adj" fmla="val 100000"/>
+              </a:avLst>
+            </a:prstGeom>
+            <a:solidFill>
+              <a:schemeClr val="accent1">
+                <a:alpha val="85000"/>
+              </a:schemeClr>
+            </a:solidFill>
+            <a:ln>
+              <a:noFill/>
+            </a:ln>
+            <a:effectLst/>
+          </p:spPr>
+          <p:style>
+            <a:lnRef idx="1">
+              <a:schemeClr val="accent1"/>
+            </a:lnRef>
+            <a:fillRef idx="3">
+              <a:schemeClr val="accent1"/>
+            </a:fillRef>
+            <a:effectRef idx="2">
+              <a:schemeClr val="accent1"/>
+            </a:effectRef>
+            <a:fontRef idx="minor">
+              <a:schemeClr val="lt1"/>
+            </a:fontRef>
+          </p:style>
+        </p:sp>
+      </p:grpSp>
+      <p:sp>
+        <p:nvSpPr>
+          <p:cNvPr id="2" name="Title 1"/>
           <p:cNvSpPr>
             <a:spLocks noGrp="1"/>
           </p:cNvSpPr>
@@ -160,34 +684,35 @@
         </p:nvSpPr>
         <p:spPr>
           <a:xfrm>
-            <a:off x="1524000" y="1122363"/>
-            <a:ext cx="9144000" cy="2387600"/>
+            <a:off x="1507067" y="2404534"/>
+            <a:ext cx="7766936" cy="1646302"/>
           </a:xfrm>
         </p:spPr>
         <p:txBody>
-          <a:bodyPr anchor="b"/>
+          <a:bodyPr anchor="b">
+            <a:noAutofit/>
+          </a:bodyPr>
           <a:lstStyle>
-            <a:lvl1pPr algn="ctr">
-              <a:defRPr sz="6000"/>
+            <a:lvl1pPr algn="r">
+              <a:defRPr sz="5400">
+                <a:solidFill>
+                  <a:schemeClr val="accent1"/>
+                </a:solidFill>
+              </a:defRPr>
             </a:lvl1pPr>
           </a:lstStyle>
           <a:p>
             <a:r>
-              <a:rPr lang="en-US"/>
-              <a:t>Click to edit Master title style</a:t>
-            </a:r>
-          </a:p>
-        </p:txBody>
-      </p:sp>
-      <p:sp>
-        <p:nvSpPr>
-          <p:cNvPr id="3" name="Subtitle 2">
-            <a:extLst>
-              <a:ext uri="{FF2B5EF4-FFF2-40B4-BE49-F238E27FC236}">
-                <a16:creationId xmlns:a16="http://schemas.microsoft.com/office/drawing/2014/main" id="{4ED8895B-AB5A-4A6D-86F2-3F15EB86869F}"/>
-              </a:ext>
-            </a:extLst>
-          </p:cNvPr>
+              <a:rPr lang="th-TH"/>
+              <a:t>คลิกเพื่อแก้ไขสไตล์ชื่อเรื่องต้นแบบ</a:t>
+            </a:r>
+            <a:endParaRPr lang="en-US" dirty="0"/>
+          </a:p>
+        </p:txBody>
+      </p:sp>
+      <p:sp>
+        <p:nvSpPr>
+          <p:cNvPr id="3" name="Subtitle 2"/>
           <p:cNvSpPr>
             <a:spLocks noGrp="1"/>
           </p:cNvSpPr>
@@ -197,67 +722,117 @@
         </p:nvSpPr>
         <p:spPr>
           <a:xfrm>
-            <a:off x="1524000" y="3602038"/>
-            <a:ext cx="9144000" cy="1655762"/>
+            <a:off x="1507067" y="4050833"/>
+            <a:ext cx="7766936" cy="1096899"/>
           </a:xfrm>
         </p:spPr>
         <p:txBody>
-          <a:bodyPr/>
+          <a:bodyPr anchor="t"/>
           <a:lstStyle>
-            <a:lvl1pPr marL="0" indent="0" algn="ctr">
-              <a:buNone/>
-              <a:defRPr sz="2400"/>
+            <a:lvl1pPr marL="0" indent="0" algn="r">
+              <a:buNone/>
+              <a:defRPr>
+                <a:solidFill>
+                  <a:schemeClr val="tx1">
+                    <a:lumMod val="50000"/>
+                    <a:lumOff val="50000"/>
+                  </a:schemeClr>
+                </a:solidFill>
+              </a:defRPr>
             </a:lvl1pPr>
             <a:lvl2pPr marL="457200" indent="0" algn="ctr">
               <a:buNone/>
-              <a:defRPr sz="2000"/>
+              <a:defRPr>
+                <a:solidFill>
+                  <a:schemeClr val="tx1">
+                    <a:tint val="75000"/>
+                  </a:schemeClr>
+                </a:solidFill>
+              </a:defRPr>
             </a:lvl2pPr>
             <a:lvl3pPr marL="914400" indent="0" algn="ctr">
               <a:buNone/>
-              <a:defRPr sz="1800"/>
+              <a:defRPr>
+                <a:solidFill>
+                  <a:schemeClr val="tx1">
+                    <a:tint val="75000"/>
+                  </a:schemeClr>
+                </a:solidFill>
+              </a:defRPr>
             </a:lvl3pPr>
             <a:lvl4pPr marL="1371600" indent="0" algn="ctr">
               <a:buNone/>
-              <a:defRPr sz="1600"/>
+              <a:defRPr>
+                <a:solidFill>
+                  <a:schemeClr val="tx1">
+                    <a:tint val="75000"/>
+                  </a:schemeClr>
+                </a:solidFill>
+              </a:defRPr>
             </a:lvl4pPr>
             <a:lvl5pPr marL="1828800" indent="0" algn="ctr">
               <a:buNone/>
-              <a:defRPr sz="1600"/>
+              <a:defRPr>
+                <a:solidFill>
+                  <a:schemeClr val="tx1">
+                    <a:tint val="75000"/>
+                  </a:schemeClr>
+                </a:solidFill>
+              </a:defRPr>
             </a:lvl5pPr>
             <a:lvl6pPr marL="2286000" indent="0" algn="ctr">
               <a:buNone/>
-              <a:defRPr sz="1600"/>
+              <a:defRPr>
+                <a:solidFill>
+                  <a:schemeClr val="tx1">
+                    <a:tint val="75000"/>
+                  </a:schemeClr>
+                </a:solidFill>
+              </a:defRPr>
             </a:lvl6pPr>
             <a:lvl7pPr marL="2743200" indent="0" algn="ctr">
               <a:buNone/>
-              <a:defRPr sz="1600"/>
+              <a:defRPr>
+                <a:solidFill>
+                  <a:schemeClr val="tx1">
+                    <a:tint val="75000"/>
+                  </a:schemeClr>
+                </a:solidFill>
+              </a:defRPr>
             </a:lvl7pPr>
             <a:lvl8pPr marL="3200400" indent="0" algn="ctr">
               <a:buNone/>
-              <a:defRPr sz="1600"/>
+              <a:defRPr>
+                <a:solidFill>
+                  <a:schemeClr val="tx1">
+                    <a:tint val="75000"/>
+                  </a:schemeClr>
+                </a:solidFill>
+              </a:defRPr>
             </a:lvl8pPr>
             <a:lvl9pPr marL="3657600" indent="0" algn="ctr">
               <a:buNone/>
-              <a:defRPr sz="1600"/>
+              <a:defRPr>
+                <a:solidFill>
+                  <a:schemeClr val="tx1">
+                    <a:tint val="75000"/>
+                  </a:schemeClr>
+                </a:solidFill>
+              </a:defRPr>
             </a:lvl9pPr>
           </a:lstStyle>
           <a:p>
             <a:r>
-              <a:rPr lang="en-US"/>
-              <a:t>Click to edit Master subtitle style</a:t>
-            </a:r>
-          </a:p>
-        </p:txBody>
-      </p:sp>
-      <p:sp>
-        <p:nvSpPr>
-          <p:cNvPr id="4" name="Date Placeholder 3">
-            <a:extLst>
-              <a:ext uri="{FF2B5EF4-FFF2-40B4-BE49-F238E27FC236}">
-                <a16:creationId xmlns:a16="http://schemas.microsoft.com/office/drawing/2014/main" id="{385BC2DA-AD70-4B1E-BAED-5C5C7478AB0E}"/>
-              </a:ext>
-            </a:extLst>
-          </p:cNvPr>
+              <a:rPr lang="th-TH"/>
+              <a:t>คลิกเพื่อแก้ไขสไตล์ชื่อเรื่องรองต้นแบบ</a:t>
+            </a:r>
+            <a:endParaRPr lang="en-US" dirty="0"/>
+          </a:p>
+        </p:txBody>
+      </p:sp>
+      <p:sp>
+        <p:nvSpPr>
+          <p:cNvPr id="4" name="Date Placeholder 3"/>
           <p:cNvSpPr>
             <a:spLocks noGrp="1"/>
           </p:cNvSpPr>
@@ -272,7 +847,7 @@
           <a:p>
             <a:fld id="{71FDB983-57D4-4524-928A-6E3CAB900B43}" type="datetimeFigureOut">
               <a:rPr lang="en-US" smtClean="0"/>
-              <a:t>10/8/2024</a:t>
+              <a:t>10/12/2024</a:t>
             </a:fld>
             <a:endParaRPr lang="en-US"/>
           </a:p>
@@ -280,13 +855,7 @@
       </p:sp>
       <p:sp>
         <p:nvSpPr>
-          <p:cNvPr id="5" name="Footer Placeholder 4">
-            <a:extLst>
-              <a:ext uri="{FF2B5EF4-FFF2-40B4-BE49-F238E27FC236}">
-                <a16:creationId xmlns:a16="http://schemas.microsoft.com/office/drawing/2014/main" id="{02410B68-DB5C-47A8-90F2-95C93EDFD659}"/>
-              </a:ext>
-            </a:extLst>
-          </p:cNvPr>
+          <p:cNvPr id="5" name="Footer Placeholder 4"/>
           <p:cNvSpPr>
             <a:spLocks noGrp="1"/>
           </p:cNvSpPr>
@@ -305,13 +874,7 @@
       </p:sp>
       <p:sp>
         <p:nvSpPr>
-          <p:cNvPr id="6" name="Slide Number Placeholder 5">
-            <a:extLst>
-              <a:ext uri="{FF2B5EF4-FFF2-40B4-BE49-F238E27FC236}">
-                <a16:creationId xmlns:a16="http://schemas.microsoft.com/office/drawing/2014/main" id="{2766E741-9C45-4FD3-B2DD-0165FBF838E6}"/>
-              </a:ext>
-            </a:extLst>
-          </p:cNvPr>
+          <p:cNvPr id="6" name="Slide Number Placeholder 5"/>
           <p:cNvSpPr>
             <a:spLocks noGrp="1"/>
           </p:cNvSpPr>
@@ -335,7 +898,7 @@
     </p:spTree>
     <p:extLst>
       <p:ext uri="{BB962C8B-B14F-4D97-AF65-F5344CB8AC3E}">
-        <p14:creationId xmlns:p14="http://schemas.microsoft.com/office/powerpoint/2010/main" val="2276550265"/>
+        <p14:creationId xmlns:p14="http://schemas.microsoft.com/office/powerpoint/2010/main" val="3410730753"/>
       </p:ext>
     </p:extLst>
   </p:cSld>
@@ -346,8 +909,8 @@
 </file>
 
 <file path=ppt/slideLayouts/slideLayout10.xml><?xml version="1.0" encoding="utf-8"?>
-<p:sldLayout xmlns:a="http://schemas.openxmlformats.org/drawingml/2006/main" xmlns:r="http://schemas.openxmlformats.org/officeDocument/2006/relationships" xmlns:p="http://schemas.openxmlformats.org/presentationml/2006/main" type="vertTx" preserve="1">
-  <p:cSld name="Title and Vertical Text">
+<p:sldLayout xmlns:a="http://schemas.openxmlformats.org/drawingml/2006/main" xmlns:r="http://schemas.openxmlformats.org/officeDocument/2006/relationships" xmlns:p="http://schemas.openxmlformats.org/presentationml/2006/main" preserve="1">
+  <p:cSld name="ชื่อและคำอธิบาย">
     <p:spTree>
       <p:nvGrpSpPr>
         <p:cNvPr id="1" name=""/>
@@ -364,18 +927,168 @@
       </p:grpSpPr>
       <p:sp>
         <p:nvSpPr>
-          <p:cNvPr id="2" name="Title 1">
-            <a:extLst>
-              <a:ext uri="{FF2B5EF4-FFF2-40B4-BE49-F238E27FC236}">
-                <a16:creationId xmlns:a16="http://schemas.microsoft.com/office/drawing/2014/main" id="{12275AC9-9590-44E4-AF01-C357C1A6C878}"/>
-              </a:ext>
-            </a:extLst>
-          </p:cNvPr>
+          <p:cNvPr id="2" name="Title 1"/>
           <p:cNvSpPr>
             <a:spLocks noGrp="1"/>
           </p:cNvSpPr>
           <p:nvPr>
             <p:ph type="title"/>
+          </p:nvPr>
+        </p:nvSpPr>
+        <p:spPr>
+          <a:xfrm>
+            <a:off x="677335" y="609600"/>
+            <a:ext cx="8596668" cy="3403600"/>
+          </a:xfrm>
+        </p:spPr>
+        <p:txBody>
+          <a:bodyPr anchor="ctr">
+            <a:normAutofit/>
+          </a:bodyPr>
+          <a:lstStyle>
+            <a:lvl1pPr algn="l">
+              <a:defRPr sz="4400" b="0" cap="none"/>
+            </a:lvl1pPr>
+          </a:lstStyle>
+          <a:p>
+            <a:r>
+              <a:rPr lang="th-TH"/>
+              <a:t>คลิกเพื่อแก้ไขสไตล์ชื่อเรื่องต้นแบบ</a:t>
+            </a:r>
+            <a:endParaRPr lang="en-US" dirty="0"/>
+          </a:p>
+        </p:txBody>
+      </p:sp>
+      <p:sp>
+        <p:nvSpPr>
+          <p:cNvPr id="3" name="Text Placeholder 2"/>
+          <p:cNvSpPr>
+            <a:spLocks noGrp="1"/>
+          </p:cNvSpPr>
+          <p:nvPr>
+            <p:ph type="body" idx="1"/>
+          </p:nvPr>
+        </p:nvSpPr>
+        <p:spPr>
+          <a:xfrm>
+            <a:off x="677335" y="4470400"/>
+            <a:ext cx="8596668" cy="1570962"/>
+          </a:xfrm>
+        </p:spPr>
+        <p:txBody>
+          <a:bodyPr anchor="ctr">
+            <a:normAutofit/>
+          </a:bodyPr>
+          <a:lstStyle>
+            <a:lvl1pPr marL="0" indent="0" algn="l">
+              <a:buNone/>
+              <a:defRPr sz="1800">
+                <a:solidFill>
+                  <a:schemeClr val="tx1">
+                    <a:lumMod val="75000"/>
+                    <a:lumOff val="25000"/>
+                  </a:schemeClr>
+                </a:solidFill>
+              </a:defRPr>
+            </a:lvl1pPr>
+            <a:lvl2pPr marL="457200" indent="0">
+              <a:buNone/>
+              <a:defRPr sz="1800">
+                <a:solidFill>
+                  <a:schemeClr val="tx1">
+                    <a:tint val="75000"/>
+                  </a:schemeClr>
+                </a:solidFill>
+              </a:defRPr>
+            </a:lvl2pPr>
+            <a:lvl3pPr marL="914400" indent="0">
+              <a:buNone/>
+              <a:defRPr sz="1600">
+                <a:solidFill>
+                  <a:schemeClr val="tx1">
+                    <a:tint val="75000"/>
+                  </a:schemeClr>
+                </a:solidFill>
+              </a:defRPr>
+            </a:lvl3pPr>
+            <a:lvl4pPr marL="1371600" indent="0">
+              <a:buNone/>
+              <a:defRPr sz="1400">
+                <a:solidFill>
+                  <a:schemeClr val="tx1">
+                    <a:tint val="75000"/>
+                  </a:schemeClr>
+                </a:solidFill>
+              </a:defRPr>
+            </a:lvl4pPr>
+            <a:lvl5pPr marL="1828800" indent="0">
+              <a:buNone/>
+              <a:defRPr sz="1400">
+                <a:solidFill>
+                  <a:schemeClr val="tx1">
+                    <a:tint val="75000"/>
+                  </a:schemeClr>
+                </a:solidFill>
+              </a:defRPr>
+            </a:lvl5pPr>
+            <a:lvl6pPr marL="2286000" indent="0">
+              <a:buNone/>
+              <a:defRPr sz="1400">
+                <a:solidFill>
+                  <a:schemeClr val="tx1">
+                    <a:tint val="75000"/>
+                  </a:schemeClr>
+                </a:solidFill>
+              </a:defRPr>
+            </a:lvl6pPr>
+            <a:lvl7pPr marL="2743200" indent="0">
+              <a:buNone/>
+              <a:defRPr sz="1400">
+                <a:solidFill>
+                  <a:schemeClr val="tx1">
+                    <a:tint val="75000"/>
+                  </a:schemeClr>
+                </a:solidFill>
+              </a:defRPr>
+            </a:lvl7pPr>
+            <a:lvl8pPr marL="3200400" indent="0">
+              <a:buNone/>
+              <a:defRPr sz="1400">
+                <a:solidFill>
+                  <a:schemeClr val="tx1">
+                    <a:tint val="75000"/>
+                  </a:schemeClr>
+                </a:solidFill>
+              </a:defRPr>
+            </a:lvl8pPr>
+            <a:lvl9pPr marL="3657600" indent="0">
+              <a:buNone/>
+              <a:defRPr sz="1400">
+                <a:solidFill>
+                  <a:schemeClr val="tx1">
+                    <a:tint val="75000"/>
+                  </a:schemeClr>
+                </a:solidFill>
+              </a:defRPr>
+            </a:lvl9pPr>
+          </a:lstStyle>
+          <a:p>
+            <a:pPr lvl="0"/>
+            <a:r>
+              <a:rPr lang="th-TH"/>
+              <a:t>คลิกเพื่อแก้ไขสไตล์ของข้อความต้นแบบ</a:t>
+            </a:r>
+          </a:p>
+        </p:txBody>
+      </p:sp>
+      <p:sp>
+        <p:nvSpPr>
+          <p:cNvPr id="4" name="Date Placeholder 3"/>
+          <p:cNvSpPr>
+            <a:spLocks noGrp="1"/>
+          </p:cNvSpPr>
+          <p:nvPr>
+            <p:ph type="dt" sz="half" idx="10"/>
           </p:nvPr>
         </p:nvSpPr>
         <p:spPr/>
@@ -383,84 +1096,22 @@
           <a:bodyPr/>
           <a:lstStyle/>
           <a:p>
-            <a:r>
-              <a:rPr lang="en-US"/>
-              <a:t>Click to edit Master title style</a:t>
-            </a:r>
-          </a:p>
-        </p:txBody>
-      </p:sp>
-      <p:sp>
-        <p:nvSpPr>
-          <p:cNvPr id="3" name="Vertical Text Placeholder 2">
-            <a:extLst>
-              <a:ext uri="{FF2B5EF4-FFF2-40B4-BE49-F238E27FC236}">
-                <a16:creationId xmlns:a16="http://schemas.microsoft.com/office/drawing/2014/main" id="{27403364-F789-4200-9862-721D8AC1926C}"/>
-              </a:ext>
-            </a:extLst>
-          </p:cNvPr>
-          <p:cNvSpPr>
-            <a:spLocks noGrp="1"/>
-          </p:cNvSpPr>
-          <p:nvPr>
-            <p:ph type="body" orient="vert" idx="1"/>
-          </p:nvPr>
-        </p:nvSpPr>
-        <p:spPr/>
-        <p:txBody>
-          <a:bodyPr vert="eaVert"/>
-          <a:lstStyle/>
-          <a:p>
-            <a:pPr lvl="0"/>
-            <a:r>
-              <a:rPr lang="en-US"/>
-              <a:t>Edit Master text styles</a:t>
-            </a:r>
-          </a:p>
-          <a:p>
-            <a:pPr lvl="1"/>
-            <a:r>
-              <a:rPr lang="en-US"/>
-              <a:t>Second level</a:t>
-            </a:r>
-          </a:p>
-          <a:p>
-            <a:pPr lvl="2"/>
-            <a:r>
-              <a:rPr lang="en-US"/>
-              <a:t>Third level</a:t>
-            </a:r>
-          </a:p>
-          <a:p>
-            <a:pPr lvl="3"/>
-            <a:r>
-              <a:rPr lang="en-US"/>
-              <a:t>Fourth level</a:t>
-            </a:r>
-          </a:p>
-          <a:p>
-            <a:pPr lvl="4"/>
-            <a:r>
-              <a:rPr lang="en-US"/>
-              <a:t>Fifth level</a:t>
-            </a:r>
-          </a:p>
-        </p:txBody>
-      </p:sp>
-      <p:sp>
-        <p:nvSpPr>
-          <p:cNvPr id="4" name="Date Placeholder 3">
-            <a:extLst>
-              <a:ext uri="{FF2B5EF4-FFF2-40B4-BE49-F238E27FC236}">
-                <a16:creationId xmlns:a16="http://schemas.microsoft.com/office/drawing/2014/main" id="{4E8C43D4-6538-43CA-9ABF-9177390E9821}"/>
-              </a:ext>
-            </a:extLst>
-          </p:cNvPr>
-          <p:cNvSpPr>
-            <a:spLocks noGrp="1"/>
-          </p:cNvSpPr>
-          <p:nvPr>
-            <p:ph type="dt" sz="half" idx="10"/>
+            <a:fld id="{71FDB983-57D4-4524-928A-6E3CAB900B43}" type="datetimeFigureOut">
+              <a:rPr lang="en-US" smtClean="0"/>
+              <a:t>10/12/2024</a:t>
+            </a:fld>
+            <a:endParaRPr lang="en-US"/>
+          </a:p>
+        </p:txBody>
+      </p:sp>
+      <p:sp>
+        <p:nvSpPr>
+          <p:cNvPr id="5" name="Footer Placeholder 4"/>
+          <p:cNvSpPr>
+            <a:spLocks noGrp="1"/>
+          </p:cNvSpPr>
+          <p:nvPr>
+            <p:ph type="ftr" sz="quarter" idx="11"/>
           </p:nvPr>
         </p:nvSpPr>
         <p:spPr/>
@@ -468,48 +1119,13 @@
           <a:bodyPr/>
           <a:lstStyle/>
           <a:p>
-            <a:fld id="{71FDB983-57D4-4524-928A-6E3CAB900B43}" type="datetimeFigureOut">
-              <a:rPr lang="en-US" smtClean="0"/>
-              <a:t>10/8/2024</a:t>
-            </a:fld>
             <a:endParaRPr lang="en-US"/>
           </a:p>
         </p:txBody>
       </p:sp>
       <p:sp>
         <p:nvSpPr>
-          <p:cNvPr id="5" name="Footer Placeholder 4">
-            <a:extLst>
-              <a:ext uri="{FF2B5EF4-FFF2-40B4-BE49-F238E27FC236}">
-                <a16:creationId xmlns:a16="http://schemas.microsoft.com/office/drawing/2014/main" id="{737F3ADE-9A24-4F06-8603-68FB435123C5}"/>
-              </a:ext>
-            </a:extLst>
-          </p:cNvPr>
-          <p:cNvSpPr>
-            <a:spLocks noGrp="1"/>
-          </p:cNvSpPr>
-          <p:nvPr>
-            <p:ph type="ftr" sz="quarter" idx="11"/>
-          </p:nvPr>
-        </p:nvSpPr>
-        <p:spPr/>
-        <p:txBody>
-          <a:bodyPr/>
-          <a:lstStyle/>
-          <a:p>
-            <a:endParaRPr lang="en-US"/>
-          </a:p>
-        </p:txBody>
-      </p:sp>
-      <p:sp>
-        <p:nvSpPr>
-          <p:cNvPr id="6" name="Slide Number Placeholder 5">
-            <a:extLst>
-              <a:ext uri="{FF2B5EF4-FFF2-40B4-BE49-F238E27FC236}">
-                <a16:creationId xmlns:a16="http://schemas.microsoft.com/office/drawing/2014/main" id="{CC0242C8-C305-49E7-A06B-E6DEDE9D9174}"/>
-              </a:ext>
-            </a:extLst>
-          </p:cNvPr>
+          <p:cNvPr id="6" name="Slide Number Placeholder 5"/>
           <p:cNvSpPr>
             <a:spLocks noGrp="1"/>
           </p:cNvSpPr>
@@ -533,7 +1149,7 @@
     </p:spTree>
     <p:extLst>
       <p:ext uri="{BB962C8B-B14F-4D97-AF65-F5344CB8AC3E}">
-        <p14:creationId xmlns:p14="http://schemas.microsoft.com/office/powerpoint/2010/main" val="1947780052"/>
+        <p14:creationId xmlns:p14="http://schemas.microsoft.com/office/powerpoint/2010/main" val="972317098"/>
       </p:ext>
     </p:extLst>
   </p:cSld>
@@ -544,8 +1160,8 @@
 </file>
 
 <file path=ppt/slideLayouts/slideLayout11.xml><?xml version="1.0" encoding="utf-8"?>
-<p:sldLayout xmlns:a="http://schemas.openxmlformats.org/drawingml/2006/main" xmlns:r="http://schemas.openxmlformats.org/officeDocument/2006/relationships" xmlns:p="http://schemas.openxmlformats.org/presentationml/2006/main" type="vertTitleAndTx" preserve="1">
-  <p:cSld name="Vertical Title and Text">
+<p:sldLayout xmlns:a="http://schemas.openxmlformats.org/drawingml/2006/main" xmlns:r="http://schemas.openxmlformats.org/officeDocument/2006/relationships" xmlns:p="http://schemas.openxmlformats.org/presentationml/2006/main" preserve="1">
+  <p:cSld name="คำอ้างอิงพร้อมคำอธิบาย">
     <p:spTree>
       <p:nvGrpSpPr>
         <p:cNvPr id="1" name=""/>
@@ -562,108 +1178,226 @@
       </p:grpSpPr>
       <p:sp>
         <p:nvSpPr>
-          <p:cNvPr id="2" name="Vertical Title 1">
-            <a:extLst>
-              <a:ext uri="{FF2B5EF4-FFF2-40B4-BE49-F238E27FC236}">
-                <a16:creationId xmlns:a16="http://schemas.microsoft.com/office/drawing/2014/main" id="{6EB798E0-2B93-4CF1-9F77-96FAE1BD36E5}"/>
-              </a:ext>
-            </a:extLst>
-          </p:cNvPr>
-          <p:cNvSpPr>
-            <a:spLocks noGrp="1"/>
-          </p:cNvSpPr>
-          <p:nvPr>
-            <p:ph type="title" orient="vert"/>
+          <p:cNvPr id="2" name="Title 1"/>
+          <p:cNvSpPr>
+            <a:spLocks noGrp="1"/>
+          </p:cNvSpPr>
+          <p:nvPr>
+            <p:ph type="title"/>
           </p:nvPr>
         </p:nvSpPr>
         <p:spPr>
           <a:xfrm>
-            <a:off x="8724900" y="365125"/>
-            <a:ext cx="2628900" cy="5811838"/>
+            <a:off x="931334" y="609600"/>
+            <a:ext cx="8094134" cy="3022600"/>
           </a:xfrm>
         </p:spPr>
         <p:txBody>
-          <a:bodyPr vert="eaVert"/>
-          <a:lstStyle/>
-          <a:p>
-            <a:r>
-              <a:rPr lang="en-US"/>
-              <a:t>Click to edit Master title style</a:t>
-            </a:r>
-          </a:p>
-        </p:txBody>
-      </p:sp>
-      <p:sp>
-        <p:nvSpPr>
-          <p:cNvPr id="3" name="Vertical Text Placeholder 2">
-            <a:extLst>
-              <a:ext uri="{FF2B5EF4-FFF2-40B4-BE49-F238E27FC236}">
-                <a16:creationId xmlns:a16="http://schemas.microsoft.com/office/drawing/2014/main" id="{9ED31966-D15E-4B4A-A9E1-343B6D5A232E}"/>
-              </a:ext>
-            </a:extLst>
-          </p:cNvPr>
-          <p:cNvSpPr>
-            <a:spLocks noGrp="1"/>
-          </p:cNvSpPr>
-          <p:nvPr>
-            <p:ph type="body" orient="vert" idx="1"/>
+          <a:bodyPr anchor="ctr">
+            <a:normAutofit/>
+          </a:bodyPr>
+          <a:lstStyle>
+            <a:lvl1pPr algn="l">
+              <a:defRPr sz="4400" b="0" cap="none"/>
+            </a:lvl1pPr>
+          </a:lstStyle>
+          <a:p>
+            <a:r>
+              <a:rPr lang="th-TH"/>
+              <a:t>คลิกเพื่อแก้ไขสไตล์ชื่อเรื่องต้นแบบ</a:t>
+            </a:r>
+            <a:endParaRPr lang="en-US" dirty="0"/>
+          </a:p>
+        </p:txBody>
+      </p:sp>
+      <p:sp>
+        <p:nvSpPr>
+          <p:cNvPr id="23" name="Text Placeholder 9"/>
+          <p:cNvSpPr>
+            <a:spLocks noGrp="1"/>
+          </p:cNvSpPr>
+          <p:nvPr>
+            <p:ph type="body" sz="quarter" idx="13"/>
           </p:nvPr>
         </p:nvSpPr>
         <p:spPr>
           <a:xfrm>
-            <a:off x="838200" y="365125"/>
-            <a:ext cx="7734300" cy="5811838"/>
+            <a:off x="1366139" y="3632200"/>
+            <a:ext cx="7224524" cy="381000"/>
           </a:xfrm>
         </p:spPr>
         <p:txBody>
-          <a:bodyPr vert="eaVert"/>
-          <a:lstStyle/>
+          <a:bodyPr anchor="ctr">
+            <a:noAutofit/>
+          </a:bodyPr>
+          <a:lstStyle>
+            <a:lvl1pPr marL="0" indent="0">
+              <a:buFontTx/>
+              <a:buNone/>
+              <a:defRPr sz="1600">
+                <a:solidFill>
+                  <a:schemeClr val="tx1">
+                    <a:lumMod val="50000"/>
+                    <a:lumOff val="50000"/>
+                  </a:schemeClr>
+                </a:solidFill>
+              </a:defRPr>
+            </a:lvl1pPr>
+            <a:lvl2pPr marL="457200" indent="0">
+              <a:buFontTx/>
+              <a:buNone/>
+              <a:defRPr/>
+            </a:lvl2pPr>
+            <a:lvl3pPr marL="914400" indent="0">
+              <a:buFontTx/>
+              <a:buNone/>
+              <a:defRPr/>
+            </a:lvl3pPr>
+            <a:lvl4pPr marL="1371600" indent="0">
+              <a:buFontTx/>
+              <a:buNone/>
+              <a:defRPr/>
+            </a:lvl4pPr>
+            <a:lvl5pPr marL="1828800" indent="0">
+              <a:buFontTx/>
+              <a:buNone/>
+              <a:defRPr/>
+            </a:lvl5pPr>
+          </a:lstStyle>
           <a:p>
             <a:pPr lvl="0"/>
             <a:r>
-              <a:rPr lang="en-US"/>
-              <a:t>Edit Master text styles</a:t>
-            </a:r>
-          </a:p>
-          <a:p>
-            <a:pPr lvl="1"/>
-            <a:r>
-              <a:rPr lang="en-US"/>
-              <a:t>Second level</a:t>
-            </a:r>
-          </a:p>
-          <a:p>
-            <a:pPr lvl="2"/>
-            <a:r>
-              <a:rPr lang="en-US"/>
-              <a:t>Third level</a:t>
-            </a:r>
-          </a:p>
-          <a:p>
-            <a:pPr lvl="3"/>
-            <a:r>
-              <a:rPr lang="en-US"/>
-              <a:t>Fourth level</a:t>
-            </a:r>
-          </a:p>
-          <a:p>
-            <a:pPr lvl="4"/>
-            <a:r>
-              <a:rPr lang="en-US"/>
-              <a:t>Fifth level</a:t>
-            </a:r>
-          </a:p>
-        </p:txBody>
-      </p:sp>
-      <p:sp>
-        <p:nvSpPr>
-          <p:cNvPr id="4" name="Date Placeholder 3">
-            <a:extLst>
-              <a:ext uri="{FF2B5EF4-FFF2-40B4-BE49-F238E27FC236}">
-                <a16:creationId xmlns:a16="http://schemas.microsoft.com/office/drawing/2014/main" id="{429F6B8F-6D16-4154-8DAD-07854C2E77F9}"/>
-              </a:ext>
-            </a:extLst>
-          </p:cNvPr>
+              <a:rPr lang="th-TH"/>
+              <a:t>คลิกเพื่อแก้ไขสไตล์ของข้อความต้นแบบ</a:t>
+            </a:r>
+          </a:p>
+        </p:txBody>
+      </p:sp>
+      <p:sp>
+        <p:nvSpPr>
+          <p:cNvPr id="3" name="Text Placeholder 2"/>
+          <p:cNvSpPr>
+            <a:spLocks noGrp="1"/>
+          </p:cNvSpPr>
+          <p:nvPr>
+            <p:ph type="body" idx="1"/>
+          </p:nvPr>
+        </p:nvSpPr>
+        <p:spPr>
+          <a:xfrm>
+            <a:off x="677335" y="4470400"/>
+            <a:ext cx="8596668" cy="1570962"/>
+          </a:xfrm>
+        </p:spPr>
+        <p:txBody>
+          <a:bodyPr anchor="ctr">
+            <a:normAutofit/>
+          </a:bodyPr>
+          <a:lstStyle>
+            <a:lvl1pPr marL="0" indent="0" algn="l">
+              <a:buNone/>
+              <a:defRPr sz="1800">
+                <a:solidFill>
+                  <a:schemeClr val="tx1">
+                    <a:lumMod val="75000"/>
+                    <a:lumOff val="25000"/>
+                  </a:schemeClr>
+                </a:solidFill>
+              </a:defRPr>
+            </a:lvl1pPr>
+            <a:lvl2pPr marL="457200" indent="0">
+              <a:buNone/>
+              <a:defRPr sz="1800">
+                <a:solidFill>
+                  <a:schemeClr val="tx1">
+                    <a:tint val="75000"/>
+                  </a:schemeClr>
+                </a:solidFill>
+              </a:defRPr>
+            </a:lvl2pPr>
+            <a:lvl3pPr marL="914400" indent="0">
+              <a:buNone/>
+              <a:defRPr sz="1600">
+                <a:solidFill>
+                  <a:schemeClr val="tx1">
+                    <a:tint val="75000"/>
+                  </a:schemeClr>
+                </a:solidFill>
+              </a:defRPr>
+            </a:lvl3pPr>
+            <a:lvl4pPr marL="1371600" indent="0">
+              <a:buNone/>
+              <a:defRPr sz="1400">
+                <a:solidFill>
+                  <a:schemeClr val="tx1">
+                    <a:tint val="75000"/>
+                  </a:schemeClr>
+                </a:solidFill>
+              </a:defRPr>
+            </a:lvl4pPr>
+            <a:lvl5pPr marL="1828800" indent="0">
+              <a:buNone/>
+              <a:defRPr sz="1400">
+                <a:solidFill>
+                  <a:schemeClr val="tx1">
+                    <a:tint val="75000"/>
+                  </a:schemeClr>
+                </a:solidFill>
+              </a:defRPr>
+            </a:lvl5pPr>
+            <a:lvl6pPr marL="2286000" indent="0">
+              <a:buNone/>
+              <a:defRPr sz="1400">
+                <a:solidFill>
+                  <a:schemeClr val="tx1">
+                    <a:tint val="75000"/>
+                  </a:schemeClr>
+                </a:solidFill>
+              </a:defRPr>
+            </a:lvl6pPr>
+            <a:lvl7pPr marL="2743200" indent="0">
+              <a:buNone/>
+              <a:defRPr sz="1400">
+                <a:solidFill>
+                  <a:schemeClr val="tx1">
+                    <a:tint val="75000"/>
+                  </a:schemeClr>
+                </a:solidFill>
+              </a:defRPr>
+            </a:lvl7pPr>
+            <a:lvl8pPr marL="3200400" indent="0">
+              <a:buNone/>
+              <a:defRPr sz="1400">
+                <a:solidFill>
+                  <a:schemeClr val="tx1">
+                    <a:tint val="75000"/>
+                  </a:schemeClr>
+                </a:solidFill>
+              </a:defRPr>
+            </a:lvl8pPr>
+            <a:lvl9pPr marL="3657600" indent="0">
+              <a:buNone/>
+              <a:defRPr sz="1400">
+                <a:solidFill>
+                  <a:schemeClr val="tx1">
+                    <a:tint val="75000"/>
+                  </a:schemeClr>
+                </a:solidFill>
+              </a:defRPr>
+            </a:lvl9pPr>
+          </a:lstStyle>
+          <a:p>
+            <a:pPr lvl="0"/>
+            <a:r>
+              <a:rPr lang="th-TH"/>
+              <a:t>คลิกเพื่อแก้ไขสไตล์ของข้อความต้นแบบ</a:t>
+            </a:r>
+          </a:p>
+        </p:txBody>
+      </p:sp>
+      <p:sp>
+        <p:nvSpPr>
+          <p:cNvPr id="4" name="Date Placeholder 3"/>
           <p:cNvSpPr>
             <a:spLocks noGrp="1"/>
           </p:cNvSpPr>
@@ -678,7 +1412,7 @@
           <a:p>
             <a:fld id="{71FDB983-57D4-4524-928A-6E3CAB900B43}" type="datetimeFigureOut">
               <a:rPr lang="en-US" smtClean="0"/>
-              <a:t>10/8/2024</a:t>
+              <a:t>10/12/2024</a:t>
             </a:fld>
             <a:endParaRPr lang="en-US"/>
           </a:p>
@@ -686,13 +1420,7 @@
       </p:sp>
       <p:sp>
         <p:nvSpPr>
-          <p:cNvPr id="5" name="Footer Placeholder 4">
-            <a:extLst>
-              <a:ext uri="{FF2B5EF4-FFF2-40B4-BE49-F238E27FC236}">
-                <a16:creationId xmlns:a16="http://schemas.microsoft.com/office/drawing/2014/main" id="{FB2686D2-3CF9-41E2-9397-0F58DE8DFF08}"/>
-              </a:ext>
-            </a:extLst>
-          </p:cNvPr>
+          <p:cNvPr id="5" name="Footer Placeholder 4"/>
           <p:cNvSpPr>
             <a:spLocks noGrp="1"/>
           </p:cNvSpPr>
@@ -711,13 +1439,7 @@
       </p:sp>
       <p:sp>
         <p:nvSpPr>
-          <p:cNvPr id="6" name="Slide Number Placeholder 5">
-            <a:extLst>
-              <a:ext uri="{FF2B5EF4-FFF2-40B4-BE49-F238E27FC236}">
-                <a16:creationId xmlns:a16="http://schemas.microsoft.com/office/drawing/2014/main" id="{BE3339AD-4A5C-4E7E-B632-7D1FC3504887}"/>
-              </a:ext>
-            </a:extLst>
-          </p:cNvPr>
+          <p:cNvPr id="6" name="Slide Number Placeholder 5"/>
           <p:cNvSpPr>
             <a:spLocks noGrp="1"/>
           </p:cNvSpPr>
@@ -738,10 +1460,100 @@
           </a:p>
         </p:txBody>
       </p:sp>
+      <p:sp>
+        <p:nvSpPr>
+          <p:cNvPr id="20" name="TextBox 19"/>
+          <p:cNvSpPr txBox="1"/>
+          <p:nvPr/>
+        </p:nvSpPr>
+        <p:spPr>
+          <a:xfrm>
+            <a:off x="541870" y="790378"/>
+            <a:ext cx="609600" cy="584776"/>
+          </a:xfrm>
+          <a:prstGeom prst="rect">
+            <a:avLst/>
+          </a:prstGeom>
+        </p:spPr>
+        <p:txBody>
+          <a:bodyPr vert="horz" lIns="91440" tIns="45720" rIns="91440" bIns="45720" rtlCol="0" anchor="ctr">
+            <a:noAutofit/>
+          </a:bodyPr>
+          <a:lstStyle/>
+          <a:p>
+            <a:pPr lvl="0"/>
+            <a:r>
+              <a:rPr lang="en-US" sz="8000" baseline="0" dirty="0">
+                <a:ln w="3175" cmpd="sng">
+                  <a:noFill/>
+                </a:ln>
+                <a:solidFill>
+                  <a:schemeClr val="accent1">
+                    <a:lumMod val="60000"/>
+                    <a:lumOff val="40000"/>
+                  </a:schemeClr>
+                </a:solidFill>
+                <a:effectLst/>
+                <a:latin typeface="Arial"/>
+              </a:rPr>
+              <a:t>“</a:t>
+            </a:r>
+          </a:p>
+        </p:txBody>
+      </p:sp>
+      <p:sp>
+        <p:nvSpPr>
+          <p:cNvPr id="22" name="TextBox 21"/>
+          <p:cNvSpPr txBox="1"/>
+          <p:nvPr/>
+        </p:nvSpPr>
+        <p:spPr>
+          <a:xfrm>
+            <a:off x="8893011" y="2886556"/>
+            <a:ext cx="609600" cy="584776"/>
+          </a:xfrm>
+          <a:prstGeom prst="rect">
+            <a:avLst/>
+          </a:prstGeom>
+        </p:spPr>
+        <p:txBody>
+          <a:bodyPr vert="horz" lIns="91440" tIns="45720" rIns="91440" bIns="45720" rtlCol="0" anchor="ctr">
+            <a:noAutofit/>
+          </a:bodyPr>
+          <a:lstStyle/>
+          <a:p>
+            <a:pPr lvl="0"/>
+            <a:r>
+              <a:rPr lang="en-US" sz="8000" baseline="0" dirty="0">
+                <a:ln w="3175" cmpd="sng">
+                  <a:noFill/>
+                </a:ln>
+                <a:solidFill>
+                  <a:schemeClr val="accent1">
+                    <a:lumMod val="60000"/>
+                    <a:lumOff val="40000"/>
+                  </a:schemeClr>
+                </a:solidFill>
+                <a:latin typeface="Arial"/>
+              </a:rPr>
+              <a:t>”</a:t>
+            </a:r>
+            <a:endParaRPr lang="en-US" dirty="0">
+              <a:solidFill>
+                <a:schemeClr val="accent1">
+                  <a:lumMod val="60000"/>
+                  <a:lumOff val="40000"/>
+                </a:schemeClr>
+              </a:solidFill>
+              <a:latin typeface="Arial"/>
+            </a:endParaRPr>
+          </a:p>
+        </p:txBody>
+      </p:sp>
     </p:spTree>
     <p:extLst>
       <p:ext uri="{BB962C8B-B14F-4D97-AF65-F5344CB8AC3E}">
-        <p14:creationId xmlns:p14="http://schemas.microsoft.com/office/powerpoint/2010/main" val="714192002"/>
+        <p14:creationId xmlns:p14="http://schemas.microsoft.com/office/powerpoint/2010/main" val="175420042"/>
       </p:ext>
     </p:extLst>
   </p:cSld>
@@ -751,9 +1563,9 @@
 </p:sldLayout>
 </file>
 
-<file path=ppt/slideLayouts/slideLayout2.xml><?xml version="1.0" encoding="utf-8"?>
-<p:sldLayout xmlns:a="http://schemas.openxmlformats.org/drawingml/2006/main" xmlns:r="http://schemas.openxmlformats.org/officeDocument/2006/relationships" xmlns:p="http://schemas.openxmlformats.org/presentationml/2006/main" type="obj" preserve="1">
-  <p:cSld name="Title and Content">
+<file path=ppt/slideLayouts/slideLayout12.xml><?xml version="1.0" encoding="utf-8"?>
+<p:sldLayout xmlns:a="http://schemas.openxmlformats.org/drawingml/2006/main" xmlns:r="http://schemas.openxmlformats.org/officeDocument/2006/relationships" xmlns:p="http://schemas.openxmlformats.org/presentationml/2006/main" preserve="1">
+  <p:cSld name="นามบัตร">
     <p:spTree>
       <p:nvGrpSpPr>
         <p:cNvPr id="1" name=""/>
@@ -770,18 +1582,168 @@
       </p:grpSpPr>
       <p:sp>
         <p:nvSpPr>
-          <p:cNvPr id="2" name="Title 1">
-            <a:extLst>
-              <a:ext uri="{FF2B5EF4-FFF2-40B4-BE49-F238E27FC236}">
-                <a16:creationId xmlns:a16="http://schemas.microsoft.com/office/drawing/2014/main" id="{C080F59A-3E94-4AC4-9B87-D3FD241ED626}"/>
-              </a:ext>
-            </a:extLst>
-          </p:cNvPr>
+          <p:cNvPr id="2" name="Title 1"/>
           <p:cNvSpPr>
             <a:spLocks noGrp="1"/>
           </p:cNvSpPr>
           <p:nvPr>
             <p:ph type="title"/>
+          </p:nvPr>
+        </p:nvSpPr>
+        <p:spPr>
+          <a:xfrm>
+            <a:off x="677335" y="1931988"/>
+            <a:ext cx="8596668" cy="2595460"/>
+          </a:xfrm>
+        </p:spPr>
+        <p:txBody>
+          <a:bodyPr anchor="b">
+            <a:normAutofit/>
+          </a:bodyPr>
+          <a:lstStyle>
+            <a:lvl1pPr algn="l">
+              <a:defRPr sz="4400" b="0" cap="none"/>
+            </a:lvl1pPr>
+          </a:lstStyle>
+          <a:p>
+            <a:r>
+              <a:rPr lang="th-TH"/>
+              <a:t>คลิกเพื่อแก้ไขสไตล์ชื่อเรื่องต้นแบบ</a:t>
+            </a:r>
+            <a:endParaRPr lang="en-US" dirty="0"/>
+          </a:p>
+        </p:txBody>
+      </p:sp>
+      <p:sp>
+        <p:nvSpPr>
+          <p:cNvPr id="3" name="Text Placeholder 2"/>
+          <p:cNvSpPr>
+            <a:spLocks noGrp="1"/>
+          </p:cNvSpPr>
+          <p:nvPr>
+            <p:ph type="body" idx="1"/>
+          </p:nvPr>
+        </p:nvSpPr>
+        <p:spPr>
+          <a:xfrm>
+            <a:off x="677335" y="4527448"/>
+            <a:ext cx="8596668" cy="1513914"/>
+          </a:xfrm>
+        </p:spPr>
+        <p:txBody>
+          <a:bodyPr anchor="t">
+            <a:normAutofit/>
+          </a:bodyPr>
+          <a:lstStyle>
+            <a:lvl1pPr marL="0" indent="0" algn="l">
+              <a:buNone/>
+              <a:defRPr sz="1800">
+                <a:solidFill>
+                  <a:schemeClr val="tx1">
+                    <a:lumMod val="75000"/>
+                    <a:lumOff val="25000"/>
+                  </a:schemeClr>
+                </a:solidFill>
+              </a:defRPr>
+            </a:lvl1pPr>
+            <a:lvl2pPr marL="457200" indent="0">
+              <a:buNone/>
+              <a:defRPr sz="1800">
+                <a:solidFill>
+                  <a:schemeClr val="tx1">
+                    <a:tint val="75000"/>
+                  </a:schemeClr>
+                </a:solidFill>
+              </a:defRPr>
+            </a:lvl2pPr>
+            <a:lvl3pPr marL="914400" indent="0">
+              <a:buNone/>
+              <a:defRPr sz="1600">
+                <a:solidFill>
+                  <a:schemeClr val="tx1">
+                    <a:tint val="75000"/>
+                  </a:schemeClr>
+                </a:solidFill>
+              </a:defRPr>
+            </a:lvl3pPr>
+            <a:lvl4pPr marL="1371600" indent="0">
+              <a:buNone/>
+              <a:defRPr sz="1400">
+                <a:solidFill>
+                  <a:schemeClr val="tx1">
+                    <a:tint val="75000"/>
+                  </a:schemeClr>
+                </a:solidFill>
+              </a:defRPr>
+            </a:lvl4pPr>
+            <a:lvl5pPr marL="1828800" indent="0">
+              <a:buNone/>
+              <a:defRPr sz="1400">
+                <a:solidFill>
+                  <a:schemeClr val="tx1">
+                    <a:tint val="75000"/>
+                  </a:schemeClr>
+                </a:solidFill>
+              </a:defRPr>
+            </a:lvl5pPr>
+            <a:lvl6pPr marL="2286000" indent="0">
+              <a:buNone/>
+              <a:defRPr sz="1400">
+                <a:solidFill>
+                  <a:schemeClr val="tx1">
+                    <a:tint val="75000"/>
+                  </a:schemeClr>
+                </a:solidFill>
+              </a:defRPr>
+            </a:lvl6pPr>
+            <a:lvl7pPr marL="2743200" indent="0">
+              <a:buNone/>
+              <a:defRPr sz="1400">
+                <a:solidFill>
+                  <a:schemeClr val="tx1">
+                    <a:tint val="75000"/>
+                  </a:schemeClr>
+                </a:solidFill>
+              </a:defRPr>
+            </a:lvl7pPr>
+            <a:lvl8pPr marL="3200400" indent="0">
+              <a:buNone/>
+              <a:defRPr sz="1400">
+                <a:solidFill>
+                  <a:schemeClr val="tx1">
+                    <a:tint val="75000"/>
+                  </a:schemeClr>
+                </a:solidFill>
+              </a:defRPr>
+            </a:lvl8pPr>
+            <a:lvl9pPr marL="3657600" indent="0">
+              <a:buNone/>
+              <a:defRPr sz="1400">
+                <a:solidFill>
+                  <a:schemeClr val="tx1">
+                    <a:tint val="75000"/>
+                  </a:schemeClr>
+                </a:solidFill>
+              </a:defRPr>
+            </a:lvl9pPr>
+          </a:lstStyle>
+          <a:p>
+            <a:pPr lvl="0"/>
+            <a:r>
+              <a:rPr lang="th-TH"/>
+              <a:t>คลิกเพื่อแก้ไขสไตล์ของข้อความต้นแบบ</a:t>
+            </a:r>
+          </a:p>
+        </p:txBody>
+      </p:sp>
+      <p:sp>
+        <p:nvSpPr>
+          <p:cNvPr id="4" name="Date Placeholder 3"/>
+          <p:cNvSpPr>
+            <a:spLocks noGrp="1"/>
+          </p:cNvSpPr>
+          <p:nvPr>
+            <p:ph type="dt" sz="half" idx="10"/>
           </p:nvPr>
         </p:nvSpPr>
         <p:spPr/>
@@ -789,27 +1751,22 @@
           <a:bodyPr/>
           <a:lstStyle/>
           <a:p>
-            <a:r>
-              <a:rPr lang="en-US"/>
-              <a:t>Click to edit Master title style</a:t>
-            </a:r>
-          </a:p>
-        </p:txBody>
-      </p:sp>
-      <p:sp>
-        <p:nvSpPr>
-          <p:cNvPr id="3" name="Content Placeholder 2">
-            <a:extLst>
-              <a:ext uri="{FF2B5EF4-FFF2-40B4-BE49-F238E27FC236}">
-                <a16:creationId xmlns:a16="http://schemas.microsoft.com/office/drawing/2014/main" id="{82DA7F0C-5EF6-4704-9F1D-3286101E0EDB}"/>
-              </a:ext>
-            </a:extLst>
-          </p:cNvPr>
-          <p:cNvSpPr>
-            <a:spLocks noGrp="1"/>
-          </p:cNvSpPr>
-          <p:nvPr>
-            <p:ph idx="1"/>
+            <a:fld id="{71FDB983-57D4-4524-928A-6E3CAB900B43}" type="datetimeFigureOut">
+              <a:rPr lang="en-US" smtClean="0"/>
+              <a:t>10/12/2024</a:t>
+            </a:fld>
+            <a:endParaRPr lang="en-US"/>
+          </a:p>
+        </p:txBody>
+      </p:sp>
+      <p:sp>
+        <p:nvSpPr>
+          <p:cNvPr id="5" name="Footer Placeholder 4"/>
+          <p:cNvSpPr>
+            <a:spLocks noGrp="1"/>
+          </p:cNvSpPr>
+          <p:nvPr>
+            <p:ph type="ftr" sz="quarter" idx="11"/>
           </p:nvPr>
         </p:nvSpPr>
         <p:spPr/>
@@ -817,105 +1774,13 @@
           <a:bodyPr/>
           <a:lstStyle/>
           <a:p>
-            <a:pPr lvl="0"/>
-            <a:r>
-              <a:rPr lang="en-US"/>
-              <a:t>Edit Master text styles</a:t>
-            </a:r>
-          </a:p>
-          <a:p>
-            <a:pPr lvl="1"/>
-            <a:r>
-              <a:rPr lang="en-US"/>
-              <a:t>Second level</a:t>
-            </a:r>
-          </a:p>
-          <a:p>
-            <a:pPr lvl="2"/>
-            <a:r>
-              <a:rPr lang="en-US"/>
-              <a:t>Third level</a:t>
-            </a:r>
-          </a:p>
-          <a:p>
-            <a:pPr lvl="3"/>
-            <a:r>
-              <a:rPr lang="en-US"/>
-              <a:t>Fourth level</a:t>
-            </a:r>
-          </a:p>
-          <a:p>
-            <a:pPr lvl="4"/>
-            <a:r>
-              <a:rPr lang="en-US"/>
-              <a:t>Fifth level</a:t>
-            </a:r>
-          </a:p>
-        </p:txBody>
-      </p:sp>
-      <p:sp>
-        <p:nvSpPr>
-          <p:cNvPr id="4" name="Date Placeholder 3">
-            <a:extLst>
-              <a:ext uri="{FF2B5EF4-FFF2-40B4-BE49-F238E27FC236}">
-                <a16:creationId xmlns:a16="http://schemas.microsoft.com/office/drawing/2014/main" id="{07072614-3645-48DE-A9EA-93E42589197A}"/>
-              </a:ext>
-            </a:extLst>
-          </p:cNvPr>
-          <p:cNvSpPr>
-            <a:spLocks noGrp="1"/>
-          </p:cNvSpPr>
-          <p:nvPr>
-            <p:ph type="dt" sz="half" idx="10"/>
-          </p:nvPr>
-        </p:nvSpPr>
-        <p:spPr/>
-        <p:txBody>
-          <a:bodyPr/>
-          <a:lstStyle/>
-          <a:p>
-            <a:fld id="{71FDB983-57D4-4524-928A-6E3CAB900B43}" type="datetimeFigureOut">
-              <a:rPr lang="en-US" smtClean="0"/>
-              <a:t>10/8/2024</a:t>
-            </a:fld>
             <a:endParaRPr lang="en-US"/>
           </a:p>
         </p:txBody>
       </p:sp>
       <p:sp>
         <p:nvSpPr>
-          <p:cNvPr id="5" name="Footer Placeholder 4">
-            <a:extLst>
-              <a:ext uri="{FF2B5EF4-FFF2-40B4-BE49-F238E27FC236}">
-                <a16:creationId xmlns:a16="http://schemas.microsoft.com/office/drawing/2014/main" id="{DF77E8F5-A28D-4919-B0C8-C21CB1A9C3DA}"/>
-              </a:ext>
-            </a:extLst>
-          </p:cNvPr>
-          <p:cNvSpPr>
-            <a:spLocks noGrp="1"/>
-          </p:cNvSpPr>
-          <p:nvPr>
-            <p:ph type="ftr" sz="quarter" idx="11"/>
-          </p:nvPr>
-        </p:nvSpPr>
-        <p:spPr/>
-        <p:txBody>
-          <a:bodyPr/>
-          <a:lstStyle/>
-          <a:p>
-            <a:endParaRPr lang="en-US"/>
-          </a:p>
-        </p:txBody>
-      </p:sp>
-      <p:sp>
-        <p:nvSpPr>
-          <p:cNvPr id="6" name="Slide Number Placeholder 5">
-            <a:extLst>
-              <a:ext uri="{FF2B5EF4-FFF2-40B4-BE49-F238E27FC236}">
-                <a16:creationId xmlns:a16="http://schemas.microsoft.com/office/drawing/2014/main" id="{25CBB30C-274D-4390-844C-3C11319390AE}"/>
-              </a:ext>
-            </a:extLst>
-          </p:cNvPr>
+          <p:cNvPr id="6" name="Slide Number Placeholder 5"/>
           <p:cNvSpPr>
             <a:spLocks noGrp="1"/>
           </p:cNvSpPr>
@@ -939,7 +1804,7 @@
     </p:spTree>
     <p:extLst>
       <p:ext uri="{BB962C8B-B14F-4D97-AF65-F5344CB8AC3E}">
-        <p14:creationId xmlns:p14="http://schemas.microsoft.com/office/powerpoint/2010/main" val="3141156726"/>
+        <p14:creationId xmlns:p14="http://schemas.microsoft.com/office/powerpoint/2010/main" val="3153852147"/>
       </p:ext>
     </p:extLst>
   </p:cSld>
@@ -949,9 +1814,9 @@
 </p:sldLayout>
 </file>
 
-<file path=ppt/slideLayouts/slideLayout3.xml><?xml version="1.0" encoding="utf-8"?>
-<p:sldLayout xmlns:a="http://schemas.openxmlformats.org/drawingml/2006/main" xmlns:r="http://schemas.openxmlformats.org/officeDocument/2006/relationships" xmlns:p="http://schemas.openxmlformats.org/presentationml/2006/main" type="secHead" preserve="1">
-  <p:cSld name="Section Header">
+<file path=ppt/slideLayouts/slideLayout13.xml><?xml version="1.0" encoding="utf-8"?>
+<p:sldLayout xmlns:a="http://schemas.openxmlformats.org/drawingml/2006/main" xmlns:r="http://schemas.openxmlformats.org/officeDocument/2006/relationships" xmlns:p="http://schemas.openxmlformats.org/presentationml/2006/main" preserve="1">
+  <p:cSld name="นามบัตรอ้างอิง">
     <p:spTree>
       <p:nvGrpSpPr>
         <p:cNvPr id="1" name=""/>
@@ -968,13 +1833,7 @@
       </p:grpSpPr>
       <p:sp>
         <p:nvSpPr>
-          <p:cNvPr id="2" name="Title 1">
-            <a:extLst>
-              <a:ext uri="{FF2B5EF4-FFF2-40B4-BE49-F238E27FC236}">
-                <a16:creationId xmlns:a16="http://schemas.microsoft.com/office/drawing/2014/main" id="{CB8F69AF-AE6B-43B0-AC9B-430ACA855CFC}"/>
-              </a:ext>
-            </a:extLst>
-          </p:cNvPr>
+          <p:cNvPr id="2" name="Title 1"/>
           <p:cNvSpPr>
             <a:spLocks noGrp="1"/>
           </p:cNvSpPr>
@@ -984,159 +1843,216 @@
         </p:nvSpPr>
         <p:spPr>
           <a:xfrm>
-            <a:off x="831850" y="1709738"/>
-            <a:ext cx="10515600" cy="2852737"/>
+            <a:off x="931334" y="609600"/>
+            <a:ext cx="8094134" cy="3022600"/>
           </a:xfrm>
         </p:spPr>
         <p:txBody>
-          <a:bodyPr anchor="b"/>
+          <a:bodyPr anchor="ctr">
+            <a:normAutofit/>
+          </a:bodyPr>
           <a:lstStyle>
-            <a:lvl1pPr>
-              <a:defRPr sz="6000"/>
+            <a:lvl1pPr algn="l">
+              <a:defRPr sz="4400" b="0" cap="none"/>
             </a:lvl1pPr>
           </a:lstStyle>
           <a:p>
             <a:r>
-              <a:rPr lang="en-US"/>
-              <a:t>Click to edit Master title style</a:t>
-            </a:r>
-          </a:p>
-        </p:txBody>
-      </p:sp>
-      <p:sp>
-        <p:nvSpPr>
-          <p:cNvPr id="3" name="Text Placeholder 2">
-            <a:extLst>
-              <a:ext uri="{FF2B5EF4-FFF2-40B4-BE49-F238E27FC236}">
-                <a16:creationId xmlns:a16="http://schemas.microsoft.com/office/drawing/2014/main" id="{2A1062B3-D686-4357-89F7-A41AFA07FDCB}"/>
-              </a:ext>
-            </a:extLst>
-          </p:cNvPr>
-          <p:cNvSpPr>
-            <a:spLocks noGrp="1"/>
-          </p:cNvSpPr>
-          <p:nvPr>
-            <p:ph type="body" idx="1"/>
+              <a:rPr lang="th-TH"/>
+              <a:t>คลิกเพื่อแก้ไขสไตล์ชื่อเรื่องต้นแบบ</a:t>
+            </a:r>
+            <a:endParaRPr lang="en-US" dirty="0"/>
+          </a:p>
+        </p:txBody>
+      </p:sp>
+      <p:sp>
+        <p:nvSpPr>
+          <p:cNvPr id="23" name="Text Placeholder 9"/>
+          <p:cNvSpPr>
+            <a:spLocks noGrp="1"/>
+          </p:cNvSpPr>
+          <p:nvPr>
+            <p:ph type="body" sz="quarter" idx="13"/>
           </p:nvPr>
         </p:nvSpPr>
         <p:spPr>
           <a:xfrm>
-            <a:off x="831850" y="4589463"/>
-            <a:ext cx="10515600" cy="1500187"/>
+            <a:off x="677332" y="4013200"/>
+            <a:ext cx="8596669" cy="514248"/>
           </a:xfrm>
         </p:spPr>
         <p:txBody>
-          <a:bodyPr/>
+          <a:bodyPr anchor="b">
+            <a:noAutofit/>
+          </a:bodyPr>
           <a:lstStyle>
             <a:lvl1pPr marL="0" indent="0">
+              <a:buFontTx/>
               <a:buNone/>
               <a:defRPr sz="2400">
+                <a:solidFill>
+                  <a:schemeClr val="tx1">
+                    <a:lumMod val="75000"/>
+                    <a:lumOff val="25000"/>
+                  </a:schemeClr>
+                </a:solidFill>
+              </a:defRPr>
+            </a:lvl1pPr>
+            <a:lvl2pPr marL="457200" indent="0">
+              <a:buFontTx/>
+              <a:buNone/>
+              <a:defRPr/>
+            </a:lvl2pPr>
+            <a:lvl3pPr marL="914400" indent="0">
+              <a:buFontTx/>
+              <a:buNone/>
+              <a:defRPr/>
+            </a:lvl3pPr>
+            <a:lvl4pPr marL="1371600" indent="0">
+              <a:buFontTx/>
+              <a:buNone/>
+              <a:defRPr/>
+            </a:lvl4pPr>
+            <a:lvl5pPr marL="1828800" indent="0">
+              <a:buFontTx/>
+              <a:buNone/>
+              <a:defRPr/>
+            </a:lvl5pPr>
+          </a:lstStyle>
+          <a:p>
+            <a:pPr lvl="0"/>
+            <a:r>
+              <a:rPr lang="th-TH"/>
+              <a:t>คลิกเพื่อแก้ไขสไตล์ของข้อความต้นแบบ</a:t>
+            </a:r>
+          </a:p>
+        </p:txBody>
+      </p:sp>
+      <p:sp>
+        <p:nvSpPr>
+          <p:cNvPr id="3" name="Text Placeholder 2"/>
+          <p:cNvSpPr>
+            <a:spLocks noGrp="1"/>
+          </p:cNvSpPr>
+          <p:nvPr>
+            <p:ph type="body" idx="1"/>
+          </p:nvPr>
+        </p:nvSpPr>
+        <p:spPr>
+          <a:xfrm>
+            <a:off x="677335" y="4527448"/>
+            <a:ext cx="8596668" cy="1513914"/>
+          </a:xfrm>
+        </p:spPr>
+        <p:txBody>
+          <a:bodyPr anchor="t">
+            <a:normAutofit/>
+          </a:bodyPr>
+          <a:lstStyle>
+            <a:lvl1pPr marL="0" indent="0" algn="l">
+              <a:buNone/>
+              <a:defRPr sz="1800">
+                <a:solidFill>
+                  <a:schemeClr val="tx1">
+                    <a:lumMod val="50000"/>
+                    <a:lumOff val="50000"/>
+                  </a:schemeClr>
+                </a:solidFill>
+              </a:defRPr>
+            </a:lvl1pPr>
+            <a:lvl2pPr marL="457200" indent="0">
+              <a:buNone/>
+              <a:defRPr sz="1800">
                 <a:solidFill>
                   <a:schemeClr val="tx1">
                     <a:tint val="75000"/>
                   </a:schemeClr>
                 </a:solidFill>
               </a:defRPr>
-            </a:lvl1pPr>
-            <a:lvl2pPr marL="457200" indent="0">
-              <a:buNone/>
-              <a:defRPr sz="2000">
+            </a:lvl2pPr>
+            <a:lvl3pPr marL="914400" indent="0">
+              <a:buNone/>
+              <a:defRPr sz="1600">
                 <a:solidFill>
                   <a:schemeClr val="tx1">
                     <a:tint val="75000"/>
                   </a:schemeClr>
                 </a:solidFill>
               </a:defRPr>
-            </a:lvl2pPr>
-            <a:lvl3pPr marL="914400" indent="0">
-              <a:buNone/>
-              <a:defRPr sz="1800">
+            </a:lvl3pPr>
+            <a:lvl4pPr marL="1371600" indent="0">
+              <a:buNone/>
+              <a:defRPr sz="1400">
                 <a:solidFill>
                   <a:schemeClr val="tx1">
                     <a:tint val="75000"/>
                   </a:schemeClr>
                 </a:solidFill>
               </a:defRPr>
-            </a:lvl3pPr>
-            <a:lvl4pPr marL="1371600" indent="0">
-              <a:buNone/>
-              <a:defRPr sz="1600">
+            </a:lvl4pPr>
+            <a:lvl5pPr marL="1828800" indent="0">
+              <a:buNone/>
+              <a:defRPr sz="1400">
                 <a:solidFill>
                   <a:schemeClr val="tx1">
                     <a:tint val="75000"/>
                   </a:schemeClr>
                 </a:solidFill>
               </a:defRPr>
-            </a:lvl4pPr>
-            <a:lvl5pPr marL="1828800" indent="0">
-              <a:buNone/>
-              <a:defRPr sz="1600">
+            </a:lvl5pPr>
+            <a:lvl6pPr marL="2286000" indent="0">
+              <a:buNone/>
+              <a:defRPr sz="1400">
                 <a:solidFill>
                   <a:schemeClr val="tx1">
                     <a:tint val="75000"/>
                   </a:schemeClr>
                 </a:solidFill>
               </a:defRPr>
-            </a:lvl5pPr>
-            <a:lvl6pPr marL="2286000" indent="0">
-              <a:buNone/>
-              <a:defRPr sz="1600">
+            </a:lvl6pPr>
+            <a:lvl7pPr marL="2743200" indent="0">
+              <a:buNone/>
+              <a:defRPr sz="1400">
                 <a:solidFill>
                   <a:schemeClr val="tx1">
                     <a:tint val="75000"/>
                   </a:schemeClr>
                 </a:solidFill>
               </a:defRPr>
-            </a:lvl6pPr>
-            <a:lvl7pPr marL="2743200" indent="0">
-              <a:buNone/>
-              <a:defRPr sz="1600">
+            </a:lvl7pPr>
+            <a:lvl8pPr marL="3200400" indent="0">
+              <a:buNone/>
+              <a:defRPr sz="1400">
                 <a:solidFill>
                   <a:schemeClr val="tx1">
                     <a:tint val="75000"/>
                   </a:schemeClr>
                 </a:solidFill>
               </a:defRPr>
-            </a:lvl7pPr>
-            <a:lvl8pPr marL="3200400" indent="0">
-              <a:buNone/>
-              <a:defRPr sz="1600">
+            </a:lvl8pPr>
+            <a:lvl9pPr marL="3657600" indent="0">
+              <a:buNone/>
+              <a:defRPr sz="1400">
                 <a:solidFill>
                   <a:schemeClr val="tx1">
                     <a:tint val="75000"/>
                   </a:schemeClr>
                 </a:solidFill>
               </a:defRPr>
-            </a:lvl8pPr>
-            <a:lvl9pPr marL="3657600" indent="0">
-              <a:buNone/>
-              <a:defRPr sz="1600">
-                <a:solidFill>
-                  <a:schemeClr val="tx1">
-                    <a:tint val="75000"/>
-                  </a:schemeClr>
-                </a:solidFill>
-              </a:defRPr>
             </a:lvl9pPr>
           </a:lstStyle>
           <a:p>
             <a:pPr lvl="0"/>
             <a:r>
-              <a:rPr lang="en-US"/>
-              <a:t>Edit Master text styles</a:t>
-            </a:r>
-          </a:p>
-        </p:txBody>
-      </p:sp>
-      <p:sp>
-        <p:nvSpPr>
-          <p:cNvPr id="4" name="Date Placeholder 3">
-            <a:extLst>
-              <a:ext uri="{FF2B5EF4-FFF2-40B4-BE49-F238E27FC236}">
-                <a16:creationId xmlns:a16="http://schemas.microsoft.com/office/drawing/2014/main" id="{6BD6BC3F-4977-492A-AFAF-C0D5FCB40319}"/>
-              </a:ext>
-            </a:extLst>
-          </p:cNvPr>
+              <a:rPr lang="th-TH"/>
+              <a:t>คลิกเพื่อแก้ไขสไตล์ของข้อความต้นแบบ</a:t>
+            </a:r>
+          </a:p>
+        </p:txBody>
+      </p:sp>
+      <p:sp>
+        <p:nvSpPr>
+          <p:cNvPr id="4" name="Date Placeholder 3"/>
           <p:cNvSpPr>
             <a:spLocks noGrp="1"/>
           </p:cNvSpPr>
@@ -1151,7 +2067,7 @@
           <a:p>
             <a:fld id="{71FDB983-57D4-4524-928A-6E3CAB900B43}" type="datetimeFigureOut">
               <a:rPr lang="en-US" smtClean="0"/>
-              <a:t>10/8/2024</a:t>
+              <a:t>10/12/2024</a:t>
             </a:fld>
             <a:endParaRPr lang="en-US"/>
           </a:p>
@@ -1159,13 +2075,7 @@
       </p:sp>
       <p:sp>
         <p:nvSpPr>
-          <p:cNvPr id="5" name="Footer Placeholder 4">
-            <a:extLst>
-              <a:ext uri="{FF2B5EF4-FFF2-40B4-BE49-F238E27FC236}">
-                <a16:creationId xmlns:a16="http://schemas.microsoft.com/office/drawing/2014/main" id="{4D25E749-5260-4286-8F19-04D9F487CE37}"/>
-              </a:ext>
-            </a:extLst>
-          </p:cNvPr>
+          <p:cNvPr id="5" name="Footer Placeholder 4"/>
           <p:cNvSpPr>
             <a:spLocks noGrp="1"/>
           </p:cNvSpPr>
@@ -1184,13 +2094,7 @@
       </p:sp>
       <p:sp>
         <p:nvSpPr>
-          <p:cNvPr id="6" name="Slide Number Placeholder 5">
-            <a:extLst>
-              <a:ext uri="{FF2B5EF4-FFF2-40B4-BE49-F238E27FC236}">
-                <a16:creationId xmlns:a16="http://schemas.microsoft.com/office/drawing/2014/main" id="{AE385220-FDCB-4318-8DDC-7645AD08CDAC}"/>
-              </a:ext>
-            </a:extLst>
-          </p:cNvPr>
+          <p:cNvPr id="6" name="Slide Number Placeholder 5"/>
           <p:cNvSpPr>
             <a:spLocks noGrp="1"/>
           </p:cNvSpPr>
@@ -1211,10 +2115,92 @@
           </a:p>
         </p:txBody>
       </p:sp>
+      <p:sp>
+        <p:nvSpPr>
+          <p:cNvPr id="24" name="TextBox 23"/>
+          <p:cNvSpPr txBox="1"/>
+          <p:nvPr/>
+        </p:nvSpPr>
+        <p:spPr>
+          <a:xfrm>
+            <a:off x="541870" y="790378"/>
+            <a:ext cx="609600" cy="584776"/>
+          </a:xfrm>
+          <a:prstGeom prst="rect">
+            <a:avLst/>
+          </a:prstGeom>
+        </p:spPr>
+        <p:txBody>
+          <a:bodyPr vert="horz" lIns="91440" tIns="45720" rIns="91440" bIns="45720" rtlCol="0" anchor="ctr">
+            <a:noAutofit/>
+          </a:bodyPr>
+          <a:lstStyle/>
+          <a:p>
+            <a:pPr lvl="0"/>
+            <a:r>
+              <a:rPr lang="en-US" sz="8000" baseline="0" dirty="0">
+                <a:ln w="3175" cmpd="sng">
+                  <a:noFill/>
+                </a:ln>
+                <a:solidFill>
+                  <a:schemeClr val="accent1">
+                    <a:lumMod val="60000"/>
+                    <a:lumOff val="40000"/>
+                  </a:schemeClr>
+                </a:solidFill>
+                <a:effectLst/>
+                <a:latin typeface="Arial"/>
+              </a:rPr>
+              <a:t>“</a:t>
+            </a:r>
+          </a:p>
+        </p:txBody>
+      </p:sp>
+      <p:sp>
+        <p:nvSpPr>
+          <p:cNvPr id="25" name="TextBox 24"/>
+          <p:cNvSpPr txBox="1"/>
+          <p:nvPr/>
+        </p:nvSpPr>
+        <p:spPr>
+          <a:xfrm>
+            <a:off x="8893011" y="2886556"/>
+            <a:ext cx="609600" cy="584776"/>
+          </a:xfrm>
+          <a:prstGeom prst="rect">
+            <a:avLst/>
+          </a:prstGeom>
+        </p:spPr>
+        <p:txBody>
+          <a:bodyPr vert="horz" lIns="91440" tIns="45720" rIns="91440" bIns="45720" rtlCol="0" anchor="ctr">
+            <a:noAutofit/>
+          </a:bodyPr>
+          <a:lstStyle/>
+          <a:p>
+            <a:pPr lvl="0"/>
+            <a:r>
+              <a:rPr lang="en-US" sz="8000" baseline="0" dirty="0">
+                <a:ln w="3175" cmpd="sng">
+                  <a:noFill/>
+                </a:ln>
+                <a:solidFill>
+                  <a:schemeClr val="accent1">
+                    <a:lumMod val="60000"/>
+                    <a:lumOff val="40000"/>
+                  </a:schemeClr>
+                </a:solidFill>
+                <a:effectLst/>
+                <a:latin typeface="Arial"/>
+              </a:rPr>
+              <a:t>”</a:t>
+            </a:r>
+          </a:p>
+        </p:txBody>
+      </p:sp>
     </p:spTree>
     <p:extLst>
       <p:ext uri="{BB962C8B-B14F-4D97-AF65-F5344CB8AC3E}">
-        <p14:creationId xmlns:p14="http://schemas.microsoft.com/office/powerpoint/2010/main" val="2369114277"/>
+        <p14:creationId xmlns:p14="http://schemas.microsoft.com/office/powerpoint/2010/main" val="2598114036"/>
       </p:ext>
     </p:extLst>
   </p:cSld>
@@ -1224,9 +2210,9 @@
 </p:sldLayout>
 </file>
 
-<file path=ppt/slideLayouts/slideLayout4.xml><?xml version="1.0" encoding="utf-8"?>
-<p:sldLayout xmlns:a="http://schemas.openxmlformats.org/drawingml/2006/main" xmlns:r="http://schemas.openxmlformats.org/officeDocument/2006/relationships" xmlns:p="http://schemas.openxmlformats.org/presentationml/2006/main" type="twoObj" preserve="1">
-  <p:cSld name="Two Content">
+<file path=ppt/slideLayouts/slideLayout14.xml><?xml version="1.0" encoding="utf-8"?>
+<p:sldLayout xmlns:a="http://schemas.openxmlformats.org/drawingml/2006/main" xmlns:r="http://schemas.openxmlformats.org/officeDocument/2006/relationships" xmlns:p="http://schemas.openxmlformats.org/presentationml/2006/main" preserve="1">
+  <p:cSld name="จริง หรือ เท็จ">
     <p:spTree>
       <p:nvGrpSpPr>
         <p:cNvPr id="1" name=""/>
@@ -1243,18 +2229,228 @@
       </p:grpSpPr>
       <p:sp>
         <p:nvSpPr>
-          <p:cNvPr id="2" name="Title 1">
-            <a:extLst>
-              <a:ext uri="{FF2B5EF4-FFF2-40B4-BE49-F238E27FC236}">
-                <a16:creationId xmlns:a16="http://schemas.microsoft.com/office/drawing/2014/main" id="{0701C653-D6B4-4590-ABB6-29B326966463}"/>
-              </a:ext>
-            </a:extLst>
-          </p:cNvPr>
+          <p:cNvPr id="2" name="Title 1"/>
           <p:cNvSpPr>
             <a:spLocks noGrp="1"/>
           </p:cNvSpPr>
           <p:nvPr>
             <p:ph type="title"/>
+          </p:nvPr>
+        </p:nvSpPr>
+        <p:spPr>
+          <a:xfrm>
+            <a:off x="685799" y="609600"/>
+            <a:ext cx="8588203" cy="3022600"/>
+          </a:xfrm>
+        </p:spPr>
+        <p:txBody>
+          <a:bodyPr anchor="ctr">
+            <a:normAutofit/>
+          </a:bodyPr>
+          <a:lstStyle>
+            <a:lvl1pPr algn="l">
+              <a:defRPr sz="4400" b="0" cap="none"/>
+            </a:lvl1pPr>
+          </a:lstStyle>
+          <a:p>
+            <a:r>
+              <a:rPr lang="th-TH"/>
+              <a:t>คลิกเพื่อแก้ไขสไตล์ชื่อเรื่องต้นแบบ</a:t>
+            </a:r>
+            <a:endParaRPr lang="en-US" dirty="0"/>
+          </a:p>
+        </p:txBody>
+      </p:sp>
+      <p:sp>
+        <p:nvSpPr>
+          <p:cNvPr id="23" name="Text Placeholder 9"/>
+          <p:cNvSpPr>
+            <a:spLocks noGrp="1"/>
+          </p:cNvSpPr>
+          <p:nvPr>
+            <p:ph type="body" sz="quarter" idx="13"/>
+          </p:nvPr>
+        </p:nvSpPr>
+        <p:spPr>
+          <a:xfrm>
+            <a:off x="677332" y="4013200"/>
+            <a:ext cx="8596669" cy="514248"/>
+          </a:xfrm>
+        </p:spPr>
+        <p:txBody>
+          <a:bodyPr anchor="b">
+            <a:noAutofit/>
+          </a:bodyPr>
+          <a:lstStyle>
+            <a:lvl1pPr marL="0" indent="0">
+              <a:buFontTx/>
+              <a:buNone/>
+              <a:defRPr sz="2400">
+                <a:solidFill>
+                  <a:schemeClr val="accent1"/>
+                </a:solidFill>
+              </a:defRPr>
+            </a:lvl1pPr>
+            <a:lvl2pPr marL="457200" indent="0">
+              <a:buFontTx/>
+              <a:buNone/>
+              <a:defRPr/>
+            </a:lvl2pPr>
+            <a:lvl3pPr marL="914400" indent="0">
+              <a:buFontTx/>
+              <a:buNone/>
+              <a:defRPr/>
+            </a:lvl3pPr>
+            <a:lvl4pPr marL="1371600" indent="0">
+              <a:buFontTx/>
+              <a:buNone/>
+              <a:defRPr/>
+            </a:lvl4pPr>
+            <a:lvl5pPr marL="1828800" indent="0">
+              <a:buFontTx/>
+              <a:buNone/>
+              <a:defRPr/>
+            </a:lvl5pPr>
+          </a:lstStyle>
+          <a:p>
+            <a:pPr lvl="0"/>
+            <a:r>
+              <a:rPr lang="th-TH"/>
+              <a:t>คลิกเพื่อแก้ไขสไตล์ของข้อความต้นแบบ</a:t>
+            </a:r>
+          </a:p>
+        </p:txBody>
+      </p:sp>
+      <p:sp>
+        <p:nvSpPr>
+          <p:cNvPr id="3" name="Text Placeholder 2"/>
+          <p:cNvSpPr>
+            <a:spLocks noGrp="1"/>
+          </p:cNvSpPr>
+          <p:nvPr>
+            <p:ph type="body" idx="1"/>
+          </p:nvPr>
+        </p:nvSpPr>
+        <p:spPr>
+          <a:xfrm>
+            <a:off x="677335" y="4527448"/>
+            <a:ext cx="8596668" cy="1513914"/>
+          </a:xfrm>
+        </p:spPr>
+        <p:txBody>
+          <a:bodyPr anchor="t">
+            <a:normAutofit/>
+          </a:bodyPr>
+          <a:lstStyle>
+            <a:lvl1pPr marL="0" indent="0" algn="l">
+              <a:buNone/>
+              <a:defRPr sz="1800">
+                <a:solidFill>
+                  <a:schemeClr val="tx1">
+                    <a:lumMod val="50000"/>
+                    <a:lumOff val="50000"/>
+                  </a:schemeClr>
+                </a:solidFill>
+              </a:defRPr>
+            </a:lvl1pPr>
+            <a:lvl2pPr marL="457200" indent="0">
+              <a:buNone/>
+              <a:defRPr sz="1800">
+                <a:solidFill>
+                  <a:schemeClr val="tx1">
+                    <a:tint val="75000"/>
+                  </a:schemeClr>
+                </a:solidFill>
+              </a:defRPr>
+            </a:lvl2pPr>
+            <a:lvl3pPr marL="914400" indent="0">
+              <a:buNone/>
+              <a:defRPr sz="1600">
+                <a:solidFill>
+                  <a:schemeClr val="tx1">
+                    <a:tint val="75000"/>
+                  </a:schemeClr>
+                </a:solidFill>
+              </a:defRPr>
+            </a:lvl3pPr>
+            <a:lvl4pPr marL="1371600" indent="0">
+              <a:buNone/>
+              <a:defRPr sz="1400">
+                <a:solidFill>
+                  <a:schemeClr val="tx1">
+                    <a:tint val="75000"/>
+                  </a:schemeClr>
+                </a:solidFill>
+              </a:defRPr>
+            </a:lvl4pPr>
+            <a:lvl5pPr marL="1828800" indent="0">
+              <a:buNone/>
+              <a:defRPr sz="1400">
+                <a:solidFill>
+                  <a:schemeClr val="tx1">
+                    <a:tint val="75000"/>
+                  </a:schemeClr>
+                </a:solidFill>
+              </a:defRPr>
+            </a:lvl5pPr>
+            <a:lvl6pPr marL="2286000" indent="0">
+              <a:buNone/>
+              <a:defRPr sz="1400">
+                <a:solidFill>
+                  <a:schemeClr val="tx1">
+                    <a:tint val="75000"/>
+                  </a:schemeClr>
+                </a:solidFill>
+              </a:defRPr>
+            </a:lvl6pPr>
+            <a:lvl7pPr marL="2743200" indent="0">
+              <a:buNone/>
+              <a:defRPr sz="1400">
+                <a:solidFill>
+                  <a:schemeClr val="tx1">
+                    <a:tint val="75000"/>
+                  </a:schemeClr>
+                </a:solidFill>
+              </a:defRPr>
+            </a:lvl7pPr>
+            <a:lvl8pPr marL="3200400" indent="0">
+              <a:buNone/>
+              <a:defRPr sz="1400">
+                <a:solidFill>
+                  <a:schemeClr val="tx1">
+                    <a:tint val="75000"/>
+                  </a:schemeClr>
+                </a:solidFill>
+              </a:defRPr>
+            </a:lvl8pPr>
+            <a:lvl9pPr marL="3657600" indent="0">
+              <a:buNone/>
+              <a:defRPr sz="1400">
+                <a:solidFill>
+                  <a:schemeClr val="tx1">
+                    <a:tint val="75000"/>
+                  </a:schemeClr>
+                </a:solidFill>
+              </a:defRPr>
+            </a:lvl9pPr>
+          </a:lstStyle>
+          <a:p>
+            <a:pPr lvl="0"/>
+            <a:r>
+              <a:rPr lang="th-TH"/>
+              <a:t>คลิกเพื่อแก้ไขสไตล์ของข้อความต้นแบบ</a:t>
+            </a:r>
+          </a:p>
+        </p:txBody>
+      </p:sp>
+      <p:sp>
+        <p:nvSpPr>
+          <p:cNvPr id="4" name="Date Placeholder 3"/>
+          <p:cNvSpPr>
+            <a:spLocks noGrp="1"/>
+          </p:cNvSpPr>
+          <p:nvPr>
+            <p:ph type="dt" sz="half" idx="10"/>
           </p:nvPr>
         </p:nvSpPr>
         <p:spPr/>
@@ -1262,200 +2458,36 @@
           <a:bodyPr/>
           <a:lstStyle/>
           <a:p>
-            <a:r>
-              <a:rPr lang="en-US"/>
-              <a:t>Click to edit Master title style</a:t>
-            </a:r>
-          </a:p>
-        </p:txBody>
-      </p:sp>
-      <p:sp>
-        <p:nvSpPr>
-          <p:cNvPr id="3" name="Content Placeholder 2">
-            <a:extLst>
-              <a:ext uri="{FF2B5EF4-FFF2-40B4-BE49-F238E27FC236}">
-                <a16:creationId xmlns:a16="http://schemas.microsoft.com/office/drawing/2014/main" id="{AD88FD35-13D0-4A41-AFF7-76A3CB88A4C0}"/>
-              </a:ext>
-            </a:extLst>
-          </p:cNvPr>
-          <p:cNvSpPr>
-            <a:spLocks noGrp="1"/>
-          </p:cNvSpPr>
-          <p:nvPr>
-            <p:ph sz="half" idx="1"/>
-          </p:nvPr>
-        </p:nvSpPr>
-        <p:spPr>
-          <a:xfrm>
-            <a:off x="838200" y="1825625"/>
-            <a:ext cx="5181600" cy="4351338"/>
-          </a:xfrm>
-        </p:spPr>
+            <a:fld id="{71FDB983-57D4-4524-928A-6E3CAB900B43}" type="datetimeFigureOut">
+              <a:rPr lang="en-US" smtClean="0"/>
+              <a:t>10/12/2024</a:t>
+            </a:fld>
+            <a:endParaRPr lang="en-US"/>
+          </a:p>
+        </p:txBody>
+      </p:sp>
+      <p:sp>
+        <p:nvSpPr>
+          <p:cNvPr id="5" name="Footer Placeholder 4"/>
+          <p:cNvSpPr>
+            <a:spLocks noGrp="1"/>
+          </p:cNvSpPr>
+          <p:nvPr>
+            <p:ph type="ftr" sz="quarter" idx="11"/>
+          </p:nvPr>
+        </p:nvSpPr>
+        <p:spPr/>
         <p:txBody>
           <a:bodyPr/>
           <a:lstStyle/>
           <a:p>
-            <a:pPr lvl="0"/>
-            <a:r>
-              <a:rPr lang="en-US"/>
-              <a:t>Edit Master text styles</a:t>
-            </a:r>
-          </a:p>
-          <a:p>
-            <a:pPr lvl="1"/>
-            <a:r>
-              <a:rPr lang="en-US"/>
-              <a:t>Second level</a:t>
-            </a:r>
-          </a:p>
-          <a:p>
-            <a:pPr lvl="2"/>
-            <a:r>
-              <a:rPr lang="en-US"/>
-              <a:t>Third level</a:t>
-            </a:r>
-          </a:p>
-          <a:p>
-            <a:pPr lvl="3"/>
-            <a:r>
-              <a:rPr lang="en-US"/>
-              <a:t>Fourth level</a:t>
-            </a:r>
-          </a:p>
-          <a:p>
-            <a:pPr lvl="4"/>
-            <a:r>
-              <a:rPr lang="en-US"/>
-              <a:t>Fifth level</a:t>
-            </a:r>
-          </a:p>
-        </p:txBody>
-      </p:sp>
-      <p:sp>
-        <p:nvSpPr>
-          <p:cNvPr id="4" name="Content Placeholder 3">
-            <a:extLst>
-              <a:ext uri="{FF2B5EF4-FFF2-40B4-BE49-F238E27FC236}">
-                <a16:creationId xmlns:a16="http://schemas.microsoft.com/office/drawing/2014/main" id="{82AA8C88-A708-40D7-BF5B-9938E18B6E76}"/>
-              </a:ext>
-            </a:extLst>
-          </p:cNvPr>
-          <p:cNvSpPr>
-            <a:spLocks noGrp="1"/>
-          </p:cNvSpPr>
-          <p:nvPr>
-            <p:ph sz="half" idx="2"/>
-          </p:nvPr>
-        </p:nvSpPr>
-        <p:spPr>
-          <a:xfrm>
-            <a:off x="6172200" y="1825625"/>
-            <a:ext cx="5181600" cy="4351338"/>
-          </a:xfrm>
-        </p:spPr>
-        <p:txBody>
-          <a:bodyPr/>
-          <a:lstStyle/>
-          <a:p>
-            <a:pPr lvl="0"/>
-            <a:r>
-              <a:rPr lang="en-US"/>
-              <a:t>Edit Master text styles</a:t>
-            </a:r>
-          </a:p>
-          <a:p>
-            <a:pPr lvl="1"/>
-            <a:r>
-              <a:rPr lang="en-US"/>
-              <a:t>Second level</a:t>
-            </a:r>
-          </a:p>
-          <a:p>
-            <a:pPr lvl="2"/>
-            <a:r>
-              <a:rPr lang="en-US"/>
-              <a:t>Third level</a:t>
-            </a:r>
-          </a:p>
-          <a:p>
-            <a:pPr lvl="3"/>
-            <a:r>
-              <a:rPr lang="en-US"/>
-              <a:t>Fourth level</a:t>
-            </a:r>
-          </a:p>
-          <a:p>
-            <a:pPr lvl="4"/>
-            <a:r>
-              <a:rPr lang="en-US"/>
-              <a:t>Fifth level</a:t>
-            </a:r>
-          </a:p>
-        </p:txBody>
-      </p:sp>
-      <p:sp>
-        <p:nvSpPr>
-          <p:cNvPr id="5" name="Date Placeholder 4">
-            <a:extLst>
-              <a:ext uri="{FF2B5EF4-FFF2-40B4-BE49-F238E27FC236}">
-                <a16:creationId xmlns:a16="http://schemas.microsoft.com/office/drawing/2014/main" id="{789CF550-649A-4992-BF5F-B130749C9FB7}"/>
-              </a:ext>
-            </a:extLst>
-          </p:cNvPr>
-          <p:cNvSpPr>
-            <a:spLocks noGrp="1"/>
-          </p:cNvSpPr>
-          <p:nvPr>
-            <p:ph type="dt" sz="half" idx="10"/>
-          </p:nvPr>
-        </p:nvSpPr>
-        <p:spPr/>
-        <p:txBody>
-          <a:bodyPr/>
-          <a:lstStyle/>
-          <a:p>
-            <a:fld id="{71FDB983-57D4-4524-928A-6E3CAB900B43}" type="datetimeFigureOut">
-              <a:rPr lang="en-US" smtClean="0"/>
-              <a:t>10/8/2024</a:t>
-            </a:fld>
             <a:endParaRPr lang="en-US"/>
           </a:p>
         </p:txBody>
       </p:sp>
       <p:sp>
         <p:nvSpPr>
-          <p:cNvPr id="6" name="Footer Placeholder 5">
-            <a:extLst>
-              <a:ext uri="{FF2B5EF4-FFF2-40B4-BE49-F238E27FC236}">
-                <a16:creationId xmlns:a16="http://schemas.microsoft.com/office/drawing/2014/main" id="{DB3DED2F-3F2C-4927-A203-097974D34BB5}"/>
-              </a:ext>
-            </a:extLst>
-          </p:cNvPr>
-          <p:cNvSpPr>
-            <a:spLocks noGrp="1"/>
-          </p:cNvSpPr>
-          <p:nvPr>
-            <p:ph type="ftr" sz="quarter" idx="11"/>
-          </p:nvPr>
-        </p:nvSpPr>
-        <p:spPr/>
-        <p:txBody>
-          <a:bodyPr/>
-          <a:lstStyle/>
-          <a:p>
-            <a:endParaRPr lang="en-US"/>
-          </a:p>
-        </p:txBody>
-      </p:sp>
-      <p:sp>
-        <p:nvSpPr>
-          <p:cNvPr id="7" name="Slide Number Placeholder 6">
-            <a:extLst>
-              <a:ext uri="{FF2B5EF4-FFF2-40B4-BE49-F238E27FC236}">
-                <a16:creationId xmlns:a16="http://schemas.microsoft.com/office/drawing/2014/main" id="{66C555F3-F718-4834-9291-8D8DA65985F1}"/>
-              </a:ext>
-            </a:extLst>
-          </p:cNvPr>
+          <p:cNvPr id="6" name="Slide Number Placeholder 5"/>
           <p:cNvSpPr>
             <a:spLocks noGrp="1"/>
           </p:cNvSpPr>
@@ -1479,7 +2511,7 @@
     </p:spTree>
     <p:extLst>
       <p:ext uri="{BB962C8B-B14F-4D97-AF65-F5344CB8AC3E}">
-        <p14:creationId xmlns:p14="http://schemas.microsoft.com/office/powerpoint/2010/main" val="3029805098"/>
+        <p14:creationId xmlns:p14="http://schemas.microsoft.com/office/powerpoint/2010/main" val="318287030"/>
       </p:ext>
     </p:extLst>
   </p:cSld>
@@ -1489,9 +2521,9 @@
 </p:sldLayout>
 </file>
 
-<file path=ppt/slideLayouts/slideLayout5.xml><?xml version="1.0" encoding="utf-8"?>
-<p:sldLayout xmlns:a="http://schemas.openxmlformats.org/drawingml/2006/main" xmlns:r="http://schemas.openxmlformats.org/officeDocument/2006/relationships" xmlns:p="http://schemas.openxmlformats.org/presentationml/2006/main" type="twoTxTwoObj" preserve="1">
-  <p:cSld name="Comparison">
+<file path=ppt/slideLayouts/slideLayout15.xml><?xml version="1.0" encoding="utf-8"?>
+<p:sldLayout xmlns:a="http://schemas.openxmlformats.org/drawingml/2006/main" xmlns:r="http://schemas.openxmlformats.org/officeDocument/2006/relationships" xmlns:p="http://schemas.openxmlformats.org/presentationml/2006/main" type="vertTx" preserve="1">
+  <p:cSld name="ชื่อเรื่องและข้อความแนวตั้ง">
     <p:spTree>
       <p:nvGrpSpPr>
         <p:cNvPr id="1" name=""/>
@@ -1508,13 +2540,7 @@
       </p:grpSpPr>
       <p:sp>
         <p:nvSpPr>
-          <p:cNvPr id="2" name="Title 1">
-            <a:extLst>
-              <a:ext uri="{FF2B5EF4-FFF2-40B4-BE49-F238E27FC236}">
-                <a16:creationId xmlns:a16="http://schemas.microsoft.com/office/drawing/2014/main" id="{66E638F3-7DCC-4F52-B9AC-79C06799493D}"/>
-              </a:ext>
-            </a:extLst>
-          </p:cNvPr>
+          <p:cNvPr id="2" name="Title 1"/>
           <p:cNvSpPr>
             <a:spLocks noGrp="1"/>
           </p:cNvSpPr>
@@ -1522,352 +2548,116 @@
             <p:ph type="title"/>
           </p:nvPr>
         </p:nvSpPr>
-        <p:spPr>
-          <a:xfrm>
-            <a:off x="839788" y="365125"/>
-            <a:ext cx="10515600" cy="1325563"/>
-          </a:xfrm>
-        </p:spPr>
+        <p:spPr/>
         <p:txBody>
           <a:bodyPr/>
           <a:lstStyle/>
           <a:p>
             <a:r>
-              <a:rPr lang="en-US"/>
-              <a:t>Click to edit Master title style</a:t>
-            </a:r>
-          </a:p>
-        </p:txBody>
-      </p:sp>
-      <p:sp>
-        <p:nvSpPr>
-          <p:cNvPr id="3" name="Text Placeholder 2">
-            <a:extLst>
-              <a:ext uri="{FF2B5EF4-FFF2-40B4-BE49-F238E27FC236}">
-                <a16:creationId xmlns:a16="http://schemas.microsoft.com/office/drawing/2014/main" id="{FB21A528-4477-439E-9785-60B85A0C15AD}"/>
-              </a:ext>
-            </a:extLst>
-          </p:cNvPr>
-          <p:cNvSpPr>
-            <a:spLocks noGrp="1"/>
-          </p:cNvSpPr>
-          <p:nvPr>
-            <p:ph type="body" idx="1"/>
-          </p:nvPr>
-        </p:nvSpPr>
-        <p:spPr>
-          <a:xfrm>
-            <a:off x="839788" y="1681163"/>
-            <a:ext cx="5157787" cy="823912"/>
-          </a:xfrm>
-        </p:spPr>
-        <p:txBody>
-          <a:bodyPr anchor="b"/>
-          <a:lstStyle>
-            <a:lvl1pPr marL="0" indent="0">
-              <a:buNone/>
-              <a:defRPr sz="2400" b="1"/>
-            </a:lvl1pPr>
-            <a:lvl2pPr marL="457200" indent="0">
-              <a:buNone/>
-              <a:defRPr sz="2000" b="1"/>
-            </a:lvl2pPr>
-            <a:lvl3pPr marL="914400" indent="0">
-              <a:buNone/>
-              <a:defRPr sz="1800" b="1"/>
-            </a:lvl3pPr>
-            <a:lvl4pPr marL="1371600" indent="0">
-              <a:buNone/>
-              <a:defRPr sz="1600" b="1"/>
-            </a:lvl4pPr>
-            <a:lvl5pPr marL="1828800" indent="0">
-              <a:buNone/>
-              <a:defRPr sz="1600" b="1"/>
-            </a:lvl5pPr>
-            <a:lvl6pPr marL="2286000" indent="0">
-              <a:buNone/>
-              <a:defRPr sz="1600" b="1"/>
-            </a:lvl6pPr>
-            <a:lvl7pPr marL="2743200" indent="0">
-              <a:buNone/>
-              <a:defRPr sz="1600" b="1"/>
-            </a:lvl7pPr>
-            <a:lvl8pPr marL="3200400" indent="0">
-              <a:buNone/>
-              <a:defRPr sz="1600" b="1"/>
-            </a:lvl8pPr>
-            <a:lvl9pPr marL="3657600" indent="0">
-              <a:buNone/>
-              <a:defRPr sz="1600" b="1"/>
-            </a:lvl9pPr>
-          </a:lstStyle>
+              <a:rPr lang="th-TH"/>
+              <a:t>คลิกเพื่อแก้ไขสไตล์ชื่อเรื่องต้นแบบ</a:t>
+            </a:r>
+            <a:endParaRPr lang="en-US" dirty="0"/>
+          </a:p>
+        </p:txBody>
+      </p:sp>
+      <p:sp>
+        <p:nvSpPr>
+          <p:cNvPr id="3" name="Vertical Text Placeholder 2"/>
+          <p:cNvSpPr>
+            <a:spLocks noGrp="1"/>
+          </p:cNvSpPr>
+          <p:nvPr>
+            <p:ph type="body" orient="vert" idx="1"/>
+          </p:nvPr>
+        </p:nvSpPr>
+        <p:spPr/>
+        <p:txBody>
+          <a:bodyPr vert="eaVert"/>
+          <a:lstStyle/>
           <a:p>
             <a:pPr lvl="0"/>
             <a:r>
-              <a:rPr lang="en-US"/>
-              <a:t>Edit Master text styles</a:t>
-            </a:r>
-          </a:p>
-        </p:txBody>
-      </p:sp>
-      <p:sp>
-        <p:nvSpPr>
-          <p:cNvPr id="4" name="Content Placeholder 3">
-            <a:extLst>
-              <a:ext uri="{FF2B5EF4-FFF2-40B4-BE49-F238E27FC236}">
-                <a16:creationId xmlns:a16="http://schemas.microsoft.com/office/drawing/2014/main" id="{BFC8B98D-3F65-42BF-AECC-49EED2C8C98A}"/>
-              </a:ext>
-            </a:extLst>
-          </p:cNvPr>
-          <p:cNvSpPr>
-            <a:spLocks noGrp="1"/>
-          </p:cNvSpPr>
-          <p:nvPr>
-            <p:ph sz="half" idx="2"/>
-          </p:nvPr>
-        </p:nvSpPr>
-        <p:spPr>
-          <a:xfrm>
-            <a:off x="839788" y="2505075"/>
-            <a:ext cx="5157787" cy="3684588"/>
-          </a:xfrm>
-        </p:spPr>
+              <a:rPr lang="th-TH"/>
+              <a:t>คลิกเพื่อแก้ไขสไตล์ของข้อความต้นแบบ</a:t>
+            </a:r>
+          </a:p>
+          <a:p>
+            <a:pPr lvl="1"/>
+            <a:r>
+              <a:rPr lang="th-TH"/>
+              <a:t>ระดับที่สอง</a:t>
+            </a:r>
+          </a:p>
+          <a:p>
+            <a:pPr lvl="2"/>
+            <a:r>
+              <a:rPr lang="th-TH"/>
+              <a:t>ระดับที่สาม</a:t>
+            </a:r>
+          </a:p>
+          <a:p>
+            <a:pPr lvl="3"/>
+            <a:r>
+              <a:rPr lang="th-TH"/>
+              <a:t>ระดับที่สี่</a:t>
+            </a:r>
+          </a:p>
+          <a:p>
+            <a:pPr lvl="4"/>
+            <a:r>
+              <a:rPr lang="th-TH"/>
+              <a:t>ระดับที่ห้า</a:t>
+            </a:r>
+            <a:endParaRPr lang="en-US" dirty="0"/>
+          </a:p>
+        </p:txBody>
+      </p:sp>
+      <p:sp>
+        <p:nvSpPr>
+          <p:cNvPr id="4" name="Date Placeholder 3"/>
+          <p:cNvSpPr>
+            <a:spLocks noGrp="1"/>
+          </p:cNvSpPr>
+          <p:nvPr>
+            <p:ph type="dt" sz="half" idx="10"/>
+          </p:nvPr>
+        </p:nvSpPr>
+        <p:spPr/>
         <p:txBody>
           <a:bodyPr/>
           <a:lstStyle/>
           <a:p>
-            <a:pPr lvl="0"/>
-            <a:r>
-              <a:rPr lang="en-US"/>
-              <a:t>Edit Master text styles</a:t>
-            </a:r>
-          </a:p>
-          <a:p>
-            <a:pPr lvl="1"/>
-            <a:r>
-              <a:rPr lang="en-US"/>
-              <a:t>Second level</a:t>
-            </a:r>
-          </a:p>
-          <a:p>
-            <a:pPr lvl="2"/>
-            <a:r>
-              <a:rPr lang="en-US"/>
-              <a:t>Third level</a:t>
-            </a:r>
-          </a:p>
-          <a:p>
-            <a:pPr lvl="3"/>
-            <a:r>
-              <a:rPr lang="en-US"/>
-              <a:t>Fourth level</a:t>
-            </a:r>
-          </a:p>
-          <a:p>
-            <a:pPr lvl="4"/>
-            <a:r>
-              <a:rPr lang="en-US"/>
-              <a:t>Fifth level</a:t>
-            </a:r>
-          </a:p>
-        </p:txBody>
-      </p:sp>
-      <p:sp>
-        <p:nvSpPr>
-          <p:cNvPr id="5" name="Text Placeholder 4">
-            <a:extLst>
-              <a:ext uri="{FF2B5EF4-FFF2-40B4-BE49-F238E27FC236}">
-                <a16:creationId xmlns:a16="http://schemas.microsoft.com/office/drawing/2014/main" id="{E2922BF4-C75F-4251-A21D-A5DDDB6476D0}"/>
-              </a:ext>
-            </a:extLst>
-          </p:cNvPr>
-          <p:cNvSpPr>
-            <a:spLocks noGrp="1"/>
-          </p:cNvSpPr>
-          <p:nvPr>
-            <p:ph type="body" sz="quarter" idx="3"/>
-          </p:nvPr>
-        </p:nvSpPr>
-        <p:spPr>
-          <a:xfrm>
-            <a:off x="6172200" y="1681163"/>
-            <a:ext cx="5183188" cy="823912"/>
-          </a:xfrm>
-        </p:spPr>
-        <p:txBody>
-          <a:bodyPr anchor="b"/>
-          <a:lstStyle>
-            <a:lvl1pPr marL="0" indent="0">
-              <a:buNone/>
-              <a:defRPr sz="2400" b="1"/>
-            </a:lvl1pPr>
-            <a:lvl2pPr marL="457200" indent="0">
-              <a:buNone/>
-              <a:defRPr sz="2000" b="1"/>
-            </a:lvl2pPr>
-            <a:lvl3pPr marL="914400" indent="0">
-              <a:buNone/>
-              <a:defRPr sz="1800" b="1"/>
-            </a:lvl3pPr>
-            <a:lvl4pPr marL="1371600" indent="0">
-              <a:buNone/>
-              <a:defRPr sz="1600" b="1"/>
-            </a:lvl4pPr>
-            <a:lvl5pPr marL="1828800" indent="0">
-              <a:buNone/>
-              <a:defRPr sz="1600" b="1"/>
-            </a:lvl5pPr>
-            <a:lvl6pPr marL="2286000" indent="0">
-              <a:buNone/>
-              <a:defRPr sz="1600" b="1"/>
-            </a:lvl6pPr>
-            <a:lvl7pPr marL="2743200" indent="0">
-              <a:buNone/>
-              <a:defRPr sz="1600" b="1"/>
-            </a:lvl7pPr>
-            <a:lvl8pPr marL="3200400" indent="0">
-              <a:buNone/>
-              <a:defRPr sz="1600" b="1"/>
-            </a:lvl8pPr>
-            <a:lvl9pPr marL="3657600" indent="0">
-              <a:buNone/>
-              <a:defRPr sz="1600" b="1"/>
-            </a:lvl9pPr>
-          </a:lstStyle>
-          <a:p>
-            <a:pPr lvl="0"/>
-            <a:r>
-              <a:rPr lang="en-US"/>
-              <a:t>Edit Master text styles</a:t>
-            </a:r>
-          </a:p>
-        </p:txBody>
-      </p:sp>
-      <p:sp>
-        <p:nvSpPr>
-          <p:cNvPr id="6" name="Content Placeholder 5">
-            <a:extLst>
-              <a:ext uri="{FF2B5EF4-FFF2-40B4-BE49-F238E27FC236}">
-                <a16:creationId xmlns:a16="http://schemas.microsoft.com/office/drawing/2014/main" id="{68952828-57B1-4DBD-9EDB-78E2677B87A3}"/>
-              </a:ext>
-            </a:extLst>
-          </p:cNvPr>
-          <p:cNvSpPr>
-            <a:spLocks noGrp="1"/>
-          </p:cNvSpPr>
-          <p:nvPr>
-            <p:ph sz="quarter" idx="4"/>
-          </p:nvPr>
-        </p:nvSpPr>
-        <p:spPr>
-          <a:xfrm>
-            <a:off x="6172200" y="2505075"/>
-            <a:ext cx="5183188" cy="3684588"/>
-          </a:xfrm>
-        </p:spPr>
+            <a:fld id="{71FDB983-57D4-4524-928A-6E3CAB900B43}" type="datetimeFigureOut">
+              <a:rPr lang="en-US" smtClean="0"/>
+              <a:t>10/12/2024</a:t>
+            </a:fld>
+            <a:endParaRPr lang="en-US"/>
+          </a:p>
+        </p:txBody>
+      </p:sp>
+      <p:sp>
+        <p:nvSpPr>
+          <p:cNvPr id="5" name="Footer Placeholder 4"/>
+          <p:cNvSpPr>
+            <a:spLocks noGrp="1"/>
+          </p:cNvSpPr>
+          <p:nvPr>
+            <p:ph type="ftr" sz="quarter" idx="11"/>
+          </p:nvPr>
+        </p:nvSpPr>
+        <p:spPr/>
         <p:txBody>
           <a:bodyPr/>
           <a:lstStyle/>
           <a:p>
-            <a:pPr lvl="0"/>
-            <a:r>
-              <a:rPr lang="en-US"/>
-              <a:t>Edit Master text styles</a:t>
-            </a:r>
-          </a:p>
-          <a:p>
-            <a:pPr lvl="1"/>
-            <a:r>
-              <a:rPr lang="en-US"/>
-              <a:t>Second level</a:t>
-            </a:r>
-          </a:p>
-          <a:p>
-            <a:pPr lvl="2"/>
-            <a:r>
-              <a:rPr lang="en-US"/>
-              <a:t>Third level</a:t>
-            </a:r>
-          </a:p>
-          <a:p>
-            <a:pPr lvl="3"/>
-            <a:r>
-              <a:rPr lang="en-US"/>
-              <a:t>Fourth level</a:t>
-            </a:r>
-          </a:p>
-          <a:p>
-            <a:pPr lvl="4"/>
-            <a:r>
-              <a:rPr lang="en-US"/>
-              <a:t>Fifth level</a:t>
-            </a:r>
-          </a:p>
-        </p:txBody>
-      </p:sp>
-      <p:sp>
-        <p:nvSpPr>
-          <p:cNvPr id="7" name="Date Placeholder 6">
-            <a:extLst>
-              <a:ext uri="{FF2B5EF4-FFF2-40B4-BE49-F238E27FC236}">
-                <a16:creationId xmlns:a16="http://schemas.microsoft.com/office/drawing/2014/main" id="{249CF02A-5216-4D6F-99DA-8594BFFBA7FA}"/>
-              </a:ext>
-            </a:extLst>
-          </p:cNvPr>
-          <p:cNvSpPr>
-            <a:spLocks noGrp="1"/>
-          </p:cNvSpPr>
-          <p:nvPr>
-            <p:ph type="dt" sz="half" idx="10"/>
-          </p:nvPr>
-        </p:nvSpPr>
-        <p:spPr/>
-        <p:txBody>
-          <a:bodyPr/>
-          <a:lstStyle/>
-          <a:p>
-            <a:fld id="{71FDB983-57D4-4524-928A-6E3CAB900B43}" type="datetimeFigureOut">
-              <a:rPr lang="en-US" smtClean="0"/>
-              <a:t>10/8/2024</a:t>
-            </a:fld>
             <a:endParaRPr lang="en-US"/>
           </a:p>
         </p:txBody>
       </p:sp>
       <p:sp>
         <p:nvSpPr>
-          <p:cNvPr id="8" name="Footer Placeholder 7">
-            <a:extLst>
-              <a:ext uri="{FF2B5EF4-FFF2-40B4-BE49-F238E27FC236}">
-                <a16:creationId xmlns:a16="http://schemas.microsoft.com/office/drawing/2014/main" id="{E4B151DF-90FA-4952-8C18-1A6CDE475FA8}"/>
-              </a:ext>
-            </a:extLst>
-          </p:cNvPr>
-          <p:cNvSpPr>
-            <a:spLocks noGrp="1"/>
-          </p:cNvSpPr>
-          <p:nvPr>
-            <p:ph type="ftr" sz="quarter" idx="11"/>
-          </p:nvPr>
-        </p:nvSpPr>
-        <p:spPr/>
-        <p:txBody>
-          <a:bodyPr/>
-          <a:lstStyle/>
-          <a:p>
-            <a:endParaRPr lang="en-US"/>
-          </a:p>
-        </p:txBody>
-      </p:sp>
-      <p:sp>
-        <p:nvSpPr>
-          <p:cNvPr id="9" name="Slide Number Placeholder 8">
-            <a:extLst>
-              <a:ext uri="{FF2B5EF4-FFF2-40B4-BE49-F238E27FC236}">
-                <a16:creationId xmlns:a16="http://schemas.microsoft.com/office/drawing/2014/main" id="{676DCCF2-D7AE-4098-80FC-DF9D9A8430EE}"/>
-              </a:ext>
-            </a:extLst>
-          </p:cNvPr>
+          <p:cNvPr id="6" name="Slide Number Placeholder 5"/>
           <p:cNvSpPr>
             <a:spLocks noGrp="1"/>
           </p:cNvSpPr>
@@ -1891,7 +2681,7 @@
     </p:spTree>
     <p:extLst>
       <p:ext uri="{BB962C8B-B14F-4D97-AF65-F5344CB8AC3E}">
-        <p14:creationId xmlns:p14="http://schemas.microsoft.com/office/powerpoint/2010/main" val="415585171"/>
+        <p14:creationId xmlns:p14="http://schemas.microsoft.com/office/powerpoint/2010/main" val="2863247534"/>
       </p:ext>
     </p:extLst>
   </p:cSld>
@@ -1901,9 +2691,9 @@
 </p:sldLayout>
 </file>
 
-<file path=ppt/slideLayouts/slideLayout6.xml><?xml version="1.0" encoding="utf-8"?>
-<p:sldLayout xmlns:a="http://schemas.openxmlformats.org/drawingml/2006/main" xmlns:r="http://schemas.openxmlformats.org/officeDocument/2006/relationships" xmlns:p="http://schemas.openxmlformats.org/presentationml/2006/main" type="titleOnly" preserve="1">
-  <p:cSld name="Title Only">
+<file path=ppt/slideLayouts/slideLayout16.xml><?xml version="1.0" encoding="utf-8"?>
+<p:sldLayout xmlns:a="http://schemas.openxmlformats.org/drawingml/2006/main" xmlns:r="http://schemas.openxmlformats.org/officeDocument/2006/relationships" xmlns:p="http://schemas.openxmlformats.org/presentationml/2006/main" type="vertTitleAndTx" preserve="1">
+  <p:cSld name="ข้อความและชื่อเรื่องแนวตั้ง">
     <p:spTree>
       <p:nvGrpSpPr>
         <p:cNvPr id="1" name=""/>
@@ -1920,18 +2710,97 @@
       </p:grpSpPr>
       <p:sp>
         <p:nvSpPr>
-          <p:cNvPr id="2" name="Title 1">
-            <a:extLst>
-              <a:ext uri="{FF2B5EF4-FFF2-40B4-BE49-F238E27FC236}">
-                <a16:creationId xmlns:a16="http://schemas.microsoft.com/office/drawing/2014/main" id="{8030759C-2EEF-40F3-9106-47F33C844DD1}"/>
-              </a:ext>
-            </a:extLst>
-          </p:cNvPr>
-          <p:cNvSpPr>
-            <a:spLocks noGrp="1"/>
-          </p:cNvSpPr>
-          <p:nvPr>
-            <p:ph type="title"/>
+          <p:cNvPr id="2" name="Vertical Title 1"/>
+          <p:cNvSpPr>
+            <a:spLocks noGrp="1"/>
+          </p:cNvSpPr>
+          <p:nvPr>
+            <p:ph type="title" orient="vert"/>
+          </p:nvPr>
+        </p:nvSpPr>
+        <p:spPr>
+          <a:xfrm>
+            <a:off x="7967673" y="609599"/>
+            <a:ext cx="1304743" cy="5251451"/>
+          </a:xfrm>
+        </p:spPr>
+        <p:txBody>
+          <a:bodyPr vert="eaVert" anchor="ctr"/>
+          <a:lstStyle/>
+          <a:p>
+            <a:r>
+              <a:rPr lang="th-TH"/>
+              <a:t>คลิกเพื่อแก้ไขสไตล์ชื่อเรื่องต้นแบบ</a:t>
+            </a:r>
+            <a:endParaRPr lang="en-US" dirty="0"/>
+          </a:p>
+        </p:txBody>
+      </p:sp>
+      <p:sp>
+        <p:nvSpPr>
+          <p:cNvPr id="3" name="Vertical Text Placeholder 2"/>
+          <p:cNvSpPr>
+            <a:spLocks noGrp="1"/>
+          </p:cNvSpPr>
+          <p:nvPr>
+            <p:ph type="body" orient="vert" idx="1"/>
+          </p:nvPr>
+        </p:nvSpPr>
+        <p:spPr>
+          <a:xfrm>
+            <a:off x="677335" y="609600"/>
+            <a:ext cx="7060150" cy="5251450"/>
+          </a:xfrm>
+        </p:spPr>
+        <p:txBody>
+          <a:bodyPr vert="eaVert"/>
+          <a:lstStyle/>
+          <a:p>
+            <a:pPr lvl="0"/>
+            <a:r>
+              <a:rPr lang="th-TH"/>
+              <a:t>คลิกเพื่อแก้ไขสไตล์ของข้อความต้นแบบ</a:t>
+            </a:r>
+          </a:p>
+          <a:p>
+            <a:pPr lvl="1"/>
+            <a:r>
+              <a:rPr lang="th-TH"/>
+              <a:t>ระดับที่สอง</a:t>
+            </a:r>
+          </a:p>
+          <a:p>
+            <a:pPr lvl="2"/>
+            <a:r>
+              <a:rPr lang="th-TH"/>
+              <a:t>ระดับที่สาม</a:t>
+            </a:r>
+          </a:p>
+          <a:p>
+            <a:pPr lvl="3"/>
+            <a:r>
+              <a:rPr lang="th-TH"/>
+              <a:t>ระดับที่สี่</a:t>
+            </a:r>
+          </a:p>
+          <a:p>
+            <a:pPr lvl="4"/>
+            <a:r>
+              <a:rPr lang="th-TH"/>
+              <a:t>ระดับที่ห้า</a:t>
+            </a:r>
+            <a:endParaRPr lang="en-US" dirty="0"/>
+          </a:p>
+        </p:txBody>
+      </p:sp>
+      <p:sp>
+        <p:nvSpPr>
+          <p:cNvPr id="4" name="Date Placeholder 3"/>
+          <p:cNvSpPr>
+            <a:spLocks noGrp="1"/>
+          </p:cNvSpPr>
+          <p:nvPr>
+            <p:ph type="dt" sz="half" idx="10"/>
           </p:nvPr>
         </p:nvSpPr>
         <p:spPr/>
@@ -1939,27 +2808,22 @@
           <a:bodyPr/>
           <a:lstStyle/>
           <a:p>
-            <a:r>
-              <a:rPr lang="en-US"/>
-              <a:t>Click to edit Master title style</a:t>
-            </a:r>
-          </a:p>
-        </p:txBody>
-      </p:sp>
-      <p:sp>
-        <p:nvSpPr>
-          <p:cNvPr id="3" name="Date Placeholder 2">
-            <a:extLst>
-              <a:ext uri="{FF2B5EF4-FFF2-40B4-BE49-F238E27FC236}">
-                <a16:creationId xmlns:a16="http://schemas.microsoft.com/office/drawing/2014/main" id="{714CA8BA-2BBF-4667-9820-F7AFA9222594}"/>
-              </a:ext>
-            </a:extLst>
-          </p:cNvPr>
-          <p:cNvSpPr>
-            <a:spLocks noGrp="1"/>
-          </p:cNvSpPr>
-          <p:nvPr>
-            <p:ph type="dt" sz="half" idx="10"/>
+            <a:fld id="{71FDB983-57D4-4524-928A-6E3CAB900B43}" type="datetimeFigureOut">
+              <a:rPr lang="en-US" smtClean="0"/>
+              <a:t>10/12/2024</a:t>
+            </a:fld>
+            <a:endParaRPr lang="en-US"/>
+          </a:p>
+        </p:txBody>
+      </p:sp>
+      <p:sp>
+        <p:nvSpPr>
+          <p:cNvPr id="5" name="Footer Placeholder 4"/>
+          <p:cNvSpPr>
+            <a:spLocks noGrp="1"/>
+          </p:cNvSpPr>
+          <p:nvPr>
+            <p:ph type="ftr" sz="quarter" idx="11"/>
           </p:nvPr>
         </p:nvSpPr>
         <p:spPr/>
@@ -1967,48 +2831,13 @@
           <a:bodyPr/>
           <a:lstStyle/>
           <a:p>
-            <a:fld id="{71FDB983-57D4-4524-928A-6E3CAB900B43}" type="datetimeFigureOut">
-              <a:rPr lang="en-US" smtClean="0"/>
-              <a:t>10/8/2024</a:t>
-            </a:fld>
             <a:endParaRPr lang="en-US"/>
           </a:p>
         </p:txBody>
       </p:sp>
       <p:sp>
         <p:nvSpPr>
-          <p:cNvPr id="4" name="Footer Placeholder 3">
-            <a:extLst>
-              <a:ext uri="{FF2B5EF4-FFF2-40B4-BE49-F238E27FC236}">
-                <a16:creationId xmlns:a16="http://schemas.microsoft.com/office/drawing/2014/main" id="{B66090C6-4C96-4F47-B450-348DF13DA0DF}"/>
-              </a:ext>
-            </a:extLst>
-          </p:cNvPr>
-          <p:cNvSpPr>
-            <a:spLocks noGrp="1"/>
-          </p:cNvSpPr>
-          <p:nvPr>
-            <p:ph type="ftr" sz="quarter" idx="11"/>
-          </p:nvPr>
-        </p:nvSpPr>
-        <p:spPr/>
-        <p:txBody>
-          <a:bodyPr/>
-          <a:lstStyle/>
-          <a:p>
-            <a:endParaRPr lang="en-US"/>
-          </a:p>
-        </p:txBody>
-      </p:sp>
-      <p:sp>
-        <p:nvSpPr>
-          <p:cNvPr id="5" name="Slide Number Placeholder 4">
-            <a:extLst>
-              <a:ext uri="{FF2B5EF4-FFF2-40B4-BE49-F238E27FC236}">
-                <a16:creationId xmlns:a16="http://schemas.microsoft.com/office/drawing/2014/main" id="{1A4F9A74-1A47-4C62-A77A-228F40747908}"/>
-              </a:ext>
-            </a:extLst>
-          </p:cNvPr>
+          <p:cNvPr id="6" name="Slide Number Placeholder 5"/>
           <p:cNvSpPr>
             <a:spLocks noGrp="1"/>
           </p:cNvSpPr>
@@ -2032,7 +2861,7 @@
     </p:spTree>
     <p:extLst>
       <p:ext uri="{BB962C8B-B14F-4D97-AF65-F5344CB8AC3E}">
-        <p14:creationId xmlns:p14="http://schemas.microsoft.com/office/powerpoint/2010/main" val="600042665"/>
+        <p14:creationId xmlns:p14="http://schemas.microsoft.com/office/powerpoint/2010/main" val="2738468168"/>
       </p:ext>
     </p:extLst>
   </p:cSld>
@@ -2042,9 +2871,9 @@
 </p:sldLayout>
 </file>
 
-<file path=ppt/slideLayouts/slideLayout7.xml><?xml version="1.0" encoding="utf-8"?>
-<p:sldLayout xmlns:a="http://schemas.openxmlformats.org/drawingml/2006/main" xmlns:r="http://schemas.openxmlformats.org/officeDocument/2006/relationships" xmlns:p="http://schemas.openxmlformats.org/presentationml/2006/main" type="blank" preserve="1">
-  <p:cSld name="Blank">
+<file path=ppt/slideLayouts/slideLayout2.xml><?xml version="1.0" encoding="utf-8"?>
+<p:sldLayout xmlns:a="http://schemas.openxmlformats.org/drawingml/2006/main" xmlns:r="http://schemas.openxmlformats.org/officeDocument/2006/relationships" xmlns:p="http://schemas.openxmlformats.org/presentationml/2006/main" type="obj" preserve="1">
+  <p:cSld name="ชื่อเรื่องและเนื้อหา">
     <p:spTree>
       <p:nvGrpSpPr>
         <p:cNvPr id="1" name=""/>
@@ -2061,18 +2890,41 @@
       </p:grpSpPr>
       <p:sp>
         <p:nvSpPr>
-          <p:cNvPr id="2" name="Date Placeholder 1">
-            <a:extLst>
-              <a:ext uri="{FF2B5EF4-FFF2-40B4-BE49-F238E27FC236}">
-                <a16:creationId xmlns:a16="http://schemas.microsoft.com/office/drawing/2014/main" id="{3E026493-BD4A-4804-B075-F57936A09E7B}"/>
-              </a:ext>
-            </a:extLst>
-          </p:cNvPr>
-          <p:cNvSpPr>
-            <a:spLocks noGrp="1"/>
-          </p:cNvSpPr>
-          <p:nvPr>
-            <p:ph type="dt" sz="half" idx="10"/>
+          <p:cNvPr id="2" name="Title 1"/>
+          <p:cNvSpPr>
+            <a:spLocks noGrp="1"/>
+          </p:cNvSpPr>
+          <p:nvPr>
+            <p:ph type="title"/>
+          </p:nvPr>
+        </p:nvSpPr>
+        <p:spPr/>
+        <p:txBody>
+          <a:bodyPr>
+            <a:normAutofit/>
+          </a:bodyPr>
+          <a:lstStyle>
+            <a:lvl1pPr>
+              <a:defRPr sz="3600"/>
+            </a:lvl1pPr>
+          </a:lstStyle>
+          <a:p>
+            <a:r>
+              <a:rPr lang="th-TH"/>
+              <a:t>คลิกเพื่อแก้ไขสไตล์ชื่อเรื่องต้นแบบ</a:t>
+            </a:r>
+            <a:endParaRPr lang="en-US" dirty="0"/>
+          </a:p>
+        </p:txBody>
+      </p:sp>
+      <p:sp>
+        <p:nvSpPr>
+          <p:cNvPr id="3" name="Content Placeholder 2"/>
+          <p:cNvSpPr>
+            <a:spLocks noGrp="1"/>
+          </p:cNvSpPr>
+          <p:nvPr>
+            <p:ph idx="1"/>
           </p:nvPr>
         </p:nvSpPr>
         <p:spPr/>
@@ -2080,9 +2932,61 @@
           <a:bodyPr/>
           <a:lstStyle/>
           <a:p>
+            <a:pPr lvl="0"/>
+            <a:r>
+              <a:rPr lang="th-TH"/>
+              <a:t>คลิกเพื่อแก้ไขสไตล์ของข้อความต้นแบบ</a:t>
+            </a:r>
+          </a:p>
+          <a:p>
+            <a:pPr lvl="1"/>
+            <a:r>
+              <a:rPr lang="th-TH"/>
+              <a:t>ระดับที่สอง</a:t>
+            </a:r>
+          </a:p>
+          <a:p>
+            <a:pPr lvl="2"/>
+            <a:r>
+              <a:rPr lang="th-TH"/>
+              <a:t>ระดับที่สาม</a:t>
+            </a:r>
+          </a:p>
+          <a:p>
+            <a:pPr lvl="3"/>
+            <a:r>
+              <a:rPr lang="th-TH"/>
+              <a:t>ระดับที่สี่</a:t>
+            </a:r>
+          </a:p>
+          <a:p>
+            <a:pPr lvl="4"/>
+            <a:r>
+              <a:rPr lang="th-TH"/>
+              <a:t>ระดับที่ห้า</a:t>
+            </a:r>
+            <a:endParaRPr lang="en-US" dirty="0"/>
+          </a:p>
+        </p:txBody>
+      </p:sp>
+      <p:sp>
+        <p:nvSpPr>
+          <p:cNvPr id="4" name="Date Placeholder 3"/>
+          <p:cNvSpPr>
+            <a:spLocks noGrp="1"/>
+          </p:cNvSpPr>
+          <p:nvPr>
+            <p:ph type="dt" sz="half" idx="10"/>
+          </p:nvPr>
+        </p:nvSpPr>
+        <p:spPr/>
+        <p:txBody>
+          <a:bodyPr/>
+          <a:lstStyle/>
+          <a:p>
             <a:fld id="{71FDB983-57D4-4524-928A-6E3CAB900B43}" type="datetimeFigureOut">
               <a:rPr lang="en-US" smtClean="0"/>
-              <a:t>10/8/2024</a:t>
+              <a:t>10/12/2024</a:t>
             </a:fld>
             <a:endParaRPr lang="en-US"/>
           </a:p>
@@ -2090,13 +2994,7 @@
       </p:sp>
       <p:sp>
         <p:nvSpPr>
-          <p:cNvPr id="3" name="Footer Placeholder 2">
-            <a:extLst>
-              <a:ext uri="{FF2B5EF4-FFF2-40B4-BE49-F238E27FC236}">
-                <a16:creationId xmlns:a16="http://schemas.microsoft.com/office/drawing/2014/main" id="{D38EB4F1-3887-43D1-9D2A-4F806654FB01}"/>
-              </a:ext>
-            </a:extLst>
-          </p:cNvPr>
+          <p:cNvPr id="5" name="Footer Placeholder 4"/>
           <p:cNvSpPr>
             <a:spLocks noGrp="1"/>
           </p:cNvSpPr>
@@ -2115,13 +3013,7 @@
       </p:sp>
       <p:sp>
         <p:nvSpPr>
-          <p:cNvPr id="4" name="Slide Number Placeholder 3">
-            <a:extLst>
-              <a:ext uri="{FF2B5EF4-FFF2-40B4-BE49-F238E27FC236}">
-                <a16:creationId xmlns:a16="http://schemas.microsoft.com/office/drawing/2014/main" id="{6EC8BF89-CC58-48B6-93D0-A6B9BF943AB5}"/>
-              </a:ext>
-            </a:extLst>
-          </p:cNvPr>
+          <p:cNvPr id="6" name="Slide Number Placeholder 5"/>
           <p:cNvSpPr>
             <a:spLocks noGrp="1"/>
           </p:cNvSpPr>
@@ -2145,7 +3037,7 @@
     </p:spTree>
     <p:extLst>
       <p:ext uri="{BB962C8B-B14F-4D97-AF65-F5344CB8AC3E}">
-        <p14:creationId xmlns:p14="http://schemas.microsoft.com/office/powerpoint/2010/main" val="3896362992"/>
+        <p14:creationId xmlns:p14="http://schemas.microsoft.com/office/powerpoint/2010/main" val="571622067"/>
       </p:ext>
     </p:extLst>
   </p:cSld>
@@ -2155,9 +3047,9 @@
 </p:sldLayout>
 </file>
 
-<file path=ppt/slideLayouts/slideLayout8.xml><?xml version="1.0" encoding="utf-8"?>
-<p:sldLayout xmlns:a="http://schemas.openxmlformats.org/drawingml/2006/main" xmlns:r="http://schemas.openxmlformats.org/officeDocument/2006/relationships" xmlns:p="http://schemas.openxmlformats.org/presentationml/2006/main" type="objTx" preserve="1">
-  <p:cSld name="Content with Caption">
+<file path=ppt/slideLayouts/slideLayout3.xml><?xml version="1.0" encoding="utf-8"?>
+<p:sldLayout xmlns:a="http://schemas.openxmlformats.org/drawingml/2006/main" xmlns:r="http://schemas.openxmlformats.org/officeDocument/2006/relationships" xmlns:p="http://schemas.openxmlformats.org/presentationml/2006/main" type="secHead" preserve="1">
+  <p:cSld name="ส่วนหัวของส่วน">
     <p:spTree>
       <p:nvGrpSpPr>
         <p:cNvPr id="1" name=""/>
@@ -2174,13 +3066,7 @@
       </p:grpSpPr>
       <p:sp>
         <p:nvSpPr>
-          <p:cNvPr id="2" name="Title 1">
-            <a:extLst>
-              <a:ext uri="{FF2B5EF4-FFF2-40B4-BE49-F238E27FC236}">
-                <a16:creationId xmlns:a16="http://schemas.microsoft.com/office/drawing/2014/main" id="{E090913A-2FE6-4FE7-B60C-7DE1378EB27F}"/>
-              </a:ext>
-            </a:extLst>
-          </p:cNvPr>
+          <p:cNvPr id="2" name="Title 1"/>
           <p:cNvSpPr>
             <a:spLocks noGrp="1"/>
           </p:cNvSpPr>
@@ -2190,195 +3076,149 @@
         </p:nvSpPr>
         <p:spPr>
           <a:xfrm>
-            <a:off x="839788" y="457200"/>
-            <a:ext cx="3932237" cy="1600200"/>
+            <a:off x="677335" y="2700867"/>
+            <a:ext cx="8596668" cy="1826581"/>
           </a:xfrm>
         </p:spPr>
         <p:txBody>
           <a:bodyPr anchor="b"/>
           <a:lstStyle>
-            <a:lvl1pPr>
-              <a:defRPr sz="3200"/>
+            <a:lvl1pPr algn="l">
+              <a:defRPr sz="4000" b="0" cap="none"/>
             </a:lvl1pPr>
           </a:lstStyle>
           <a:p>
             <a:r>
-              <a:rPr lang="en-US"/>
-              <a:t>Click to edit Master title style</a:t>
-            </a:r>
-          </a:p>
-        </p:txBody>
-      </p:sp>
-      <p:sp>
-        <p:nvSpPr>
-          <p:cNvPr id="3" name="Content Placeholder 2">
-            <a:extLst>
-              <a:ext uri="{FF2B5EF4-FFF2-40B4-BE49-F238E27FC236}">
-                <a16:creationId xmlns:a16="http://schemas.microsoft.com/office/drawing/2014/main" id="{002A4CBD-57F7-4B76-A1BC-E8744787A4FD}"/>
-              </a:ext>
-            </a:extLst>
-          </p:cNvPr>
-          <p:cNvSpPr>
-            <a:spLocks noGrp="1"/>
-          </p:cNvSpPr>
-          <p:nvPr>
-            <p:ph idx="1"/>
+              <a:rPr lang="th-TH"/>
+              <a:t>คลิกเพื่อแก้ไขสไตล์ชื่อเรื่องต้นแบบ</a:t>
+            </a:r>
+            <a:endParaRPr lang="en-US" dirty="0"/>
+          </a:p>
+        </p:txBody>
+      </p:sp>
+      <p:sp>
+        <p:nvSpPr>
+          <p:cNvPr id="3" name="Text Placeholder 2"/>
+          <p:cNvSpPr>
+            <a:spLocks noGrp="1"/>
+          </p:cNvSpPr>
+          <p:nvPr>
+            <p:ph type="body" idx="1"/>
           </p:nvPr>
         </p:nvSpPr>
         <p:spPr>
           <a:xfrm>
-            <a:off x="5183188" y="987425"/>
-            <a:ext cx="6172200" cy="4873625"/>
+            <a:off x="677335" y="4527448"/>
+            <a:ext cx="8596668" cy="860400"/>
           </a:xfrm>
         </p:spPr>
         <p:txBody>
-          <a:bodyPr/>
+          <a:bodyPr anchor="t"/>
           <a:lstStyle>
-            <a:lvl1pPr>
-              <a:defRPr sz="3200"/>
+            <a:lvl1pPr marL="0" indent="0" algn="l">
+              <a:buNone/>
+              <a:defRPr sz="2000">
+                <a:solidFill>
+                  <a:schemeClr val="tx1">
+                    <a:lumMod val="50000"/>
+                    <a:lumOff val="50000"/>
+                  </a:schemeClr>
+                </a:solidFill>
+              </a:defRPr>
             </a:lvl1pPr>
-            <a:lvl2pPr>
-              <a:defRPr sz="2800"/>
+            <a:lvl2pPr marL="457200" indent="0">
+              <a:buNone/>
+              <a:defRPr sz="1800">
+                <a:solidFill>
+                  <a:schemeClr val="tx1">
+                    <a:tint val="75000"/>
+                  </a:schemeClr>
+                </a:solidFill>
+              </a:defRPr>
             </a:lvl2pPr>
-            <a:lvl3pPr>
-              <a:defRPr sz="2400"/>
+            <a:lvl3pPr marL="914400" indent="0">
+              <a:buNone/>
+              <a:defRPr sz="1600">
+                <a:solidFill>
+                  <a:schemeClr val="tx1">
+                    <a:tint val="75000"/>
+                  </a:schemeClr>
+                </a:solidFill>
+              </a:defRPr>
             </a:lvl3pPr>
-            <a:lvl4pPr>
-              <a:defRPr sz="2000"/>
+            <a:lvl4pPr marL="1371600" indent="0">
+              <a:buNone/>
+              <a:defRPr sz="1400">
+                <a:solidFill>
+                  <a:schemeClr val="tx1">
+                    <a:tint val="75000"/>
+                  </a:schemeClr>
+                </a:solidFill>
+              </a:defRPr>
             </a:lvl4pPr>
-            <a:lvl5pPr>
-              <a:defRPr sz="2000"/>
+            <a:lvl5pPr marL="1828800" indent="0">
+              <a:buNone/>
+              <a:defRPr sz="1400">
+                <a:solidFill>
+                  <a:schemeClr val="tx1">
+                    <a:tint val="75000"/>
+                  </a:schemeClr>
+                </a:solidFill>
+              </a:defRPr>
             </a:lvl5pPr>
-            <a:lvl6pPr>
-              <a:defRPr sz="2000"/>
+            <a:lvl6pPr marL="2286000" indent="0">
+              <a:buNone/>
+              <a:defRPr sz="1400">
+                <a:solidFill>
+                  <a:schemeClr val="tx1">
+                    <a:tint val="75000"/>
+                  </a:schemeClr>
+                </a:solidFill>
+              </a:defRPr>
             </a:lvl6pPr>
-            <a:lvl7pPr>
-              <a:defRPr sz="2000"/>
+            <a:lvl7pPr marL="2743200" indent="0">
+              <a:buNone/>
+              <a:defRPr sz="1400">
+                <a:solidFill>
+                  <a:schemeClr val="tx1">
+                    <a:tint val="75000"/>
+                  </a:schemeClr>
+                </a:solidFill>
+              </a:defRPr>
             </a:lvl7pPr>
-            <a:lvl8pPr>
-              <a:defRPr sz="2000"/>
+            <a:lvl8pPr marL="3200400" indent="0">
+              <a:buNone/>
+              <a:defRPr sz="1400">
+                <a:solidFill>
+                  <a:schemeClr val="tx1">
+                    <a:tint val="75000"/>
+                  </a:schemeClr>
+                </a:solidFill>
+              </a:defRPr>
             </a:lvl8pPr>
-            <a:lvl9pPr>
-              <a:defRPr sz="2000"/>
+            <a:lvl9pPr marL="3657600" indent="0">
+              <a:buNone/>
+              <a:defRPr sz="1400">
+                <a:solidFill>
+                  <a:schemeClr val="tx1">
+                    <a:tint val="75000"/>
+                  </a:schemeClr>
+                </a:solidFill>
+              </a:defRPr>
             </a:lvl9pPr>
           </a:lstStyle>
           <a:p>
             <a:pPr lvl="0"/>
             <a:r>
-              <a:rPr lang="en-US"/>
-              <a:t>Edit Master text styles</a:t>
-            </a:r>
-          </a:p>
-          <a:p>
-            <a:pPr lvl="1"/>
-            <a:r>
-              <a:rPr lang="en-US"/>
-              <a:t>Second level</a:t>
-            </a:r>
-          </a:p>
-          <a:p>
-            <a:pPr lvl="2"/>
-            <a:r>
-              <a:rPr lang="en-US"/>
-              <a:t>Third level</a:t>
-            </a:r>
-          </a:p>
-          <a:p>
-            <a:pPr lvl="3"/>
-            <a:r>
-              <a:rPr lang="en-US"/>
-              <a:t>Fourth level</a:t>
-            </a:r>
-          </a:p>
-          <a:p>
-            <a:pPr lvl="4"/>
-            <a:r>
-              <a:rPr lang="en-US"/>
-              <a:t>Fifth level</a:t>
-            </a:r>
-          </a:p>
-        </p:txBody>
-      </p:sp>
-      <p:sp>
-        <p:nvSpPr>
-          <p:cNvPr id="4" name="Text Placeholder 3">
-            <a:extLst>
-              <a:ext uri="{FF2B5EF4-FFF2-40B4-BE49-F238E27FC236}">
-                <a16:creationId xmlns:a16="http://schemas.microsoft.com/office/drawing/2014/main" id="{B5499236-C7E8-4FD4-9199-5A9A86B47003}"/>
-              </a:ext>
-            </a:extLst>
-          </p:cNvPr>
-          <p:cNvSpPr>
-            <a:spLocks noGrp="1"/>
-          </p:cNvSpPr>
-          <p:nvPr>
-            <p:ph type="body" sz="half" idx="2"/>
-          </p:nvPr>
-        </p:nvSpPr>
-        <p:spPr>
-          <a:xfrm>
-            <a:off x="839788" y="2057400"/>
-            <a:ext cx="3932237" cy="3811588"/>
-          </a:xfrm>
-        </p:spPr>
-        <p:txBody>
-          <a:bodyPr/>
-          <a:lstStyle>
-            <a:lvl1pPr marL="0" indent="0">
-              <a:buNone/>
-              <a:defRPr sz="1600"/>
-            </a:lvl1pPr>
-            <a:lvl2pPr marL="457200" indent="0">
-              <a:buNone/>
-              <a:defRPr sz="1400"/>
-            </a:lvl2pPr>
-            <a:lvl3pPr marL="914400" indent="0">
-              <a:buNone/>
-              <a:defRPr sz="1200"/>
-            </a:lvl3pPr>
-            <a:lvl4pPr marL="1371600" indent="0">
-              <a:buNone/>
-              <a:defRPr sz="1000"/>
-            </a:lvl4pPr>
-            <a:lvl5pPr marL="1828800" indent="0">
-              <a:buNone/>
-              <a:defRPr sz="1000"/>
-            </a:lvl5pPr>
-            <a:lvl6pPr marL="2286000" indent="0">
-              <a:buNone/>
-              <a:defRPr sz="1000"/>
-            </a:lvl6pPr>
-            <a:lvl7pPr marL="2743200" indent="0">
-              <a:buNone/>
-              <a:defRPr sz="1000"/>
-            </a:lvl7pPr>
-            <a:lvl8pPr marL="3200400" indent="0">
-              <a:buNone/>
-              <a:defRPr sz="1000"/>
-            </a:lvl8pPr>
-            <a:lvl9pPr marL="3657600" indent="0">
-              <a:buNone/>
-              <a:defRPr sz="1000"/>
-            </a:lvl9pPr>
-          </a:lstStyle>
-          <a:p>
-            <a:pPr lvl="0"/>
-            <a:r>
-              <a:rPr lang="en-US"/>
-              <a:t>Edit Master text styles</a:t>
-            </a:r>
-          </a:p>
-        </p:txBody>
-      </p:sp>
-      <p:sp>
-        <p:nvSpPr>
-          <p:cNvPr id="5" name="Date Placeholder 4">
-            <a:extLst>
-              <a:ext uri="{FF2B5EF4-FFF2-40B4-BE49-F238E27FC236}">
-                <a16:creationId xmlns:a16="http://schemas.microsoft.com/office/drawing/2014/main" id="{220AB71B-685E-4B72-B42A-F557E032CC77}"/>
-              </a:ext>
-            </a:extLst>
-          </p:cNvPr>
+              <a:rPr lang="th-TH"/>
+              <a:t>คลิกเพื่อแก้ไขสไตล์ของข้อความต้นแบบ</a:t>
+            </a:r>
+          </a:p>
+        </p:txBody>
+      </p:sp>
+      <p:sp>
+        <p:nvSpPr>
+          <p:cNvPr id="4" name="Date Placeholder 3"/>
           <p:cNvSpPr>
             <a:spLocks noGrp="1"/>
           </p:cNvSpPr>
@@ -2393,7 +3233,7 @@
           <a:p>
             <a:fld id="{71FDB983-57D4-4524-928A-6E3CAB900B43}" type="datetimeFigureOut">
               <a:rPr lang="en-US" smtClean="0"/>
-              <a:t>10/8/2024</a:t>
+              <a:t>10/12/2024</a:t>
             </a:fld>
             <a:endParaRPr lang="en-US"/>
           </a:p>
@@ -2401,13 +3241,7 @@
       </p:sp>
       <p:sp>
         <p:nvSpPr>
-          <p:cNvPr id="6" name="Footer Placeholder 5">
-            <a:extLst>
-              <a:ext uri="{FF2B5EF4-FFF2-40B4-BE49-F238E27FC236}">
-                <a16:creationId xmlns:a16="http://schemas.microsoft.com/office/drawing/2014/main" id="{27A9A527-AC28-4BD0-80DC-74C70A86FF04}"/>
-              </a:ext>
-            </a:extLst>
-          </p:cNvPr>
+          <p:cNvPr id="5" name="Footer Placeholder 4"/>
           <p:cNvSpPr>
             <a:spLocks noGrp="1"/>
           </p:cNvSpPr>
@@ -2426,13 +3260,7 @@
       </p:sp>
       <p:sp>
         <p:nvSpPr>
-          <p:cNvPr id="7" name="Slide Number Placeholder 6">
-            <a:extLst>
-              <a:ext uri="{FF2B5EF4-FFF2-40B4-BE49-F238E27FC236}">
-                <a16:creationId xmlns:a16="http://schemas.microsoft.com/office/drawing/2014/main" id="{9C4BC6A1-3C5C-48BA-9CE2-97BFB182219B}"/>
-              </a:ext>
-            </a:extLst>
-          </p:cNvPr>
+          <p:cNvPr id="6" name="Slide Number Placeholder 5"/>
           <p:cNvSpPr>
             <a:spLocks noGrp="1"/>
           </p:cNvSpPr>
@@ -2456,7 +3284,7 @@
     </p:spTree>
     <p:extLst>
       <p:ext uri="{BB962C8B-B14F-4D97-AF65-F5344CB8AC3E}">
-        <p14:creationId xmlns:p14="http://schemas.microsoft.com/office/powerpoint/2010/main" val="110386615"/>
+        <p14:creationId xmlns:p14="http://schemas.microsoft.com/office/powerpoint/2010/main" val="2484338051"/>
       </p:ext>
     </p:extLst>
   </p:cSld>
@@ -2466,9 +3294,9 @@
 </p:sldLayout>
 </file>
 
-<file path=ppt/slideLayouts/slideLayout9.xml><?xml version="1.0" encoding="utf-8"?>
-<p:sldLayout xmlns:a="http://schemas.openxmlformats.org/drawingml/2006/main" xmlns:r="http://schemas.openxmlformats.org/officeDocument/2006/relationships" xmlns:p="http://schemas.openxmlformats.org/presentationml/2006/main" type="picTx" preserve="1">
-  <p:cSld name="Picture with Caption">
+<file path=ppt/slideLayouts/slideLayout4.xml><?xml version="1.0" encoding="utf-8"?>
+<p:sldLayout xmlns:a="http://schemas.openxmlformats.org/drawingml/2006/main" xmlns:r="http://schemas.openxmlformats.org/officeDocument/2006/relationships" xmlns:p="http://schemas.openxmlformats.org/presentationml/2006/main" type="twoObj" preserve="1">
+  <p:cSld name="เนื้อหา 2 ส่วน">
     <p:spTree>
       <p:nvGrpSpPr>
         <p:cNvPr id="1" name=""/>
@@ -2485,188 +3313,144 @@
       </p:grpSpPr>
       <p:sp>
         <p:nvSpPr>
-          <p:cNvPr id="2" name="Title 1">
-            <a:extLst>
-              <a:ext uri="{FF2B5EF4-FFF2-40B4-BE49-F238E27FC236}">
-                <a16:creationId xmlns:a16="http://schemas.microsoft.com/office/drawing/2014/main" id="{027F5161-1AB3-4537-9F80-F7B5E84CBDA0}"/>
-              </a:ext>
-            </a:extLst>
-          </p:cNvPr>
+          <p:cNvPr id="2" name="Title 1"/>
           <p:cNvSpPr>
             <a:spLocks noGrp="1"/>
           </p:cNvSpPr>
           <p:nvPr>
             <p:ph type="title"/>
+          </p:nvPr>
+        </p:nvSpPr>
+        <p:spPr/>
+        <p:txBody>
+          <a:bodyPr/>
+          <a:lstStyle/>
+          <a:p>
+            <a:r>
+              <a:rPr lang="th-TH"/>
+              <a:t>คลิกเพื่อแก้ไขสไตล์ชื่อเรื่องต้นแบบ</a:t>
+            </a:r>
+            <a:endParaRPr lang="en-US" dirty="0"/>
+          </a:p>
+        </p:txBody>
+      </p:sp>
+      <p:sp>
+        <p:nvSpPr>
+          <p:cNvPr id="3" name="Content Placeholder 2"/>
+          <p:cNvSpPr>
+            <a:spLocks noGrp="1"/>
+          </p:cNvSpPr>
+          <p:nvPr>
+            <p:ph sz="half" idx="1"/>
           </p:nvPr>
         </p:nvSpPr>
         <p:spPr>
           <a:xfrm>
-            <a:off x="839788" y="457200"/>
-            <a:ext cx="3932237" cy="1600200"/>
+            <a:off x="677334" y="2160589"/>
+            <a:ext cx="4184035" cy="3880772"/>
           </a:xfrm>
         </p:spPr>
         <p:txBody>
-          <a:bodyPr anchor="b"/>
-          <a:lstStyle>
-            <a:lvl1pPr>
-              <a:defRPr sz="3200"/>
-            </a:lvl1pPr>
-          </a:lstStyle>
-          <a:p>
-            <a:r>
-              <a:rPr lang="en-US"/>
-              <a:t>Click to edit Master title style</a:t>
-            </a:r>
-          </a:p>
-        </p:txBody>
-      </p:sp>
-      <p:sp>
-        <p:nvSpPr>
-          <p:cNvPr id="3" name="Picture Placeholder 2">
-            <a:extLst>
-              <a:ext uri="{FF2B5EF4-FFF2-40B4-BE49-F238E27FC236}">
-                <a16:creationId xmlns:a16="http://schemas.microsoft.com/office/drawing/2014/main" id="{92427D5A-295E-435B-94CC-BF58708F05AD}"/>
-              </a:ext>
-            </a:extLst>
-          </p:cNvPr>
-          <p:cNvSpPr>
-            <a:spLocks noGrp="1"/>
-          </p:cNvSpPr>
-          <p:nvPr>
-            <p:ph type="pic" idx="1"/>
+          <a:bodyPr/>
+          <a:lstStyle/>
+          <a:p>
+            <a:pPr lvl="0"/>
+            <a:r>
+              <a:rPr lang="th-TH"/>
+              <a:t>คลิกเพื่อแก้ไขสไตล์ของข้อความต้นแบบ</a:t>
+            </a:r>
+          </a:p>
+          <a:p>
+            <a:pPr lvl="1"/>
+            <a:r>
+              <a:rPr lang="th-TH"/>
+              <a:t>ระดับที่สอง</a:t>
+            </a:r>
+          </a:p>
+          <a:p>
+            <a:pPr lvl="2"/>
+            <a:r>
+              <a:rPr lang="th-TH"/>
+              <a:t>ระดับที่สาม</a:t>
+            </a:r>
+          </a:p>
+          <a:p>
+            <a:pPr lvl="3"/>
+            <a:r>
+              <a:rPr lang="th-TH"/>
+              <a:t>ระดับที่สี่</a:t>
+            </a:r>
+          </a:p>
+          <a:p>
+            <a:pPr lvl="4"/>
+            <a:r>
+              <a:rPr lang="th-TH"/>
+              <a:t>ระดับที่ห้า</a:t>
+            </a:r>
+            <a:endParaRPr lang="en-US" dirty="0"/>
+          </a:p>
+        </p:txBody>
+      </p:sp>
+      <p:sp>
+        <p:nvSpPr>
+          <p:cNvPr id="4" name="Content Placeholder 3"/>
+          <p:cNvSpPr>
+            <a:spLocks noGrp="1"/>
+          </p:cNvSpPr>
+          <p:nvPr>
+            <p:ph sz="half" idx="2"/>
           </p:nvPr>
         </p:nvSpPr>
         <p:spPr>
           <a:xfrm>
-            <a:off x="5183188" y="987425"/>
-            <a:ext cx="6172200" cy="4873625"/>
+            <a:off x="5089970" y="2160589"/>
+            <a:ext cx="4184034" cy="3880773"/>
           </a:xfrm>
         </p:spPr>
         <p:txBody>
           <a:bodyPr/>
-          <a:lstStyle>
-            <a:lvl1pPr marL="0" indent="0">
-              <a:buNone/>
-              <a:defRPr sz="3200"/>
-            </a:lvl1pPr>
-            <a:lvl2pPr marL="457200" indent="0">
-              <a:buNone/>
-              <a:defRPr sz="2800"/>
-            </a:lvl2pPr>
-            <a:lvl3pPr marL="914400" indent="0">
-              <a:buNone/>
-              <a:defRPr sz="2400"/>
-            </a:lvl3pPr>
-            <a:lvl4pPr marL="1371600" indent="0">
-              <a:buNone/>
-              <a:defRPr sz="2000"/>
-            </a:lvl4pPr>
-            <a:lvl5pPr marL="1828800" indent="0">
-              <a:buNone/>
-              <a:defRPr sz="2000"/>
-            </a:lvl5pPr>
-            <a:lvl6pPr marL="2286000" indent="0">
-              <a:buNone/>
-              <a:defRPr sz="2000"/>
-            </a:lvl6pPr>
-            <a:lvl7pPr marL="2743200" indent="0">
-              <a:buNone/>
-              <a:defRPr sz="2000"/>
-            </a:lvl7pPr>
-            <a:lvl8pPr marL="3200400" indent="0">
-              <a:buNone/>
-              <a:defRPr sz="2000"/>
-            </a:lvl8pPr>
-            <a:lvl9pPr marL="3657600" indent="0">
-              <a:buNone/>
-              <a:defRPr sz="2000"/>
-            </a:lvl9pPr>
-          </a:lstStyle>
-          <a:p>
-            <a:endParaRPr lang="en-US"/>
-          </a:p>
-        </p:txBody>
-      </p:sp>
-      <p:sp>
-        <p:nvSpPr>
-          <p:cNvPr id="4" name="Text Placeholder 3">
-            <a:extLst>
-              <a:ext uri="{FF2B5EF4-FFF2-40B4-BE49-F238E27FC236}">
-                <a16:creationId xmlns:a16="http://schemas.microsoft.com/office/drawing/2014/main" id="{EE10EB4D-48BE-4F88-A90D-0DF79A2E2788}"/>
-              </a:ext>
-            </a:extLst>
-          </p:cNvPr>
-          <p:cNvSpPr>
-            <a:spLocks noGrp="1"/>
-          </p:cNvSpPr>
-          <p:nvPr>
-            <p:ph type="body" sz="half" idx="2"/>
-          </p:nvPr>
-        </p:nvSpPr>
-        <p:spPr>
-          <a:xfrm>
-            <a:off x="839788" y="2057400"/>
-            <a:ext cx="3932237" cy="3811588"/>
-          </a:xfrm>
-        </p:spPr>
-        <p:txBody>
-          <a:bodyPr/>
-          <a:lstStyle>
-            <a:lvl1pPr marL="0" indent="0">
-              <a:buNone/>
-              <a:defRPr sz="1600"/>
-            </a:lvl1pPr>
-            <a:lvl2pPr marL="457200" indent="0">
-              <a:buNone/>
-              <a:defRPr sz="1400"/>
-            </a:lvl2pPr>
-            <a:lvl3pPr marL="914400" indent="0">
-              <a:buNone/>
-              <a:defRPr sz="1200"/>
-            </a:lvl3pPr>
-            <a:lvl4pPr marL="1371600" indent="0">
-              <a:buNone/>
-              <a:defRPr sz="1000"/>
-            </a:lvl4pPr>
-            <a:lvl5pPr marL="1828800" indent="0">
-              <a:buNone/>
-              <a:defRPr sz="1000"/>
-            </a:lvl5pPr>
-            <a:lvl6pPr marL="2286000" indent="0">
-              <a:buNone/>
-              <a:defRPr sz="1000"/>
-            </a:lvl6pPr>
-            <a:lvl7pPr marL="2743200" indent="0">
-              <a:buNone/>
-              <a:defRPr sz="1000"/>
-            </a:lvl7pPr>
-            <a:lvl8pPr marL="3200400" indent="0">
-              <a:buNone/>
-              <a:defRPr sz="1000"/>
-            </a:lvl8pPr>
-            <a:lvl9pPr marL="3657600" indent="0">
-              <a:buNone/>
-              <a:defRPr sz="1000"/>
-            </a:lvl9pPr>
-          </a:lstStyle>
+          <a:lstStyle/>
           <a:p>
             <a:pPr lvl="0"/>
             <a:r>
-              <a:rPr lang="en-US"/>
-              <a:t>Edit Master text styles</a:t>
-            </a:r>
-          </a:p>
-        </p:txBody>
-      </p:sp>
-      <p:sp>
-        <p:nvSpPr>
-          <p:cNvPr id="5" name="Date Placeholder 4">
-            <a:extLst>
-              <a:ext uri="{FF2B5EF4-FFF2-40B4-BE49-F238E27FC236}">
-                <a16:creationId xmlns:a16="http://schemas.microsoft.com/office/drawing/2014/main" id="{D687C5AA-681A-40EF-A1E4-592406DFFF66}"/>
-              </a:ext>
-            </a:extLst>
-          </p:cNvPr>
+              <a:rPr lang="th-TH"/>
+              <a:t>คลิกเพื่อแก้ไขสไตล์ของข้อความต้นแบบ</a:t>
+            </a:r>
+          </a:p>
+          <a:p>
+            <a:pPr lvl="1"/>
+            <a:r>
+              <a:rPr lang="th-TH"/>
+              <a:t>ระดับที่สอง</a:t>
+            </a:r>
+          </a:p>
+          <a:p>
+            <a:pPr lvl="2"/>
+            <a:r>
+              <a:rPr lang="th-TH"/>
+              <a:t>ระดับที่สาม</a:t>
+            </a:r>
+          </a:p>
+          <a:p>
+            <a:pPr lvl="3"/>
+            <a:r>
+              <a:rPr lang="th-TH"/>
+              <a:t>ระดับที่สี่</a:t>
+            </a:r>
+          </a:p>
+          <a:p>
+            <a:pPr lvl="4"/>
+            <a:r>
+              <a:rPr lang="th-TH"/>
+              <a:t>ระดับที่ห้า</a:t>
+            </a:r>
+            <a:endParaRPr lang="en-US" dirty="0"/>
+          </a:p>
+        </p:txBody>
+      </p:sp>
+      <p:sp>
+        <p:nvSpPr>
+          <p:cNvPr id="5" name="Date Placeholder 4"/>
           <p:cNvSpPr>
             <a:spLocks noGrp="1"/>
           </p:cNvSpPr>
@@ -2681,7 +3465,7 @@
           <a:p>
             <a:fld id="{71FDB983-57D4-4524-928A-6E3CAB900B43}" type="datetimeFigureOut">
               <a:rPr lang="en-US" smtClean="0"/>
-              <a:t>10/8/2024</a:t>
+              <a:t>10/12/2024</a:t>
             </a:fld>
             <a:endParaRPr lang="en-US"/>
           </a:p>
@@ -2689,13 +3473,7 @@
       </p:sp>
       <p:sp>
         <p:nvSpPr>
-          <p:cNvPr id="6" name="Footer Placeholder 5">
-            <a:extLst>
-              <a:ext uri="{FF2B5EF4-FFF2-40B4-BE49-F238E27FC236}">
-                <a16:creationId xmlns:a16="http://schemas.microsoft.com/office/drawing/2014/main" id="{06E513F0-A772-4E2D-8B87-3A1A5A0EEB90}"/>
-              </a:ext>
-            </a:extLst>
-          </p:cNvPr>
+          <p:cNvPr id="6" name="Footer Placeholder 5"/>
           <p:cNvSpPr>
             <a:spLocks noGrp="1"/>
           </p:cNvSpPr>
@@ -2714,13 +3492,7 @@
       </p:sp>
       <p:sp>
         <p:nvSpPr>
-          <p:cNvPr id="7" name="Slide Number Placeholder 6">
-            <a:extLst>
-              <a:ext uri="{FF2B5EF4-FFF2-40B4-BE49-F238E27FC236}">
-                <a16:creationId xmlns:a16="http://schemas.microsoft.com/office/drawing/2014/main" id="{2ACF28E6-DD0E-4913-BCE5-CC77B86DE8C5}"/>
-              </a:ext>
-            </a:extLst>
-          </p:cNvPr>
+          <p:cNvPr id="7" name="Slide Number Placeholder 6"/>
           <p:cNvSpPr>
             <a:spLocks noGrp="1"/>
           </p:cNvSpPr>
@@ -2744,7 +3516,1117 @@
     </p:spTree>
     <p:extLst>
       <p:ext uri="{BB962C8B-B14F-4D97-AF65-F5344CB8AC3E}">
-        <p14:creationId xmlns:p14="http://schemas.microsoft.com/office/powerpoint/2010/main" val="656505146"/>
+        <p14:creationId xmlns:p14="http://schemas.microsoft.com/office/powerpoint/2010/main" val="3991854928"/>
+      </p:ext>
+    </p:extLst>
+  </p:cSld>
+  <p:clrMapOvr>
+    <a:masterClrMapping/>
+  </p:clrMapOvr>
+</p:sldLayout>
+</file>
+
+<file path=ppt/slideLayouts/slideLayout5.xml><?xml version="1.0" encoding="utf-8"?>
+<p:sldLayout xmlns:a="http://schemas.openxmlformats.org/drawingml/2006/main" xmlns:r="http://schemas.openxmlformats.org/officeDocument/2006/relationships" xmlns:p="http://schemas.openxmlformats.org/presentationml/2006/main" type="twoTxTwoObj" preserve="1">
+  <p:cSld name="การเปรียบเทียบ">
+    <p:spTree>
+      <p:nvGrpSpPr>
+        <p:cNvPr id="1" name=""/>
+        <p:cNvGrpSpPr/>
+        <p:nvPr/>
+      </p:nvGrpSpPr>
+      <p:grpSpPr>
+        <a:xfrm>
+          <a:off x="0" y="0"/>
+          <a:ext cx="0" cy="0"/>
+          <a:chOff x="0" y="0"/>
+          <a:chExt cx="0" cy="0"/>
+        </a:xfrm>
+      </p:grpSpPr>
+      <p:sp>
+        <p:nvSpPr>
+          <p:cNvPr id="2" name="Title 1"/>
+          <p:cNvSpPr>
+            <a:spLocks noGrp="1"/>
+          </p:cNvSpPr>
+          <p:nvPr>
+            <p:ph type="title"/>
+          </p:nvPr>
+        </p:nvSpPr>
+        <p:spPr/>
+        <p:txBody>
+          <a:bodyPr/>
+          <a:lstStyle>
+            <a:lvl1pPr>
+              <a:defRPr/>
+            </a:lvl1pPr>
+          </a:lstStyle>
+          <a:p>
+            <a:r>
+              <a:rPr lang="th-TH"/>
+              <a:t>คลิกเพื่อแก้ไขสไตล์ชื่อเรื่องต้นแบบ</a:t>
+            </a:r>
+            <a:endParaRPr lang="en-US" dirty="0"/>
+          </a:p>
+        </p:txBody>
+      </p:sp>
+      <p:sp>
+        <p:nvSpPr>
+          <p:cNvPr id="3" name="Text Placeholder 2"/>
+          <p:cNvSpPr>
+            <a:spLocks noGrp="1"/>
+          </p:cNvSpPr>
+          <p:nvPr>
+            <p:ph type="body" idx="1"/>
+          </p:nvPr>
+        </p:nvSpPr>
+        <p:spPr>
+          <a:xfrm>
+            <a:off x="675745" y="2160983"/>
+            <a:ext cx="4185623" cy="576262"/>
+          </a:xfrm>
+        </p:spPr>
+        <p:txBody>
+          <a:bodyPr anchor="b">
+            <a:noAutofit/>
+          </a:bodyPr>
+          <a:lstStyle>
+            <a:lvl1pPr marL="0" indent="0">
+              <a:buNone/>
+              <a:defRPr sz="2400" b="0"/>
+            </a:lvl1pPr>
+            <a:lvl2pPr marL="457200" indent="0">
+              <a:buNone/>
+              <a:defRPr sz="2000" b="1"/>
+            </a:lvl2pPr>
+            <a:lvl3pPr marL="914400" indent="0">
+              <a:buNone/>
+              <a:defRPr sz="1800" b="1"/>
+            </a:lvl3pPr>
+            <a:lvl4pPr marL="1371600" indent="0">
+              <a:buNone/>
+              <a:defRPr sz="1600" b="1"/>
+            </a:lvl4pPr>
+            <a:lvl5pPr marL="1828800" indent="0">
+              <a:buNone/>
+              <a:defRPr sz="1600" b="1"/>
+            </a:lvl5pPr>
+            <a:lvl6pPr marL="2286000" indent="0">
+              <a:buNone/>
+              <a:defRPr sz="1600" b="1"/>
+            </a:lvl6pPr>
+            <a:lvl7pPr marL="2743200" indent="0">
+              <a:buNone/>
+              <a:defRPr sz="1600" b="1"/>
+            </a:lvl7pPr>
+            <a:lvl8pPr marL="3200400" indent="0">
+              <a:buNone/>
+              <a:defRPr sz="1600" b="1"/>
+            </a:lvl8pPr>
+            <a:lvl9pPr marL="3657600" indent="0">
+              <a:buNone/>
+              <a:defRPr sz="1600" b="1"/>
+            </a:lvl9pPr>
+          </a:lstStyle>
+          <a:p>
+            <a:pPr lvl="0"/>
+            <a:r>
+              <a:rPr lang="th-TH"/>
+              <a:t>คลิกเพื่อแก้ไขสไตล์ของข้อความต้นแบบ</a:t>
+            </a:r>
+          </a:p>
+        </p:txBody>
+      </p:sp>
+      <p:sp>
+        <p:nvSpPr>
+          <p:cNvPr id="4" name="Content Placeholder 3"/>
+          <p:cNvSpPr>
+            <a:spLocks noGrp="1"/>
+          </p:cNvSpPr>
+          <p:nvPr>
+            <p:ph sz="half" idx="2"/>
+          </p:nvPr>
+        </p:nvSpPr>
+        <p:spPr>
+          <a:xfrm>
+            <a:off x="675745" y="2737245"/>
+            <a:ext cx="4185623" cy="3304117"/>
+          </a:xfrm>
+        </p:spPr>
+        <p:txBody>
+          <a:bodyPr>
+            <a:normAutofit/>
+          </a:bodyPr>
+          <a:lstStyle/>
+          <a:p>
+            <a:pPr lvl="0"/>
+            <a:r>
+              <a:rPr lang="th-TH"/>
+              <a:t>คลิกเพื่อแก้ไขสไตล์ของข้อความต้นแบบ</a:t>
+            </a:r>
+          </a:p>
+          <a:p>
+            <a:pPr lvl="1"/>
+            <a:r>
+              <a:rPr lang="th-TH"/>
+              <a:t>ระดับที่สอง</a:t>
+            </a:r>
+          </a:p>
+          <a:p>
+            <a:pPr lvl="2"/>
+            <a:r>
+              <a:rPr lang="th-TH"/>
+              <a:t>ระดับที่สาม</a:t>
+            </a:r>
+          </a:p>
+          <a:p>
+            <a:pPr lvl="3"/>
+            <a:r>
+              <a:rPr lang="th-TH"/>
+              <a:t>ระดับที่สี่</a:t>
+            </a:r>
+          </a:p>
+          <a:p>
+            <a:pPr lvl="4"/>
+            <a:r>
+              <a:rPr lang="th-TH"/>
+              <a:t>ระดับที่ห้า</a:t>
+            </a:r>
+            <a:endParaRPr lang="en-US" dirty="0"/>
+          </a:p>
+        </p:txBody>
+      </p:sp>
+      <p:sp>
+        <p:nvSpPr>
+          <p:cNvPr id="5" name="Text Placeholder 4"/>
+          <p:cNvSpPr>
+            <a:spLocks noGrp="1"/>
+          </p:cNvSpPr>
+          <p:nvPr>
+            <p:ph type="body" sz="quarter" idx="3"/>
+          </p:nvPr>
+        </p:nvSpPr>
+        <p:spPr>
+          <a:xfrm>
+            <a:off x="5088383" y="2160983"/>
+            <a:ext cx="4185618" cy="576262"/>
+          </a:xfrm>
+        </p:spPr>
+        <p:txBody>
+          <a:bodyPr anchor="b">
+            <a:noAutofit/>
+          </a:bodyPr>
+          <a:lstStyle>
+            <a:lvl1pPr marL="0" indent="0">
+              <a:buNone/>
+              <a:defRPr sz="2400" b="0"/>
+            </a:lvl1pPr>
+            <a:lvl2pPr marL="457200" indent="0">
+              <a:buNone/>
+              <a:defRPr sz="2000" b="1"/>
+            </a:lvl2pPr>
+            <a:lvl3pPr marL="914400" indent="0">
+              <a:buNone/>
+              <a:defRPr sz="1800" b="1"/>
+            </a:lvl3pPr>
+            <a:lvl4pPr marL="1371600" indent="0">
+              <a:buNone/>
+              <a:defRPr sz="1600" b="1"/>
+            </a:lvl4pPr>
+            <a:lvl5pPr marL="1828800" indent="0">
+              <a:buNone/>
+              <a:defRPr sz="1600" b="1"/>
+            </a:lvl5pPr>
+            <a:lvl6pPr marL="2286000" indent="0">
+              <a:buNone/>
+              <a:defRPr sz="1600" b="1"/>
+            </a:lvl6pPr>
+            <a:lvl7pPr marL="2743200" indent="0">
+              <a:buNone/>
+              <a:defRPr sz="1600" b="1"/>
+            </a:lvl7pPr>
+            <a:lvl8pPr marL="3200400" indent="0">
+              <a:buNone/>
+              <a:defRPr sz="1600" b="1"/>
+            </a:lvl8pPr>
+            <a:lvl9pPr marL="3657600" indent="0">
+              <a:buNone/>
+              <a:defRPr sz="1600" b="1"/>
+            </a:lvl9pPr>
+          </a:lstStyle>
+          <a:p>
+            <a:pPr lvl="0"/>
+            <a:r>
+              <a:rPr lang="th-TH"/>
+              <a:t>คลิกเพื่อแก้ไขสไตล์ของข้อความต้นแบบ</a:t>
+            </a:r>
+          </a:p>
+        </p:txBody>
+      </p:sp>
+      <p:sp>
+        <p:nvSpPr>
+          <p:cNvPr id="6" name="Content Placeholder 5"/>
+          <p:cNvSpPr>
+            <a:spLocks noGrp="1"/>
+          </p:cNvSpPr>
+          <p:nvPr>
+            <p:ph sz="quarter" idx="4"/>
+          </p:nvPr>
+        </p:nvSpPr>
+        <p:spPr>
+          <a:xfrm>
+            <a:off x="5088384" y="2737245"/>
+            <a:ext cx="4185617" cy="3304117"/>
+          </a:xfrm>
+        </p:spPr>
+        <p:txBody>
+          <a:bodyPr>
+            <a:normAutofit/>
+          </a:bodyPr>
+          <a:lstStyle/>
+          <a:p>
+            <a:pPr lvl="0"/>
+            <a:r>
+              <a:rPr lang="th-TH"/>
+              <a:t>คลิกเพื่อแก้ไขสไตล์ของข้อความต้นแบบ</a:t>
+            </a:r>
+          </a:p>
+          <a:p>
+            <a:pPr lvl="1"/>
+            <a:r>
+              <a:rPr lang="th-TH"/>
+              <a:t>ระดับที่สอง</a:t>
+            </a:r>
+          </a:p>
+          <a:p>
+            <a:pPr lvl="2"/>
+            <a:r>
+              <a:rPr lang="th-TH"/>
+              <a:t>ระดับที่สาม</a:t>
+            </a:r>
+          </a:p>
+          <a:p>
+            <a:pPr lvl="3"/>
+            <a:r>
+              <a:rPr lang="th-TH"/>
+              <a:t>ระดับที่สี่</a:t>
+            </a:r>
+          </a:p>
+          <a:p>
+            <a:pPr lvl="4"/>
+            <a:r>
+              <a:rPr lang="th-TH"/>
+              <a:t>ระดับที่ห้า</a:t>
+            </a:r>
+            <a:endParaRPr lang="en-US" dirty="0"/>
+          </a:p>
+        </p:txBody>
+      </p:sp>
+      <p:sp>
+        <p:nvSpPr>
+          <p:cNvPr id="7" name="Date Placeholder 6"/>
+          <p:cNvSpPr>
+            <a:spLocks noGrp="1"/>
+          </p:cNvSpPr>
+          <p:nvPr>
+            <p:ph type="dt" sz="half" idx="10"/>
+          </p:nvPr>
+        </p:nvSpPr>
+        <p:spPr/>
+        <p:txBody>
+          <a:bodyPr/>
+          <a:lstStyle/>
+          <a:p>
+            <a:fld id="{71FDB983-57D4-4524-928A-6E3CAB900B43}" type="datetimeFigureOut">
+              <a:rPr lang="en-US" smtClean="0"/>
+              <a:t>10/12/2024</a:t>
+            </a:fld>
+            <a:endParaRPr lang="en-US"/>
+          </a:p>
+        </p:txBody>
+      </p:sp>
+      <p:sp>
+        <p:nvSpPr>
+          <p:cNvPr id="8" name="Footer Placeholder 7"/>
+          <p:cNvSpPr>
+            <a:spLocks noGrp="1"/>
+          </p:cNvSpPr>
+          <p:nvPr>
+            <p:ph type="ftr" sz="quarter" idx="11"/>
+          </p:nvPr>
+        </p:nvSpPr>
+        <p:spPr/>
+        <p:txBody>
+          <a:bodyPr/>
+          <a:lstStyle/>
+          <a:p>
+            <a:endParaRPr lang="en-US"/>
+          </a:p>
+        </p:txBody>
+      </p:sp>
+      <p:sp>
+        <p:nvSpPr>
+          <p:cNvPr id="9" name="Slide Number Placeholder 8"/>
+          <p:cNvSpPr>
+            <a:spLocks noGrp="1"/>
+          </p:cNvSpPr>
+          <p:nvPr>
+            <p:ph type="sldNum" sz="quarter" idx="12"/>
+          </p:nvPr>
+        </p:nvSpPr>
+        <p:spPr/>
+        <p:txBody>
+          <a:bodyPr/>
+          <a:lstStyle/>
+          <a:p>
+            <a:fld id="{D789B2C2-DB3A-4446-A8B8-B78ECBC01BC8}" type="slidenum">
+              <a:rPr lang="en-US" smtClean="0"/>
+              <a:t>‹#›</a:t>
+            </a:fld>
+            <a:endParaRPr lang="en-US"/>
+          </a:p>
+        </p:txBody>
+      </p:sp>
+    </p:spTree>
+    <p:extLst>
+      <p:ext uri="{BB962C8B-B14F-4D97-AF65-F5344CB8AC3E}">
+        <p14:creationId xmlns:p14="http://schemas.microsoft.com/office/powerpoint/2010/main" val="2573653891"/>
+      </p:ext>
+    </p:extLst>
+  </p:cSld>
+  <p:clrMapOvr>
+    <a:masterClrMapping/>
+  </p:clrMapOvr>
+</p:sldLayout>
+</file>
+
+<file path=ppt/slideLayouts/slideLayout6.xml><?xml version="1.0" encoding="utf-8"?>
+<p:sldLayout xmlns:a="http://schemas.openxmlformats.org/drawingml/2006/main" xmlns:r="http://schemas.openxmlformats.org/officeDocument/2006/relationships" xmlns:p="http://schemas.openxmlformats.org/presentationml/2006/main" type="titleOnly" preserve="1">
+  <p:cSld name="เฉพาะชื่อเรื่อง">
+    <p:spTree>
+      <p:nvGrpSpPr>
+        <p:cNvPr id="1" name=""/>
+        <p:cNvGrpSpPr/>
+        <p:nvPr/>
+      </p:nvGrpSpPr>
+      <p:grpSpPr>
+        <a:xfrm>
+          <a:off x="0" y="0"/>
+          <a:ext cx="0" cy="0"/>
+          <a:chOff x="0" y="0"/>
+          <a:chExt cx="0" cy="0"/>
+        </a:xfrm>
+      </p:grpSpPr>
+      <p:sp>
+        <p:nvSpPr>
+          <p:cNvPr id="2" name="Title 1"/>
+          <p:cNvSpPr>
+            <a:spLocks noGrp="1"/>
+          </p:cNvSpPr>
+          <p:nvPr>
+            <p:ph type="title"/>
+          </p:nvPr>
+        </p:nvSpPr>
+        <p:spPr>
+          <a:xfrm>
+            <a:off x="677334" y="609600"/>
+            <a:ext cx="8596668" cy="1320800"/>
+          </a:xfrm>
+        </p:spPr>
+        <p:txBody>
+          <a:bodyPr/>
+          <a:lstStyle/>
+          <a:p>
+            <a:r>
+              <a:rPr lang="th-TH"/>
+              <a:t>คลิกเพื่อแก้ไขสไตล์ชื่อเรื่องต้นแบบ</a:t>
+            </a:r>
+            <a:endParaRPr lang="en-US" dirty="0"/>
+          </a:p>
+        </p:txBody>
+      </p:sp>
+      <p:sp>
+        <p:nvSpPr>
+          <p:cNvPr id="3" name="Date Placeholder 2"/>
+          <p:cNvSpPr>
+            <a:spLocks noGrp="1"/>
+          </p:cNvSpPr>
+          <p:nvPr>
+            <p:ph type="dt" sz="half" idx="10"/>
+          </p:nvPr>
+        </p:nvSpPr>
+        <p:spPr/>
+        <p:txBody>
+          <a:bodyPr/>
+          <a:lstStyle/>
+          <a:p>
+            <a:fld id="{71FDB983-57D4-4524-928A-6E3CAB900B43}" type="datetimeFigureOut">
+              <a:rPr lang="en-US" smtClean="0"/>
+              <a:t>10/12/2024</a:t>
+            </a:fld>
+            <a:endParaRPr lang="en-US"/>
+          </a:p>
+        </p:txBody>
+      </p:sp>
+      <p:sp>
+        <p:nvSpPr>
+          <p:cNvPr id="4" name="Footer Placeholder 3"/>
+          <p:cNvSpPr>
+            <a:spLocks noGrp="1"/>
+          </p:cNvSpPr>
+          <p:nvPr>
+            <p:ph type="ftr" sz="quarter" idx="11"/>
+          </p:nvPr>
+        </p:nvSpPr>
+        <p:spPr/>
+        <p:txBody>
+          <a:bodyPr/>
+          <a:lstStyle/>
+          <a:p>
+            <a:endParaRPr lang="en-US"/>
+          </a:p>
+        </p:txBody>
+      </p:sp>
+      <p:sp>
+        <p:nvSpPr>
+          <p:cNvPr id="5" name="Slide Number Placeholder 4"/>
+          <p:cNvSpPr>
+            <a:spLocks noGrp="1"/>
+          </p:cNvSpPr>
+          <p:nvPr>
+            <p:ph type="sldNum" sz="quarter" idx="12"/>
+          </p:nvPr>
+        </p:nvSpPr>
+        <p:spPr/>
+        <p:txBody>
+          <a:bodyPr/>
+          <a:lstStyle/>
+          <a:p>
+            <a:fld id="{D789B2C2-DB3A-4446-A8B8-B78ECBC01BC8}" type="slidenum">
+              <a:rPr lang="en-US" smtClean="0"/>
+              <a:t>‹#›</a:t>
+            </a:fld>
+            <a:endParaRPr lang="en-US"/>
+          </a:p>
+        </p:txBody>
+      </p:sp>
+    </p:spTree>
+    <p:extLst>
+      <p:ext uri="{BB962C8B-B14F-4D97-AF65-F5344CB8AC3E}">
+        <p14:creationId xmlns:p14="http://schemas.microsoft.com/office/powerpoint/2010/main" val="2414059048"/>
+      </p:ext>
+    </p:extLst>
+  </p:cSld>
+  <p:clrMapOvr>
+    <a:masterClrMapping/>
+  </p:clrMapOvr>
+</p:sldLayout>
+</file>
+
+<file path=ppt/slideLayouts/slideLayout7.xml><?xml version="1.0" encoding="utf-8"?>
+<p:sldLayout xmlns:a="http://schemas.openxmlformats.org/drawingml/2006/main" xmlns:r="http://schemas.openxmlformats.org/officeDocument/2006/relationships" xmlns:p="http://schemas.openxmlformats.org/presentationml/2006/main" type="blank" preserve="1">
+  <p:cSld name="ว่างเปล่า">
+    <p:spTree>
+      <p:nvGrpSpPr>
+        <p:cNvPr id="1" name=""/>
+        <p:cNvGrpSpPr/>
+        <p:nvPr/>
+      </p:nvGrpSpPr>
+      <p:grpSpPr>
+        <a:xfrm>
+          <a:off x="0" y="0"/>
+          <a:ext cx="0" cy="0"/>
+          <a:chOff x="0" y="0"/>
+          <a:chExt cx="0" cy="0"/>
+        </a:xfrm>
+      </p:grpSpPr>
+      <p:sp>
+        <p:nvSpPr>
+          <p:cNvPr id="2" name="Date Placeholder 1"/>
+          <p:cNvSpPr>
+            <a:spLocks noGrp="1"/>
+          </p:cNvSpPr>
+          <p:nvPr>
+            <p:ph type="dt" sz="half" idx="10"/>
+          </p:nvPr>
+        </p:nvSpPr>
+        <p:spPr/>
+        <p:txBody>
+          <a:bodyPr/>
+          <a:lstStyle/>
+          <a:p>
+            <a:fld id="{71FDB983-57D4-4524-928A-6E3CAB900B43}" type="datetimeFigureOut">
+              <a:rPr lang="en-US" smtClean="0"/>
+              <a:t>10/12/2024</a:t>
+            </a:fld>
+            <a:endParaRPr lang="en-US"/>
+          </a:p>
+        </p:txBody>
+      </p:sp>
+      <p:sp>
+        <p:nvSpPr>
+          <p:cNvPr id="3" name="Footer Placeholder 2"/>
+          <p:cNvSpPr>
+            <a:spLocks noGrp="1"/>
+          </p:cNvSpPr>
+          <p:nvPr>
+            <p:ph type="ftr" sz="quarter" idx="11"/>
+          </p:nvPr>
+        </p:nvSpPr>
+        <p:spPr/>
+        <p:txBody>
+          <a:bodyPr/>
+          <a:lstStyle/>
+          <a:p>
+            <a:endParaRPr lang="en-US"/>
+          </a:p>
+        </p:txBody>
+      </p:sp>
+      <p:sp>
+        <p:nvSpPr>
+          <p:cNvPr id="4" name="Slide Number Placeholder 3"/>
+          <p:cNvSpPr>
+            <a:spLocks noGrp="1"/>
+          </p:cNvSpPr>
+          <p:nvPr>
+            <p:ph type="sldNum" sz="quarter" idx="12"/>
+          </p:nvPr>
+        </p:nvSpPr>
+        <p:spPr/>
+        <p:txBody>
+          <a:bodyPr/>
+          <a:lstStyle/>
+          <a:p>
+            <a:fld id="{D789B2C2-DB3A-4446-A8B8-B78ECBC01BC8}" type="slidenum">
+              <a:rPr lang="en-US" smtClean="0"/>
+              <a:t>‹#›</a:t>
+            </a:fld>
+            <a:endParaRPr lang="en-US"/>
+          </a:p>
+        </p:txBody>
+      </p:sp>
+    </p:spTree>
+    <p:extLst>
+      <p:ext uri="{BB962C8B-B14F-4D97-AF65-F5344CB8AC3E}">
+        <p14:creationId xmlns:p14="http://schemas.microsoft.com/office/powerpoint/2010/main" val="3094209643"/>
+      </p:ext>
+    </p:extLst>
+  </p:cSld>
+  <p:clrMapOvr>
+    <a:masterClrMapping/>
+  </p:clrMapOvr>
+</p:sldLayout>
+</file>
+
+<file path=ppt/slideLayouts/slideLayout8.xml><?xml version="1.0" encoding="utf-8"?>
+<p:sldLayout xmlns:a="http://schemas.openxmlformats.org/drawingml/2006/main" xmlns:r="http://schemas.openxmlformats.org/officeDocument/2006/relationships" xmlns:p="http://schemas.openxmlformats.org/presentationml/2006/main" type="objTx" preserve="1">
+  <p:cSld name="เนื้อหาพร้อมคำอธิบายภาพ">
+    <p:spTree>
+      <p:nvGrpSpPr>
+        <p:cNvPr id="1" name=""/>
+        <p:cNvGrpSpPr/>
+        <p:nvPr/>
+      </p:nvGrpSpPr>
+      <p:grpSpPr>
+        <a:xfrm>
+          <a:off x="0" y="0"/>
+          <a:ext cx="0" cy="0"/>
+          <a:chOff x="0" y="0"/>
+          <a:chExt cx="0" cy="0"/>
+        </a:xfrm>
+      </p:grpSpPr>
+      <p:sp>
+        <p:nvSpPr>
+          <p:cNvPr id="2" name="Title 1"/>
+          <p:cNvSpPr>
+            <a:spLocks noGrp="1"/>
+          </p:cNvSpPr>
+          <p:nvPr>
+            <p:ph type="title"/>
+          </p:nvPr>
+        </p:nvSpPr>
+        <p:spPr>
+          <a:xfrm>
+            <a:off x="677334" y="1498604"/>
+            <a:ext cx="3854528" cy="1278466"/>
+          </a:xfrm>
+        </p:spPr>
+        <p:txBody>
+          <a:bodyPr anchor="b">
+            <a:normAutofit/>
+          </a:bodyPr>
+          <a:lstStyle>
+            <a:lvl1pPr>
+              <a:defRPr sz="2000"/>
+            </a:lvl1pPr>
+          </a:lstStyle>
+          <a:p>
+            <a:r>
+              <a:rPr lang="th-TH"/>
+              <a:t>คลิกเพื่อแก้ไขสไตล์ชื่อเรื่องต้นแบบ</a:t>
+            </a:r>
+            <a:endParaRPr lang="en-US" dirty="0"/>
+          </a:p>
+        </p:txBody>
+      </p:sp>
+      <p:sp>
+        <p:nvSpPr>
+          <p:cNvPr id="3" name="Content Placeholder 2"/>
+          <p:cNvSpPr>
+            <a:spLocks noGrp="1"/>
+          </p:cNvSpPr>
+          <p:nvPr>
+            <p:ph idx="1"/>
+          </p:nvPr>
+        </p:nvSpPr>
+        <p:spPr>
+          <a:xfrm>
+            <a:off x="4760461" y="514924"/>
+            <a:ext cx="4513541" cy="5526437"/>
+          </a:xfrm>
+        </p:spPr>
+        <p:txBody>
+          <a:bodyPr>
+            <a:normAutofit/>
+          </a:bodyPr>
+          <a:lstStyle/>
+          <a:p>
+            <a:pPr lvl="0"/>
+            <a:r>
+              <a:rPr lang="th-TH"/>
+              <a:t>คลิกเพื่อแก้ไขสไตล์ของข้อความต้นแบบ</a:t>
+            </a:r>
+          </a:p>
+          <a:p>
+            <a:pPr lvl="1"/>
+            <a:r>
+              <a:rPr lang="th-TH"/>
+              <a:t>ระดับที่สอง</a:t>
+            </a:r>
+          </a:p>
+          <a:p>
+            <a:pPr lvl="2"/>
+            <a:r>
+              <a:rPr lang="th-TH"/>
+              <a:t>ระดับที่สาม</a:t>
+            </a:r>
+          </a:p>
+          <a:p>
+            <a:pPr lvl="3"/>
+            <a:r>
+              <a:rPr lang="th-TH"/>
+              <a:t>ระดับที่สี่</a:t>
+            </a:r>
+          </a:p>
+          <a:p>
+            <a:pPr lvl="4"/>
+            <a:r>
+              <a:rPr lang="th-TH"/>
+              <a:t>ระดับที่ห้า</a:t>
+            </a:r>
+            <a:endParaRPr lang="en-US" dirty="0"/>
+          </a:p>
+        </p:txBody>
+      </p:sp>
+      <p:sp>
+        <p:nvSpPr>
+          <p:cNvPr id="4" name="Text Placeholder 3"/>
+          <p:cNvSpPr>
+            <a:spLocks noGrp="1"/>
+          </p:cNvSpPr>
+          <p:nvPr>
+            <p:ph type="body" sz="half" idx="2"/>
+          </p:nvPr>
+        </p:nvSpPr>
+        <p:spPr>
+          <a:xfrm>
+            <a:off x="677334" y="2777069"/>
+            <a:ext cx="3854528" cy="2584449"/>
+          </a:xfrm>
+        </p:spPr>
+        <p:txBody>
+          <a:bodyPr>
+            <a:normAutofit/>
+          </a:bodyPr>
+          <a:lstStyle>
+            <a:lvl1pPr marL="0" indent="0">
+              <a:buNone/>
+              <a:defRPr sz="1400"/>
+            </a:lvl1pPr>
+            <a:lvl2pPr marL="457063" indent="0">
+              <a:buNone/>
+              <a:defRPr sz="1400"/>
+            </a:lvl2pPr>
+            <a:lvl3pPr marL="914126" indent="0">
+              <a:buNone/>
+              <a:defRPr sz="1200"/>
+            </a:lvl3pPr>
+            <a:lvl4pPr marL="1371189" indent="0">
+              <a:buNone/>
+              <a:defRPr sz="1000"/>
+            </a:lvl4pPr>
+            <a:lvl5pPr marL="1828251" indent="0">
+              <a:buNone/>
+              <a:defRPr sz="1000"/>
+            </a:lvl5pPr>
+            <a:lvl6pPr marL="2285314" indent="0">
+              <a:buNone/>
+              <a:defRPr sz="1000"/>
+            </a:lvl6pPr>
+            <a:lvl7pPr marL="2742377" indent="0">
+              <a:buNone/>
+              <a:defRPr sz="1000"/>
+            </a:lvl7pPr>
+            <a:lvl8pPr marL="3199440" indent="0">
+              <a:buNone/>
+              <a:defRPr sz="1000"/>
+            </a:lvl8pPr>
+            <a:lvl9pPr marL="3656503" indent="0">
+              <a:buNone/>
+              <a:defRPr sz="1000"/>
+            </a:lvl9pPr>
+          </a:lstStyle>
+          <a:p>
+            <a:pPr lvl="0"/>
+            <a:r>
+              <a:rPr lang="th-TH"/>
+              <a:t>คลิกเพื่อแก้ไขสไตล์ของข้อความต้นแบบ</a:t>
+            </a:r>
+          </a:p>
+        </p:txBody>
+      </p:sp>
+      <p:sp>
+        <p:nvSpPr>
+          <p:cNvPr id="5" name="Date Placeholder 4"/>
+          <p:cNvSpPr>
+            <a:spLocks noGrp="1"/>
+          </p:cNvSpPr>
+          <p:nvPr>
+            <p:ph type="dt" sz="half" idx="10"/>
+          </p:nvPr>
+        </p:nvSpPr>
+        <p:spPr/>
+        <p:txBody>
+          <a:bodyPr/>
+          <a:lstStyle/>
+          <a:p>
+            <a:fld id="{71FDB983-57D4-4524-928A-6E3CAB900B43}" type="datetimeFigureOut">
+              <a:rPr lang="en-US" smtClean="0"/>
+              <a:t>10/12/2024</a:t>
+            </a:fld>
+            <a:endParaRPr lang="en-US"/>
+          </a:p>
+        </p:txBody>
+      </p:sp>
+      <p:sp>
+        <p:nvSpPr>
+          <p:cNvPr id="6" name="Footer Placeholder 5"/>
+          <p:cNvSpPr>
+            <a:spLocks noGrp="1"/>
+          </p:cNvSpPr>
+          <p:nvPr>
+            <p:ph type="ftr" sz="quarter" idx="11"/>
+          </p:nvPr>
+        </p:nvSpPr>
+        <p:spPr/>
+        <p:txBody>
+          <a:bodyPr/>
+          <a:lstStyle/>
+          <a:p>
+            <a:endParaRPr lang="en-US"/>
+          </a:p>
+        </p:txBody>
+      </p:sp>
+      <p:sp>
+        <p:nvSpPr>
+          <p:cNvPr id="7" name="Slide Number Placeholder 6"/>
+          <p:cNvSpPr>
+            <a:spLocks noGrp="1"/>
+          </p:cNvSpPr>
+          <p:nvPr>
+            <p:ph type="sldNum" sz="quarter" idx="12"/>
+          </p:nvPr>
+        </p:nvSpPr>
+        <p:spPr/>
+        <p:txBody>
+          <a:bodyPr/>
+          <a:lstStyle/>
+          <a:p>
+            <a:fld id="{D789B2C2-DB3A-4446-A8B8-B78ECBC01BC8}" type="slidenum">
+              <a:rPr lang="en-US" smtClean="0"/>
+              <a:t>‹#›</a:t>
+            </a:fld>
+            <a:endParaRPr lang="en-US"/>
+          </a:p>
+        </p:txBody>
+      </p:sp>
+    </p:spTree>
+    <p:extLst>
+      <p:ext uri="{BB962C8B-B14F-4D97-AF65-F5344CB8AC3E}">
+        <p14:creationId xmlns:p14="http://schemas.microsoft.com/office/powerpoint/2010/main" val="3064979641"/>
+      </p:ext>
+    </p:extLst>
+  </p:cSld>
+  <p:clrMapOvr>
+    <a:masterClrMapping/>
+  </p:clrMapOvr>
+</p:sldLayout>
+</file>
+
+<file path=ppt/slideLayouts/slideLayout9.xml><?xml version="1.0" encoding="utf-8"?>
+<p:sldLayout xmlns:a="http://schemas.openxmlformats.org/drawingml/2006/main" xmlns:r="http://schemas.openxmlformats.org/officeDocument/2006/relationships" xmlns:p="http://schemas.openxmlformats.org/presentationml/2006/main" type="picTx" preserve="1">
+  <p:cSld name="รูปภาพพร้อมคำอธิบายภาพ">
+    <p:spTree>
+      <p:nvGrpSpPr>
+        <p:cNvPr id="1" name=""/>
+        <p:cNvGrpSpPr/>
+        <p:nvPr/>
+      </p:nvGrpSpPr>
+      <p:grpSpPr>
+        <a:xfrm>
+          <a:off x="0" y="0"/>
+          <a:ext cx="0" cy="0"/>
+          <a:chOff x="0" y="0"/>
+          <a:chExt cx="0" cy="0"/>
+        </a:xfrm>
+      </p:grpSpPr>
+      <p:sp>
+        <p:nvSpPr>
+          <p:cNvPr id="2" name="Title 1"/>
+          <p:cNvSpPr>
+            <a:spLocks noGrp="1"/>
+          </p:cNvSpPr>
+          <p:nvPr>
+            <p:ph type="title"/>
+          </p:nvPr>
+        </p:nvSpPr>
+        <p:spPr>
+          <a:xfrm>
+            <a:off x="677334" y="4800600"/>
+            <a:ext cx="8596667" cy="566738"/>
+          </a:xfrm>
+        </p:spPr>
+        <p:txBody>
+          <a:bodyPr anchor="b">
+            <a:normAutofit/>
+          </a:bodyPr>
+          <a:lstStyle>
+            <a:lvl1pPr algn="l">
+              <a:defRPr sz="2400" b="0"/>
+            </a:lvl1pPr>
+          </a:lstStyle>
+          <a:p>
+            <a:r>
+              <a:rPr lang="th-TH"/>
+              <a:t>คลิกเพื่อแก้ไขสไตล์ชื่อเรื่องต้นแบบ</a:t>
+            </a:r>
+            <a:endParaRPr lang="en-US" dirty="0"/>
+          </a:p>
+        </p:txBody>
+      </p:sp>
+      <p:sp>
+        <p:nvSpPr>
+          <p:cNvPr id="3" name="Picture Placeholder 2"/>
+          <p:cNvSpPr>
+            <a:spLocks noGrp="1" noChangeAspect="1"/>
+          </p:cNvSpPr>
+          <p:nvPr>
+            <p:ph type="pic" idx="1"/>
+          </p:nvPr>
+        </p:nvSpPr>
+        <p:spPr>
+          <a:xfrm>
+            <a:off x="677334" y="609600"/>
+            <a:ext cx="8596668" cy="3845718"/>
+          </a:xfrm>
+        </p:spPr>
+        <p:txBody>
+          <a:bodyPr anchor="t">
+            <a:normAutofit/>
+          </a:bodyPr>
+          <a:lstStyle>
+            <a:lvl1pPr marL="0" indent="0" algn="ctr">
+              <a:buNone/>
+              <a:defRPr sz="1600"/>
+            </a:lvl1pPr>
+            <a:lvl2pPr marL="457200" indent="0">
+              <a:buNone/>
+              <a:defRPr sz="1600"/>
+            </a:lvl2pPr>
+            <a:lvl3pPr marL="914400" indent="0">
+              <a:buNone/>
+              <a:defRPr sz="1600"/>
+            </a:lvl3pPr>
+            <a:lvl4pPr marL="1371600" indent="0">
+              <a:buNone/>
+              <a:defRPr sz="1600"/>
+            </a:lvl4pPr>
+            <a:lvl5pPr marL="1828800" indent="0">
+              <a:buNone/>
+              <a:defRPr sz="1600"/>
+            </a:lvl5pPr>
+            <a:lvl6pPr marL="2286000" indent="0">
+              <a:buNone/>
+              <a:defRPr sz="1600"/>
+            </a:lvl6pPr>
+            <a:lvl7pPr marL="2743200" indent="0">
+              <a:buNone/>
+              <a:defRPr sz="1600"/>
+            </a:lvl7pPr>
+            <a:lvl8pPr marL="3200400" indent="0">
+              <a:buNone/>
+              <a:defRPr sz="1600"/>
+            </a:lvl8pPr>
+            <a:lvl9pPr marL="3657600" indent="0">
+              <a:buNone/>
+              <a:defRPr sz="1600"/>
+            </a:lvl9pPr>
+          </a:lstStyle>
+          <a:p>
+            <a:r>
+              <a:rPr lang="th-TH"/>
+              <a:t>คลิกไอคอนเพื่อเพิ่มรูปภาพ</a:t>
+            </a:r>
+            <a:endParaRPr lang="en-US" dirty="0"/>
+          </a:p>
+        </p:txBody>
+      </p:sp>
+      <p:sp>
+        <p:nvSpPr>
+          <p:cNvPr id="4" name="Text Placeholder 3"/>
+          <p:cNvSpPr>
+            <a:spLocks noGrp="1"/>
+          </p:cNvSpPr>
+          <p:nvPr>
+            <p:ph type="body" sz="half" idx="2"/>
+          </p:nvPr>
+        </p:nvSpPr>
+        <p:spPr>
+          <a:xfrm>
+            <a:off x="677334" y="5367338"/>
+            <a:ext cx="8596667" cy="674024"/>
+          </a:xfrm>
+        </p:spPr>
+        <p:txBody>
+          <a:bodyPr>
+            <a:normAutofit/>
+          </a:bodyPr>
+          <a:lstStyle>
+            <a:lvl1pPr marL="0" indent="0">
+              <a:buNone/>
+              <a:defRPr sz="1200"/>
+            </a:lvl1pPr>
+            <a:lvl2pPr marL="457200" indent="0">
+              <a:buNone/>
+              <a:defRPr sz="1200"/>
+            </a:lvl2pPr>
+            <a:lvl3pPr marL="914400" indent="0">
+              <a:buNone/>
+              <a:defRPr sz="1000"/>
+            </a:lvl3pPr>
+            <a:lvl4pPr marL="1371600" indent="0">
+              <a:buNone/>
+              <a:defRPr sz="900"/>
+            </a:lvl4pPr>
+            <a:lvl5pPr marL="1828800" indent="0">
+              <a:buNone/>
+              <a:defRPr sz="900"/>
+            </a:lvl5pPr>
+            <a:lvl6pPr marL="2286000" indent="0">
+              <a:buNone/>
+              <a:defRPr sz="900"/>
+            </a:lvl6pPr>
+            <a:lvl7pPr marL="2743200" indent="0">
+              <a:buNone/>
+              <a:defRPr sz="900"/>
+            </a:lvl7pPr>
+            <a:lvl8pPr marL="3200400" indent="0">
+              <a:buNone/>
+              <a:defRPr sz="900"/>
+            </a:lvl8pPr>
+            <a:lvl9pPr marL="3657600" indent="0">
+              <a:buNone/>
+              <a:defRPr sz="900"/>
+            </a:lvl9pPr>
+          </a:lstStyle>
+          <a:p>
+            <a:pPr lvl="0"/>
+            <a:r>
+              <a:rPr lang="th-TH"/>
+              <a:t>คลิกเพื่อแก้ไขสไตล์ของข้อความต้นแบบ</a:t>
+            </a:r>
+          </a:p>
+        </p:txBody>
+      </p:sp>
+      <p:sp>
+        <p:nvSpPr>
+          <p:cNvPr id="5" name="Date Placeholder 4"/>
+          <p:cNvSpPr>
+            <a:spLocks noGrp="1"/>
+          </p:cNvSpPr>
+          <p:nvPr>
+            <p:ph type="dt" sz="half" idx="10"/>
+          </p:nvPr>
+        </p:nvSpPr>
+        <p:spPr/>
+        <p:txBody>
+          <a:bodyPr/>
+          <a:lstStyle/>
+          <a:p>
+            <a:fld id="{71FDB983-57D4-4524-928A-6E3CAB900B43}" type="datetimeFigureOut">
+              <a:rPr lang="en-US" smtClean="0"/>
+              <a:t>10/12/2024</a:t>
+            </a:fld>
+            <a:endParaRPr lang="en-US"/>
+          </a:p>
+        </p:txBody>
+      </p:sp>
+      <p:sp>
+        <p:nvSpPr>
+          <p:cNvPr id="6" name="Footer Placeholder 5"/>
+          <p:cNvSpPr>
+            <a:spLocks noGrp="1"/>
+          </p:cNvSpPr>
+          <p:nvPr>
+            <p:ph type="ftr" sz="quarter" idx="11"/>
+          </p:nvPr>
+        </p:nvSpPr>
+        <p:spPr/>
+        <p:txBody>
+          <a:bodyPr/>
+          <a:lstStyle/>
+          <a:p>
+            <a:endParaRPr lang="en-US"/>
+          </a:p>
+        </p:txBody>
+      </p:sp>
+      <p:sp>
+        <p:nvSpPr>
+          <p:cNvPr id="7" name="Slide Number Placeholder 6"/>
+          <p:cNvSpPr>
+            <a:spLocks noGrp="1"/>
+          </p:cNvSpPr>
+          <p:nvPr>
+            <p:ph type="sldNum" sz="quarter" idx="12"/>
+          </p:nvPr>
+        </p:nvSpPr>
+        <p:spPr/>
+        <p:txBody>
+          <a:bodyPr/>
+          <a:lstStyle/>
+          <a:p>
+            <a:fld id="{D789B2C2-DB3A-4446-A8B8-B78ECBC01BC8}" type="slidenum">
+              <a:rPr lang="en-US" smtClean="0"/>
+              <a:t>‹#›</a:t>
+            </a:fld>
+            <a:endParaRPr lang="en-US"/>
+          </a:p>
+        </p:txBody>
+      </p:sp>
+    </p:spTree>
+    <p:extLst>
+      <p:ext uri="{BB962C8B-B14F-4D97-AF65-F5344CB8AC3E}">
+        <p14:creationId xmlns:p14="http://schemas.microsoft.com/office/powerpoint/2010/main" val="1407735393"/>
       </p:ext>
     </p:extLst>
   </p:cSld>
@@ -2776,15 +4658,539 @@
           <a:chExt cx="0" cy="0"/>
         </a:xfrm>
       </p:grpSpPr>
-      <p:sp>
-        <p:nvSpPr>
-          <p:cNvPr id="2" name="Title Placeholder 1">
-            <a:extLst>
-              <a:ext uri="{FF2B5EF4-FFF2-40B4-BE49-F238E27FC236}">
-                <a16:creationId xmlns:a16="http://schemas.microsoft.com/office/drawing/2014/main" id="{D557EC40-1495-4351-95F0-046503E02730}"/>
-              </a:ext>
-            </a:extLst>
-          </p:cNvPr>
+      <p:grpSp>
+        <p:nvGrpSpPr>
+          <p:cNvPr id="7" name="Group 6"/>
+          <p:cNvGrpSpPr/>
+          <p:nvPr/>
+        </p:nvGrpSpPr>
+        <p:grpSpPr>
+          <a:xfrm>
+            <a:off x="0" y="-8467"/>
+            <a:ext cx="12192000" cy="6866467"/>
+            <a:chOff x="0" y="-8467"/>
+            <a:chExt cx="12192000" cy="6866467"/>
+          </a:xfrm>
+        </p:grpSpPr>
+        <p:cxnSp>
+          <p:nvCxnSpPr>
+            <p:cNvPr id="20" name="Straight Connector 19"/>
+            <p:cNvCxnSpPr/>
+            <p:nvPr/>
+          </p:nvCxnSpPr>
+          <p:spPr>
+            <a:xfrm>
+              <a:off x="9371012" y="0"/>
+              <a:ext cx="1219200" cy="6858000"/>
+            </a:xfrm>
+            <a:prstGeom prst="line">
+              <a:avLst/>
+            </a:prstGeom>
+            <a:ln w="9525">
+              <a:solidFill>
+                <a:schemeClr val="bg1">
+                  <a:lumMod val="75000"/>
+                </a:schemeClr>
+              </a:solidFill>
+            </a:ln>
+          </p:spPr>
+          <p:style>
+            <a:lnRef idx="2">
+              <a:schemeClr val="accent1"/>
+            </a:lnRef>
+            <a:fillRef idx="0">
+              <a:schemeClr val="accent1"/>
+            </a:fillRef>
+            <a:effectRef idx="1">
+              <a:schemeClr val="accent1"/>
+            </a:effectRef>
+            <a:fontRef idx="minor">
+              <a:schemeClr val="tx1"/>
+            </a:fontRef>
+          </p:style>
+        </p:cxnSp>
+        <p:cxnSp>
+          <p:nvCxnSpPr>
+            <p:cNvPr id="21" name="Straight Connector 20"/>
+            <p:cNvCxnSpPr/>
+            <p:nvPr/>
+          </p:nvCxnSpPr>
+          <p:spPr>
+            <a:xfrm flipH="1">
+              <a:off x="7425267" y="3681413"/>
+              <a:ext cx="4763558" cy="3176587"/>
+            </a:xfrm>
+            <a:prstGeom prst="line">
+              <a:avLst/>
+            </a:prstGeom>
+            <a:ln w="9525">
+              <a:solidFill>
+                <a:schemeClr val="bg1">
+                  <a:lumMod val="85000"/>
+                </a:schemeClr>
+              </a:solidFill>
+            </a:ln>
+          </p:spPr>
+          <p:style>
+            <a:lnRef idx="2">
+              <a:schemeClr val="accent1"/>
+            </a:lnRef>
+            <a:fillRef idx="0">
+              <a:schemeClr val="accent1"/>
+            </a:fillRef>
+            <a:effectRef idx="1">
+              <a:schemeClr val="accent1"/>
+            </a:effectRef>
+            <a:fontRef idx="minor">
+              <a:schemeClr val="tx1"/>
+            </a:fontRef>
+          </p:style>
+        </p:cxnSp>
+        <p:sp>
+          <p:nvSpPr>
+            <p:cNvPr id="22" name="Rectangle 23"/>
+            <p:cNvSpPr/>
+            <p:nvPr/>
+          </p:nvSpPr>
+          <p:spPr>
+            <a:xfrm>
+              <a:off x="9181476" y="-8467"/>
+              <a:ext cx="3007349" cy="6866467"/>
+            </a:xfrm>
+            <a:custGeom>
+              <a:avLst/>
+              <a:gdLst/>
+              <a:ahLst/>
+              <a:cxnLst/>
+              <a:rect l="l" t="t" r="r" b="b"/>
+              <a:pathLst>
+                <a:path w="3007349" h="6866467">
+                  <a:moveTo>
+                    <a:pt x="2045532" y="0"/>
+                  </a:moveTo>
+                  <a:lnTo>
+                    <a:pt x="3007349" y="0"/>
+                  </a:lnTo>
+                  <a:lnTo>
+                    <a:pt x="3007349" y="6866467"/>
+                  </a:lnTo>
+                  <a:lnTo>
+                    <a:pt x="0" y="6866467"/>
+                  </a:lnTo>
+                  <a:lnTo>
+                    <a:pt x="2045532" y="0"/>
+                  </a:lnTo>
+                  <a:close/>
+                </a:path>
+              </a:pathLst>
+            </a:custGeom>
+            <a:solidFill>
+              <a:schemeClr val="accent1">
+                <a:alpha val="30000"/>
+              </a:schemeClr>
+            </a:solidFill>
+            <a:ln>
+              <a:noFill/>
+            </a:ln>
+            <a:effectLst/>
+          </p:spPr>
+          <p:style>
+            <a:lnRef idx="1">
+              <a:schemeClr val="accent1"/>
+            </a:lnRef>
+            <a:fillRef idx="3">
+              <a:schemeClr val="accent1"/>
+            </a:fillRef>
+            <a:effectRef idx="2">
+              <a:schemeClr val="accent1"/>
+            </a:effectRef>
+            <a:fontRef idx="minor">
+              <a:schemeClr val="lt1"/>
+            </a:fontRef>
+          </p:style>
+        </p:sp>
+        <p:sp>
+          <p:nvSpPr>
+            <p:cNvPr id="23" name="Rectangle 25"/>
+            <p:cNvSpPr/>
+            <p:nvPr/>
+          </p:nvSpPr>
+          <p:spPr>
+            <a:xfrm>
+              <a:off x="9603442" y="-8467"/>
+              <a:ext cx="2588558" cy="6866467"/>
+            </a:xfrm>
+            <a:custGeom>
+              <a:avLst/>
+              <a:gdLst/>
+              <a:ahLst/>
+              <a:cxnLst/>
+              <a:rect l="l" t="t" r="r" b="b"/>
+              <a:pathLst>
+                <a:path w="2573311" h="6866467">
+                  <a:moveTo>
+                    <a:pt x="0" y="0"/>
+                  </a:moveTo>
+                  <a:lnTo>
+                    <a:pt x="2573311" y="0"/>
+                  </a:lnTo>
+                  <a:lnTo>
+                    <a:pt x="2573311" y="6866467"/>
+                  </a:lnTo>
+                  <a:lnTo>
+                    <a:pt x="1202336" y="6866467"/>
+                  </a:lnTo>
+                  <a:lnTo>
+                    <a:pt x="0" y="0"/>
+                  </a:lnTo>
+                  <a:close/>
+                </a:path>
+              </a:pathLst>
+            </a:custGeom>
+            <a:solidFill>
+              <a:schemeClr val="accent1">
+                <a:alpha val="20000"/>
+              </a:schemeClr>
+            </a:solidFill>
+            <a:ln>
+              <a:noFill/>
+            </a:ln>
+            <a:effectLst/>
+          </p:spPr>
+          <p:style>
+            <a:lnRef idx="1">
+              <a:schemeClr val="accent1"/>
+            </a:lnRef>
+            <a:fillRef idx="3">
+              <a:schemeClr val="accent1"/>
+            </a:fillRef>
+            <a:effectRef idx="2">
+              <a:schemeClr val="accent1"/>
+            </a:effectRef>
+            <a:fontRef idx="minor">
+              <a:schemeClr val="lt1"/>
+            </a:fontRef>
+          </p:style>
+        </p:sp>
+        <p:sp>
+          <p:nvSpPr>
+            <p:cNvPr id="24" name="Isosceles Triangle 23"/>
+            <p:cNvSpPr/>
+            <p:nvPr/>
+          </p:nvSpPr>
+          <p:spPr>
+            <a:xfrm>
+              <a:off x="8932333" y="3048000"/>
+              <a:ext cx="3259667" cy="3810000"/>
+            </a:xfrm>
+            <a:prstGeom prst="triangle">
+              <a:avLst>
+                <a:gd name="adj" fmla="val 100000"/>
+              </a:avLst>
+            </a:prstGeom>
+            <a:solidFill>
+              <a:schemeClr val="accent2">
+                <a:alpha val="72000"/>
+              </a:schemeClr>
+            </a:solidFill>
+            <a:ln>
+              <a:noFill/>
+            </a:ln>
+            <a:effectLst/>
+          </p:spPr>
+          <p:style>
+            <a:lnRef idx="1">
+              <a:schemeClr val="accent1"/>
+            </a:lnRef>
+            <a:fillRef idx="3">
+              <a:schemeClr val="accent1"/>
+            </a:fillRef>
+            <a:effectRef idx="2">
+              <a:schemeClr val="accent1"/>
+            </a:effectRef>
+            <a:fontRef idx="minor">
+              <a:schemeClr val="lt1"/>
+            </a:fontRef>
+          </p:style>
+        </p:sp>
+        <p:sp>
+          <p:nvSpPr>
+            <p:cNvPr id="25" name="Rectangle 27"/>
+            <p:cNvSpPr/>
+            <p:nvPr/>
+          </p:nvSpPr>
+          <p:spPr>
+            <a:xfrm>
+              <a:off x="9334500" y="-8467"/>
+              <a:ext cx="2854326" cy="6866467"/>
+            </a:xfrm>
+            <a:custGeom>
+              <a:avLst/>
+              <a:gdLst/>
+              <a:ahLst/>
+              <a:cxnLst/>
+              <a:rect l="l" t="t" r="r" b="b"/>
+              <a:pathLst>
+                <a:path w="2858013" h="6866467">
+                  <a:moveTo>
+                    <a:pt x="0" y="0"/>
+                  </a:moveTo>
+                  <a:lnTo>
+                    <a:pt x="2858013" y="0"/>
+                  </a:lnTo>
+                  <a:lnTo>
+                    <a:pt x="2858013" y="6866467"/>
+                  </a:lnTo>
+                  <a:lnTo>
+                    <a:pt x="2473942" y="6866467"/>
+                  </a:lnTo>
+                  <a:lnTo>
+                    <a:pt x="0" y="0"/>
+                  </a:lnTo>
+                  <a:close/>
+                </a:path>
+              </a:pathLst>
+            </a:custGeom>
+            <a:solidFill>
+              <a:schemeClr val="accent2">
+                <a:lumMod val="75000"/>
+                <a:alpha val="70000"/>
+              </a:schemeClr>
+            </a:solidFill>
+            <a:ln>
+              <a:noFill/>
+            </a:ln>
+            <a:effectLst/>
+          </p:spPr>
+          <p:style>
+            <a:lnRef idx="1">
+              <a:schemeClr val="accent1"/>
+            </a:lnRef>
+            <a:fillRef idx="3">
+              <a:schemeClr val="accent1"/>
+            </a:fillRef>
+            <a:effectRef idx="2">
+              <a:schemeClr val="accent1"/>
+            </a:effectRef>
+            <a:fontRef idx="minor">
+              <a:schemeClr val="lt1"/>
+            </a:fontRef>
+          </p:style>
+        </p:sp>
+        <p:sp>
+          <p:nvSpPr>
+            <p:cNvPr id="26" name="Rectangle 28"/>
+            <p:cNvSpPr/>
+            <p:nvPr/>
+          </p:nvSpPr>
+          <p:spPr>
+            <a:xfrm>
+              <a:off x="10898730" y="-8467"/>
+              <a:ext cx="1290094" cy="6866467"/>
+            </a:xfrm>
+            <a:custGeom>
+              <a:avLst/>
+              <a:gdLst/>
+              <a:ahLst/>
+              <a:cxnLst/>
+              <a:rect l="l" t="t" r="r" b="b"/>
+              <a:pathLst>
+                <a:path w="1290094" h="6858000">
+                  <a:moveTo>
+                    <a:pt x="1019735" y="0"/>
+                  </a:moveTo>
+                  <a:lnTo>
+                    <a:pt x="1290094" y="0"/>
+                  </a:lnTo>
+                  <a:lnTo>
+                    <a:pt x="1290094" y="6858000"/>
+                  </a:lnTo>
+                  <a:lnTo>
+                    <a:pt x="0" y="6858000"/>
+                  </a:lnTo>
+                  <a:lnTo>
+                    <a:pt x="1019735" y="0"/>
+                  </a:lnTo>
+                  <a:close/>
+                </a:path>
+              </a:pathLst>
+            </a:custGeom>
+            <a:solidFill>
+              <a:schemeClr val="accent1">
+                <a:lumMod val="60000"/>
+                <a:lumOff val="40000"/>
+                <a:alpha val="70000"/>
+              </a:schemeClr>
+            </a:solidFill>
+            <a:ln>
+              <a:noFill/>
+            </a:ln>
+            <a:effectLst/>
+          </p:spPr>
+          <p:style>
+            <a:lnRef idx="1">
+              <a:schemeClr val="accent1"/>
+            </a:lnRef>
+            <a:fillRef idx="3">
+              <a:schemeClr val="accent1"/>
+            </a:fillRef>
+            <a:effectRef idx="2">
+              <a:schemeClr val="accent1"/>
+            </a:effectRef>
+            <a:fontRef idx="minor">
+              <a:schemeClr val="lt1"/>
+            </a:fontRef>
+          </p:style>
+        </p:sp>
+        <p:sp>
+          <p:nvSpPr>
+            <p:cNvPr id="27" name="Rectangle 29"/>
+            <p:cNvSpPr/>
+            <p:nvPr/>
+          </p:nvSpPr>
+          <p:spPr>
+            <a:xfrm>
+              <a:off x="10938999" y="-8467"/>
+              <a:ext cx="1249825" cy="6866467"/>
+            </a:xfrm>
+            <a:custGeom>
+              <a:avLst/>
+              <a:gdLst/>
+              <a:ahLst/>
+              <a:cxnLst/>
+              <a:rect l="l" t="t" r="r" b="b"/>
+              <a:pathLst>
+                <a:path w="1249825" h="6858000">
+                  <a:moveTo>
+                    <a:pt x="0" y="0"/>
+                  </a:moveTo>
+                  <a:lnTo>
+                    <a:pt x="1249825" y="0"/>
+                  </a:lnTo>
+                  <a:lnTo>
+                    <a:pt x="1249825" y="6858000"/>
+                  </a:lnTo>
+                  <a:lnTo>
+                    <a:pt x="1109382" y="6858000"/>
+                  </a:lnTo>
+                  <a:lnTo>
+                    <a:pt x="0" y="0"/>
+                  </a:lnTo>
+                  <a:close/>
+                </a:path>
+              </a:pathLst>
+            </a:custGeom>
+            <a:solidFill>
+              <a:schemeClr val="accent1">
+                <a:alpha val="65000"/>
+              </a:schemeClr>
+            </a:solidFill>
+            <a:ln>
+              <a:noFill/>
+            </a:ln>
+            <a:effectLst/>
+          </p:spPr>
+          <p:style>
+            <a:lnRef idx="1">
+              <a:schemeClr val="accent1"/>
+            </a:lnRef>
+            <a:fillRef idx="3">
+              <a:schemeClr val="accent1"/>
+            </a:fillRef>
+            <a:effectRef idx="2">
+              <a:schemeClr val="accent1"/>
+            </a:effectRef>
+            <a:fontRef idx="minor">
+              <a:schemeClr val="lt1"/>
+            </a:fontRef>
+          </p:style>
+        </p:sp>
+        <p:sp>
+          <p:nvSpPr>
+            <p:cNvPr id="28" name="Isosceles Triangle 27"/>
+            <p:cNvSpPr/>
+            <p:nvPr/>
+          </p:nvSpPr>
+          <p:spPr>
+            <a:xfrm>
+              <a:off x="10371666" y="3589867"/>
+              <a:ext cx="1817159" cy="3268133"/>
+            </a:xfrm>
+            <a:prstGeom prst="triangle">
+              <a:avLst>
+                <a:gd name="adj" fmla="val 100000"/>
+              </a:avLst>
+            </a:prstGeom>
+            <a:solidFill>
+              <a:schemeClr val="accent1">
+                <a:alpha val="80000"/>
+              </a:schemeClr>
+            </a:solidFill>
+            <a:ln>
+              <a:noFill/>
+            </a:ln>
+            <a:effectLst/>
+          </p:spPr>
+          <p:style>
+            <a:lnRef idx="1">
+              <a:schemeClr val="accent1"/>
+            </a:lnRef>
+            <a:fillRef idx="3">
+              <a:schemeClr val="accent1"/>
+            </a:fillRef>
+            <a:effectRef idx="2">
+              <a:schemeClr val="accent1"/>
+            </a:effectRef>
+            <a:fontRef idx="minor">
+              <a:schemeClr val="lt1"/>
+            </a:fontRef>
+          </p:style>
+        </p:sp>
+        <p:sp>
+          <p:nvSpPr>
+            <p:cNvPr id="29" name="Isosceles Triangle 28"/>
+            <p:cNvSpPr/>
+            <p:nvPr/>
+          </p:nvSpPr>
+          <p:spPr>
+            <a:xfrm>
+              <a:off x="0" y="4013200"/>
+              <a:ext cx="448733" cy="2844800"/>
+            </a:xfrm>
+            <a:prstGeom prst="triangle">
+              <a:avLst>
+                <a:gd name="adj" fmla="val 0"/>
+              </a:avLst>
+            </a:prstGeom>
+            <a:solidFill>
+              <a:schemeClr val="accent1">
+                <a:alpha val="85000"/>
+              </a:schemeClr>
+            </a:solidFill>
+            <a:ln>
+              <a:noFill/>
+            </a:ln>
+            <a:effectLst/>
+          </p:spPr>
+          <p:style>
+            <a:lnRef idx="1">
+              <a:schemeClr val="accent1"/>
+            </a:lnRef>
+            <a:fillRef idx="3">
+              <a:schemeClr val="accent1"/>
+            </a:fillRef>
+            <a:effectRef idx="2">
+              <a:schemeClr val="accent1"/>
+            </a:effectRef>
+            <a:fontRef idx="minor">
+              <a:schemeClr val="lt1"/>
+            </a:fontRef>
+          </p:style>
+        </p:sp>
+      </p:grpSp>
+      <p:sp>
+        <p:nvSpPr>
+          <p:cNvPr id="2" name="Title Placeholder 1"/>
           <p:cNvSpPr>
             <a:spLocks noGrp="1"/>
           </p:cNvSpPr>
@@ -2794,35 +5200,30 @@
         </p:nvSpPr>
         <p:spPr>
           <a:xfrm>
-            <a:off x="838200" y="365125"/>
-            <a:ext cx="10515600" cy="1325563"/>
+            <a:off x="677334" y="609600"/>
+            <a:ext cx="8596668" cy="1320800"/>
           </a:xfrm>
           <a:prstGeom prst="rect">
             <a:avLst/>
           </a:prstGeom>
         </p:spPr>
         <p:txBody>
-          <a:bodyPr vert="horz" lIns="91440" tIns="45720" rIns="91440" bIns="45720" rtlCol="0" anchor="ctr">
+          <a:bodyPr vert="horz" lIns="91440" tIns="45720" rIns="91440" bIns="45720" rtlCol="0" anchor="t">
             <a:normAutofit/>
           </a:bodyPr>
           <a:lstStyle/>
           <a:p>
             <a:r>
-              <a:rPr lang="en-US"/>
-              <a:t>Click to edit Master title style</a:t>
-            </a:r>
-          </a:p>
-        </p:txBody>
-      </p:sp>
-      <p:sp>
-        <p:nvSpPr>
-          <p:cNvPr id="3" name="Text Placeholder 2">
-            <a:extLst>
-              <a:ext uri="{FF2B5EF4-FFF2-40B4-BE49-F238E27FC236}">
-                <a16:creationId xmlns:a16="http://schemas.microsoft.com/office/drawing/2014/main" id="{8D584E71-D4CB-4958-9FA1-650EF0336D7F}"/>
-              </a:ext>
-            </a:extLst>
-          </p:cNvPr>
+              <a:rPr lang="th-TH"/>
+              <a:t>คลิกเพื่อแก้ไขสไตล์ชื่อเรื่องต้นแบบ</a:t>
+            </a:r>
+            <a:endParaRPr lang="en-US" dirty="0"/>
+          </a:p>
+        </p:txBody>
+      </p:sp>
+      <p:sp>
+        <p:nvSpPr>
+          <p:cNvPr id="3" name="Text Placeholder 2"/>
           <p:cNvSpPr>
             <a:spLocks noGrp="1"/>
           </p:cNvSpPr>
@@ -2832,8 +5233,8 @@
         </p:nvSpPr>
         <p:spPr>
           <a:xfrm>
-            <a:off x="838200" y="1825625"/>
-            <a:ext cx="10515600" cy="4351338"/>
+            <a:off x="677334" y="2160589"/>
+            <a:ext cx="8596668" cy="3880773"/>
           </a:xfrm>
           <a:prstGeom prst="rect">
             <a:avLst/>
@@ -2847,49 +5248,44 @@
           <a:p>
             <a:pPr lvl="0"/>
             <a:r>
-              <a:rPr lang="en-US"/>
-              <a:t>Edit Master text styles</a:t>
+              <a:rPr lang="th-TH"/>
+              <a:t>คลิกเพื่อแก้ไขสไตล์ของข้อความต้นแบบ</a:t>
             </a:r>
           </a:p>
           <a:p>
             <a:pPr lvl="1"/>
             <a:r>
-              <a:rPr lang="en-US"/>
-              <a:t>Second level</a:t>
+              <a:rPr lang="th-TH"/>
+              <a:t>ระดับที่สอง</a:t>
             </a:r>
           </a:p>
           <a:p>
             <a:pPr lvl="2"/>
             <a:r>
-              <a:rPr lang="en-US"/>
-              <a:t>Third level</a:t>
+              <a:rPr lang="th-TH"/>
+              <a:t>ระดับที่สาม</a:t>
             </a:r>
           </a:p>
           <a:p>
             <a:pPr lvl="3"/>
             <a:r>
-              <a:rPr lang="en-US"/>
-              <a:t>Fourth level</a:t>
+              <a:rPr lang="th-TH"/>
+              <a:t>ระดับที่สี่</a:t>
             </a:r>
           </a:p>
           <a:p>
             <a:pPr lvl="4"/>
             <a:r>
-              <a:rPr lang="en-US"/>
-              <a:t>Fifth level</a:t>
-            </a:r>
-          </a:p>
-        </p:txBody>
-      </p:sp>
-      <p:sp>
-        <p:nvSpPr>
-          <p:cNvPr id="4" name="Date Placeholder 3">
-            <a:extLst>
-              <a:ext uri="{FF2B5EF4-FFF2-40B4-BE49-F238E27FC236}">
-                <a16:creationId xmlns:a16="http://schemas.microsoft.com/office/drawing/2014/main" id="{168FF063-A51B-4EDA-9BA2-47CF0380F37D}"/>
-              </a:ext>
-            </a:extLst>
-          </p:cNvPr>
+              <a:rPr lang="th-TH"/>
+              <a:t>ระดับที่ห้า</a:t>
+            </a:r>
+            <a:endParaRPr lang="en-US" dirty="0"/>
+          </a:p>
+        </p:txBody>
+      </p:sp>
+      <p:sp>
+        <p:nvSpPr>
+          <p:cNvPr id="4" name="Date Placeholder 3"/>
           <p:cNvSpPr>
             <a:spLocks noGrp="1"/>
           </p:cNvSpPr>
@@ -2899,8 +5295,8 @@
         </p:nvSpPr>
         <p:spPr>
           <a:xfrm>
-            <a:off x="838200" y="6356350"/>
-            <a:ext cx="2743200" cy="365125"/>
+            <a:off x="7205133" y="6041362"/>
+            <a:ext cx="911939" cy="365125"/>
           </a:xfrm>
           <a:prstGeom prst="rect">
             <a:avLst/>
@@ -2909,8 +5305,8 @@
         <p:txBody>
           <a:bodyPr vert="horz" lIns="91440" tIns="45720" rIns="91440" bIns="45720" rtlCol="0" anchor="ctr"/>
           <a:lstStyle>
-            <a:lvl1pPr algn="l">
-              <a:defRPr sz="1200">
+            <a:lvl1pPr algn="r">
+              <a:defRPr sz="900">
                 <a:solidFill>
                   <a:schemeClr val="tx1">
                     <a:tint val="75000"/>
@@ -2922,7 +5318,7 @@
           <a:p>
             <a:fld id="{71FDB983-57D4-4524-928A-6E3CAB900B43}" type="datetimeFigureOut">
               <a:rPr lang="en-US" smtClean="0"/>
-              <a:t>10/8/2024</a:t>
+              <a:t>10/12/2024</a:t>
             </a:fld>
             <a:endParaRPr lang="en-US"/>
           </a:p>
@@ -2930,13 +5326,7 @@
       </p:sp>
       <p:sp>
         <p:nvSpPr>
-          <p:cNvPr id="5" name="Footer Placeholder 4">
-            <a:extLst>
-              <a:ext uri="{FF2B5EF4-FFF2-40B4-BE49-F238E27FC236}">
-                <a16:creationId xmlns:a16="http://schemas.microsoft.com/office/drawing/2014/main" id="{937B1779-CDC0-456D-B57B-0FF0143590FE}"/>
-              </a:ext>
-            </a:extLst>
-          </p:cNvPr>
+          <p:cNvPr id="5" name="Footer Placeholder 4"/>
           <p:cNvSpPr>
             <a:spLocks noGrp="1"/>
           </p:cNvSpPr>
@@ -2946,8 +5336,8 @@
         </p:nvSpPr>
         <p:spPr>
           <a:xfrm>
-            <a:off x="4038600" y="6356350"/>
-            <a:ext cx="4114800" cy="365125"/>
+            <a:off x="677334" y="6041362"/>
+            <a:ext cx="6297612" cy="365125"/>
           </a:xfrm>
           <a:prstGeom prst="rect">
             <a:avLst/>
@@ -2956,8 +5346,8 @@
         <p:txBody>
           <a:bodyPr vert="horz" lIns="91440" tIns="45720" rIns="91440" bIns="45720" rtlCol="0" anchor="ctr"/>
           <a:lstStyle>
-            <a:lvl1pPr algn="ctr">
-              <a:defRPr sz="1200">
+            <a:lvl1pPr algn="l">
+              <a:defRPr sz="900">
                 <a:solidFill>
                   <a:schemeClr val="tx1">
                     <a:tint val="75000"/>
@@ -2973,13 +5363,7 @@
       </p:sp>
       <p:sp>
         <p:nvSpPr>
-          <p:cNvPr id="6" name="Slide Number Placeholder 5">
-            <a:extLst>
-              <a:ext uri="{FF2B5EF4-FFF2-40B4-BE49-F238E27FC236}">
-                <a16:creationId xmlns:a16="http://schemas.microsoft.com/office/drawing/2014/main" id="{CDE13756-BA60-4028-B257-3CA1A601AB8B}"/>
-              </a:ext>
-            </a:extLst>
-          </p:cNvPr>
+          <p:cNvPr id="6" name="Slide Number Placeholder 5"/>
           <p:cNvSpPr>
             <a:spLocks noGrp="1"/>
           </p:cNvSpPr>
@@ -2989,8 +5373,8 @@
         </p:nvSpPr>
         <p:spPr>
           <a:xfrm>
-            <a:off x="8610600" y="6356350"/>
-            <a:ext cx="2743200" cy="365125"/>
+            <a:off x="8590663" y="6041362"/>
+            <a:ext cx="683339" cy="365125"/>
           </a:xfrm>
           <a:prstGeom prst="rect">
             <a:avLst/>
@@ -3000,11 +5384,9 @@
           <a:bodyPr vert="horz" lIns="91440" tIns="45720" rIns="91440" bIns="45720" rtlCol="0" anchor="ctr"/>
           <a:lstStyle>
             <a:lvl1pPr algn="r">
-              <a:defRPr sz="1200">
-                <a:solidFill>
-                  <a:schemeClr val="tx1">
-                    <a:tint val="75000"/>
-                  </a:schemeClr>
+              <a:defRPr sz="900">
+                <a:solidFill>
+                  <a:schemeClr val="accent1"/>
                 </a:solidFill>
               </a:defRPr>
             </a:lvl1pPr>
@@ -3021,201 +5403,322 @@
     </p:spTree>
     <p:extLst>
       <p:ext uri="{BB962C8B-B14F-4D97-AF65-F5344CB8AC3E}">
-        <p14:creationId xmlns:p14="http://schemas.microsoft.com/office/powerpoint/2010/main" val="2467850622"/>
+        <p14:creationId xmlns:p14="http://schemas.microsoft.com/office/powerpoint/2010/main" val="4103758148"/>
       </p:ext>
     </p:extLst>
   </p:cSld>
   <p:clrMap bg1="lt1" tx1="dk1" bg2="lt2" tx2="dk2" accent1="accent1" accent2="accent2" accent3="accent3" accent4="accent4" accent5="accent5" accent6="accent6" hlink="hlink" folHlink="folHlink"/>
   <p:sldLayoutIdLst>
-    <p:sldLayoutId id="2147483649" r:id="rId1"/>
-    <p:sldLayoutId id="2147483650" r:id="rId2"/>
-    <p:sldLayoutId id="2147483651" r:id="rId3"/>
-    <p:sldLayoutId id="2147483652" r:id="rId4"/>
-    <p:sldLayoutId id="2147483653" r:id="rId5"/>
-    <p:sldLayoutId id="2147483654" r:id="rId6"/>
-    <p:sldLayoutId id="2147483655" r:id="rId7"/>
-    <p:sldLayoutId id="2147483656" r:id="rId8"/>
-    <p:sldLayoutId id="2147483657" r:id="rId9"/>
-    <p:sldLayoutId id="2147483658" r:id="rId10"/>
-    <p:sldLayoutId id="2147483659" r:id="rId11"/>
+    <p:sldLayoutId id="2147483661" r:id="rId1"/>
+    <p:sldLayoutId id="2147483662" r:id="rId2"/>
+    <p:sldLayoutId id="2147483663" r:id="rId3"/>
+    <p:sldLayoutId id="2147483664" r:id="rId4"/>
+    <p:sldLayoutId id="2147483665" r:id="rId5"/>
+    <p:sldLayoutId id="2147483666" r:id="rId6"/>
+    <p:sldLayoutId id="2147483667" r:id="rId7"/>
+    <p:sldLayoutId id="2147483668" r:id="rId8"/>
+    <p:sldLayoutId id="2147483669" r:id="rId9"/>
+    <p:sldLayoutId id="2147483670" r:id="rId10"/>
+    <p:sldLayoutId id="2147483671" r:id="rId11"/>
+    <p:sldLayoutId id="2147483672" r:id="rId12"/>
+    <p:sldLayoutId id="2147483673" r:id="rId13"/>
+    <p:sldLayoutId id="2147483674" r:id="rId14"/>
+    <p:sldLayoutId id="2147483675" r:id="rId15"/>
+    <p:sldLayoutId id="2147483676" r:id="rId16"/>
   </p:sldLayoutIdLst>
   <p:txStyles>
     <p:titleStyle>
-      <a:lvl1pPr algn="l" defTabSz="914400" rtl="0" eaLnBrk="1" latinLnBrk="0" hangingPunct="1">
-        <a:lnSpc>
-          <a:spcPct val="90000"/>
-        </a:lnSpc>
+      <a:lvl1pPr algn="l" defTabSz="457200" rtl="0" eaLnBrk="1" latinLnBrk="0" hangingPunct="1">
         <a:spcBef>
           <a:spcPct val="0"/>
         </a:spcBef>
         <a:buNone/>
-        <a:defRPr sz="4400" kern="1200">
+        <a:defRPr sz="3600" kern="1200">
           <a:solidFill>
-            <a:schemeClr val="tx1"/>
+            <a:schemeClr val="accent1"/>
           </a:solidFill>
           <a:latin typeface="+mj-lt"/>
           <a:ea typeface="+mj-ea"/>
           <a:cs typeface="+mj-cs"/>
         </a:defRPr>
       </a:lvl1pPr>
+      <a:lvl2pPr eaLnBrk="1" hangingPunct="1">
+        <a:defRPr>
+          <a:solidFill>
+            <a:schemeClr val="tx2"/>
+          </a:solidFill>
+        </a:defRPr>
+      </a:lvl2pPr>
+      <a:lvl3pPr eaLnBrk="1" hangingPunct="1">
+        <a:defRPr>
+          <a:solidFill>
+            <a:schemeClr val="tx2"/>
+          </a:solidFill>
+        </a:defRPr>
+      </a:lvl3pPr>
+      <a:lvl4pPr eaLnBrk="1" hangingPunct="1">
+        <a:defRPr>
+          <a:solidFill>
+            <a:schemeClr val="tx2"/>
+          </a:solidFill>
+        </a:defRPr>
+      </a:lvl4pPr>
+      <a:lvl5pPr eaLnBrk="1" hangingPunct="1">
+        <a:defRPr>
+          <a:solidFill>
+            <a:schemeClr val="tx2"/>
+          </a:solidFill>
+        </a:defRPr>
+      </a:lvl5pPr>
+      <a:lvl6pPr eaLnBrk="1" hangingPunct="1">
+        <a:defRPr>
+          <a:solidFill>
+            <a:schemeClr val="tx2"/>
+          </a:solidFill>
+        </a:defRPr>
+      </a:lvl6pPr>
+      <a:lvl7pPr eaLnBrk="1" hangingPunct="1">
+        <a:defRPr>
+          <a:solidFill>
+            <a:schemeClr val="tx2"/>
+          </a:solidFill>
+        </a:defRPr>
+      </a:lvl7pPr>
+      <a:lvl8pPr eaLnBrk="1" hangingPunct="1">
+        <a:defRPr>
+          <a:solidFill>
+            <a:schemeClr val="tx2"/>
+          </a:solidFill>
+        </a:defRPr>
+      </a:lvl8pPr>
+      <a:lvl9pPr eaLnBrk="1" hangingPunct="1">
+        <a:defRPr>
+          <a:solidFill>
+            <a:schemeClr val="tx2"/>
+          </a:solidFill>
+        </a:defRPr>
+      </a:lvl9pPr>
     </p:titleStyle>
     <p:bodyStyle>
-      <a:lvl1pPr marL="228600" indent="-228600" algn="l" defTabSz="914400" rtl="0" eaLnBrk="1" latinLnBrk="0" hangingPunct="1">
-        <a:lnSpc>
-          <a:spcPct val="90000"/>
-        </a:lnSpc>
+      <a:lvl1pPr marL="342900" indent="-342900" algn="l" defTabSz="457200" rtl="0" eaLnBrk="1" latinLnBrk="0" hangingPunct="1">
         <a:spcBef>
           <a:spcPts val="1000"/>
         </a:spcBef>
-        <a:buFont typeface="Arial" panose="020B0604020202020204" pitchFamily="34" charset="0"/>
-        <a:buChar char="•"/>
-        <a:defRPr sz="2800" kern="1200">
+        <a:spcAft>
+          <a:spcPts val="0"/>
+        </a:spcAft>
+        <a:buClr>
+          <a:schemeClr val="accent1"/>
+        </a:buClr>
+        <a:buSzPct val="80000"/>
+        <a:buFont typeface="Wingdings 3" charset="2"/>
+        <a:buChar char=""/>
+        <a:defRPr sz="1800" kern="1200">
           <a:solidFill>
-            <a:schemeClr val="tx1"/>
+            <a:schemeClr val="tx1">
+              <a:lumMod val="75000"/>
+              <a:lumOff val="25000"/>
+            </a:schemeClr>
           </a:solidFill>
           <a:latin typeface="+mn-lt"/>
           <a:ea typeface="+mn-ea"/>
           <a:cs typeface="+mn-cs"/>
         </a:defRPr>
       </a:lvl1pPr>
-      <a:lvl2pPr marL="685800" indent="-228600" algn="l" defTabSz="914400" rtl="0" eaLnBrk="1" latinLnBrk="0" hangingPunct="1">
-        <a:lnSpc>
-          <a:spcPct val="90000"/>
-        </a:lnSpc>
+      <a:lvl2pPr marL="742950" indent="-285750" algn="l" defTabSz="457200" rtl="0" eaLnBrk="1" latinLnBrk="0" hangingPunct="1">
         <a:spcBef>
-          <a:spcPts val="500"/>
+          <a:spcPts val="1000"/>
         </a:spcBef>
-        <a:buFont typeface="Arial" panose="020B0604020202020204" pitchFamily="34" charset="0"/>
-        <a:buChar char="•"/>
-        <a:defRPr sz="2400" kern="1200">
+        <a:spcAft>
+          <a:spcPts val="0"/>
+        </a:spcAft>
+        <a:buClr>
+          <a:schemeClr val="accent1"/>
+        </a:buClr>
+        <a:buSzPct val="80000"/>
+        <a:buFont typeface="Wingdings 3" charset="2"/>
+        <a:buChar char=""/>
+        <a:defRPr sz="1600" kern="1200">
           <a:solidFill>
-            <a:schemeClr val="tx1"/>
+            <a:schemeClr val="tx1">
+              <a:lumMod val="75000"/>
+              <a:lumOff val="25000"/>
+            </a:schemeClr>
           </a:solidFill>
           <a:latin typeface="+mn-lt"/>
           <a:ea typeface="+mn-ea"/>
           <a:cs typeface="+mn-cs"/>
         </a:defRPr>
       </a:lvl2pPr>
-      <a:lvl3pPr marL="1143000" indent="-228600" algn="l" defTabSz="914400" rtl="0" eaLnBrk="1" latinLnBrk="0" hangingPunct="1">
-        <a:lnSpc>
-          <a:spcPct val="90000"/>
-        </a:lnSpc>
+      <a:lvl3pPr marL="1143000" indent="-228600" algn="l" defTabSz="457200" rtl="0" eaLnBrk="1" latinLnBrk="0" hangingPunct="1">
         <a:spcBef>
-          <a:spcPts val="500"/>
+          <a:spcPts val="1000"/>
         </a:spcBef>
-        <a:buFont typeface="Arial" panose="020B0604020202020204" pitchFamily="34" charset="0"/>
-        <a:buChar char="•"/>
-        <a:defRPr sz="2000" kern="1200">
+        <a:spcAft>
+          <a:spcPts val="0"/>
+        </a:spcAft>
+        <a:buClr>
+          <a:schemeClr val="accent1"/>
+        </a:buClr>
+        <a:buSzPct val="80000"/>
+        <a:buFont typeface="Wingdings 3" charset="2"/>
+        <a:buChar char=""/>
+        <a:defRPr sz="1400" kern="1200">
           <a:solidFill>
-            <a:schemeClr val="tx1"/>
+            <a:schemeClr val="tx1">
+              <a:lumMod val="75000"/>
+              <a:lumOff val="25000"/>
+            </a:schemeClr>
           </a:solidFill>
           <a:latin typeface="+mn-lt"/>
           <a:ea typeface="+mn-ea"/>
           <a:cs typeface="+mn-cs"/>
         </a:defRPr>
       </a:lvl3pPr>
-      <a:lvl4pPr marL="1600200" indent="-228600" algn="l" defTabSz="914400" rtl="0" eaLnBrk="1" latinLnBrk="0" hangingPunct="1">
-        <a:lnSpc>
-          <a:spcPct val="90000"/>
-        </a:lnSpc>
+      <a:lvl4pPr marL="1600200" indent="-228600" algn="l" defTabSz="457200" rtl="0" eaLnBrk="1" latinLnBrk="0" hangingPunct="1">
         <a:spcBef>
-          <a:spcPts val="500"/>
+          <a:spcPts val="1000"/>
         </a:spcBef>
-        <a:buFont typeface="Arial" panose="020B0604020202020204" pitchFamily="34" charset="0"/>
-        <a:buChar char="•"/>
-        <a:defRPr sz="1800" kern="1200">
+        <a:spcAft>
+          <a:spcPts val="0"/>
+        </a:spcAft>
+        <a:buClr>
+          <a:schemeClr val="accent1"/>
+        </a:buClr>
+        <a:buSzPct val="80000"/>
+        <a:buFont typeface="Wingdings 3" charset="2"/>
+        <a:buChar char=""/>
+        <a:defRPr sz="1200" kern="1200">
           <a:solidFill>
-            <a:schemeClr val="tx1"/>
+            <a:schemeClr val="tx1">
+              <a:lumMod val="75000"/>
+              <a:lumOff val="25000"/>
+            </a:schemeClr>
           </a:solidFill>
           <a:latin typeface="+mn-lt"/>
           <a:ea typeface="+mn-ea"/>
           <a:cs typeface="+mn-cs"/>
         </a:defRPr>
       </a:lvl4pPr>
-      <a:lvl5pPr marL="2057400" indent="-228600" algn="l" defTabSz="914400" rtl="0" eaLnBrk="1" latinLnBrk="0" hangingPunct="1">
-        <a:lnSpc>
-          <a:spcPct val="90000"/>
-        </a:lnSpc>
+      <a:lvl5pPr marL="2057400" indent="-228600" algn="l" defTabSz="457200" rtl="0" eaLnBrk="1" latinLnBrk="0" hangingPunct="1">
         <a:spcBef>
-          <a:spcPts val="500"/>
+          <a:spcPts val="1000"/>
         </a:spcBef>
-        <a:buFont typeface="Arial" panose="020B0604020202020204" pitchFamily="34" charset="0"/>
-        <a:buChar char="•"/>
-        <a:defRPr sz="1800" kern="1200">
+        <a:spcAft>
+          <a:spcPts val="0"/>
+        </a:spcAft>
+        <a:buClr>
+          <a:schemeClr val="accent1"/>
+        </a:buClr>
+        <a:buSzPct val="80000"/>
+        <a:buFont typeface="Wingdings 3" charset="2"/>
+        <a:buChar char=""/>
+        <a:defRPr sz="1200" kern="1200">
           <a:solidFill>
-            <a:schemeClr val="tx1"/>
+            <a:schemeClr val="tx1">
+              <a:lumMod val="75000"/>
+              <a:lumOff val="25000"/>
+            </a:schemeClr>
           </a:solidFill>
           <a:latin typeface="+mn-lt"/>
           <a:ea typeface="+mn-ea"/>
           <a:cs typeface="+mn-cs"/>
         </a:defRPr>
       </a:lvl5pPr>
-      <a:lvl6pPr marL="2514600" indent="-228600" algn="l" defTabSz="914400" rtl="0" eaLnBrk="1" latinLnBrk="0" hangingPunct="1">
-        <a:lnSpc>
-          <a:spcPct val="90000"/>
-        </a:lnSpc>
+      <a:lvl6pPr marL="2514600" indent="-228600" algn="l" defTabSz="457200" rtl="0" eaLnBrk="1" latinLnBrk="0" hangingPunct="1">
         <a:spcBef>
-          <a:spcPts val="500"/>
+          <a:spcPts val="1000"/>
         </a:spcBef>
-        <a:buFont typeface="Arial" panose="020B0604020202020204" pitchFamily="34" charset="0"/>
-        <a:buChar char="•"/>
-        <a:defRPr sz="1800" kern="1200">
+        <a:spcAft>
+          <a:spcPts val="0"/>
+        </a:spcAft>
+        <a:buClr>
+          <a:schemeClr val="accent1"/>
+        </a:buClr>
+        <a:buSzPct val="80000"/>
+        <a:buFont typeface="Wingdings 3" charset="2"/>
+        <a:buChar char=""/>
+        <a:defRPr sz="1200" kern="1200">
           <a:solidFill>
-            <a:schemeClr val="tx1"/>
+            <a:schemeClr val="tx1">
+              <a:lumMod val="75000"/>
+              <a:lumOff val="25000"/>
+            </a:schemeClr>
           </a:solidFill>
           <a:latin typeface="+mn-lt"/>
           <a:ea typeface="+mn-ea"/>
           <a:cs typeface="+mn-cs"/>
         </a:defRPr>
       </a:lvl6pPr>
-      <a:lvl7pPr marL="2971800" indent="-228600" algn="l" defTabSz="914400" rtl="0" eaLnBrk="1" latinLnBrk="0" hangingPunct="1">
-        <a:lnSpc>
-          <a:spcPct val="90000"/>
-        </a:lnSpc>
+      <a:lvl7pPr marL="2971800" indent="-228600" algn="l" defTabSz="457200" rtl="0" eaLnBrk="1" latinLnBrk="0" hangingPunct="1">
         <a:spcBef>
-          <a:spcPts val="500"/>
+          <a:spcPts val="1000"/>
         </a:spcBef>
-        <a:buFont typeface="Arial" panose="020B0604020202020204" pitchFamily="34" charset="0"/>
-        <a:buChar char="•"/>
-        <a:defRPr sz="1800" kern="1200">
+        <a:spcAft>
+          <a:spcPts val="0"/>
+        </a:spcAft>
+        <a:buClr>
+          <a:schemeClr val="accent1"/>
+        </a:buClr>
+        <a:buSzPct val="80000"/>
+        <a:buFont typeface="Wingdings 3" charset="2"/>
+        <a:buChar char=""/>
+        <a:defRPr sz="1200" kern="1200">
           <a:solidFill>
-            <a:schemeClr val="tx1"/>
+            <a:schemeClr val="tx1">
+              <a:lumMod val="75000"/>
+              <a:lumOff val="25000"/>
+            </a:schemeClr>
           </a:solidFill>
           <a:latin typeface="+mn-lt"/>
           <a:ea typeface="+mn-ea"/>
           <a:cs typeface="+mn-cs"/>
         </a:defRPr>
       </a:lvl7pPr>
-      <a:lvl8pPr marL="3429000" indent="-228600" algn="l" defTabSz="914400" rtl="0" eaLnBrk="1" latinLnBrk="0" hangingPunct="1">
-        <a:lnSpc>
-          <a:spcPct val="90000"/>
-        </a:lnSpc>
+      <a:lvl8pPr marL="3429000" indent="-228600" algn="l" defTabSz="457200" rtl="0" eaLnBrk="1" latinLnBrk="0" hangingPunct="1">
         <a:spcBef>
-          <a:spcPts val="500"/>
+          <a:spcPts val="1000"/>
         </a:spcBef>
-        <a:buFont typeface="Arial" panose="020B0604020202020204" pitchFamily="34" charset="0"/>
-        <a:buChar char="•"/>
-        <a:defRPr sz="1800" kern="1200">
+        <a:spcAft>
+          <a:spcPts val="0"/>
+        </a:spcAft>
+        <a:buClr>
+          <a:schemeClr val="accent1"/>
+        </a:buClr>
+        <a:buSzPct val="80000"/>
+        <a:buFont typeface="Wingdings 3" charset="2"/>
+        <a:buChar char=""/>
+        <a:defRPr sz="1200" kern="1200">
           <a:solidFill>
-            <a:schemeClr val="tx1"/>
+            <a:schemeClr val="tx1">
+              <a:lumMod val="75000"/>
+              <a:lumOff val="25000"/>
+            </a:schemeClr>
           </a:solidFill>
           <a:latin typeface="+mn-lt"/>
           <a:ea typeface="+mn-ea"/>
           <a:cs typeface="+mn-cs"/>
         </a:defRPr>
       </a:lvl8pPr>
-      <a:lvl9pPr marL="3886200" indent="-228600" algn="l" defTabSz="914400" rtl="0" eaLnBrk="1" latinLnBrk="0" hangingPunct="1">
-        <a:lnSpc>
-          <a:spcPct val="90000"/>
-        </a:lnSpc>
+      <a:lvl9pPr marL="3886200" indent="-228600" algn="l" defTabSz="457200" rtl="0" eaLnBrk="1" latinLnBrk="0" hangingPunct="1">
         <a:spcBef>
-          <a:spcPts val="500"/>
+          <a:spcPts val="1000"/>
         </a:spcBef>
-        <a:buFont typeface="Arial" panose="020B0604020202020204" pitchFamily="34" charset="0"/>
-        <a:buChar char="•"/>
-        <a:defRPr sz="1800" kern="1200">
+        <a:spcAft>
+          <a:spcPts val="0"/>
+        </a:spcAft>
+        <a:buClr>
+          <a:schemeClr val="accent1"/>
+        </a:buClr>
+        <a:buSzPct val="80000"/>
+        <a:buFont typeface="Wingdings 3" charset="2"/>
+        <a:buChar char=""/>
+        <a:defRPr sz="1200" kern="1200">
           <a:solidFill>
-            <a:schemeClr val="tx1"/>
+            <a:schemeClr val="tx1">
+              <a:lumMod val="75000"/>
+              <a:lumOff val="25000"/>
+            </a:schemeClr>
           </a:solidFill>
           <a:latin typeface="+mn-lt"/>
           <a:ea typeface="+mn-ea"/>
@@ -3227,7 +5730,7 @@
       <a:defPPr>
         <a:defRPr lang="en-US"/>
       </a:defPPr>
-      <a:lvl1pPr marL="0" algn="l" defTabSz="914400" rtl="0" eaLnBrk="1" latinLnBrk="0" hangingPunct="1">
+      <a:lvl1pPr marL="0" algn="l" defTabSz="457200" rtl="0" eaLnBrk="1" latinLnBrk="0" hangingPunct="1">
         <a:defRPr sz="1800" kern="1200">
           <a:solidFill>
             <a:schemeClr val="tx1"/>
@@ -3237,7 +5740,7 @@
           <a:cs typeface="+mn-cs"/>
         </a:defRPr>
       </a:lvl1pPr>
-      <a:lvl2pPr marL="457200" algn="l" defTabSz="914400" rtl="0" eaLnBrk="1" latinLnBrk="0" hangingPunct="1">
+      <a:lvl2pPr marL="457200" algn="l" defTabSz="457200" rtl="0" eaLnBrk="1" latinLnBrk="0" hangingPunct="1">
         <a:defRPr sz="1800" kern="1200">
           <a:solidFill>
             <a:schemeClr val="tx1"/>
@@ -3247,7 +5750,7 @@
           <a:cs typeface="+mn-cs"/>
         </a:defRPr>
       </a:lvl2pPr>
-      <a:lvl3pPr marL="914400" algn="l" defTabSz="914400" rtl="0" eaLnBrk="1" latinLnBrk="0" hangingPunct="1">
+      <a:lvl3pPr marL="914400" algn="l" defTabSz="457200" rtl="0" eaLnBrk="1" latinLnBrk="0" hangingPunct="1">
         <a:defRPr sz="1800" kern="1200">
           <a:solidFill>
             <a:schemeClr val="tx1"/>
@@ -3257,7 +5760,7 @@
           <a:cs typeface="+mn-cs"/>
         </a:defRPr>
       </a:lvl3pPr>
-      <a:lvl4pPr marL="1371600" algn="l" defTabSz="914400" rtl="0" eaLnBrk="1" latinLnBrk="0" hangingPunct="1">
+      <a:lvl4pPr marL="1371600" algn="l" defTabSz="457200" rtl="0" eaLnBrk="1" latinLnBrk="0" hangingPunct="1">
         <a:defRPr sz="1800" kern="1200">
           <a:solidFill>
             <a:schemeClr val="tx1"/>
@@ -3267,7 +5770,7 @@
           <a:cs typeface="+mn-cs"/>
         </a:defRPr>
       </a:lvl4pPr>
-      <a:lvl5pPr marL="1828800" algn="l" defTabSz="914400" rtl="0" eaLnBrk="1" latinLnBrk="0" hangingPunct="1">
+      <a:lvl5pPr marL="1828800" algn="l" defTabSz="457200" rtl="0" eaLnBrk="1" latinLnBrk="0" hangingPunct="1">
         <a:defRPr sz="1800" kern="1200">
           <a:solidFill>
             <a:schemeClr val="tx1"/>
@@ -3277,7 +5780,7 @@
           <a:cs typeface="+mn-cs"/>
         </a:defRPr>
       </a:lvl5pPr>
-      <a:lvl6pPr marL="2286000" algn="l" defTabSz="914400" rtl="0" eaLnBrk="1" latinLnBrk="0" hangingPunct="1">
+      <a:lvl6pPr marL="2286000" algn="l" defTabSz="457200" rtl="0" eaLnBrk="1" latinLnBrk="0" hangingPunct="1">
         <a:defRPr sz="1800" kern="1200">
           <a:solidFill>
             <a:schemeClr val="tx1"/>
@@ -3287,7 +5790,7 @@
           <a:cs typeface="+mn-cs"/>
         </a:defRPr>
       </a:lvl6pPr>
-      <a:lvl7pPr marL="2743200" algn="l" defTabSz="914400" rtl="0" eaLnBrk="1" latinLnBrk="0" hangingPunct="1">
+      <a:lvl7pPr marL="2743200" algn="l" defTabSz="457200" rtl="0" eaLnBrk="1" latinLnBrk="0" hangingPunct="1">
         <a:defRPr sz="1800" kern="1200">
           <a:solidFill>
             <a:schemeClr val="tx1"/>
@@ -3297,7 +5800,7 @@
           <a:cs typeface="+mn-cs"/>
         </a:defRPr>
       </a:lvl7pPr>
-      <a:lvl8pPr marL="3200400" algn="l" defTabSz="914400" rtl="0" eaLnBrk="1" latinLnBrk="0" hangingPunct="1">
+      <a:lvl8pPr marL="3200400" algn="l" defTabSz="457200" rtl="0" eaLnBrk="1" latinLnBrk="0" hangingPunct="1">
         <a:defRPr sz="1800" kern="1200">
           <a:solidFill>
             <a:schemeClr val="tx1"/>
@@ -3307,7 +5810,7 @@
           <a:cs typeface="+mn-cs"/>
         </a:defRPr>
       </a:lvl8pPr>
-      <a:lvl9pPr marL="3657600" algn="l" defTabSz="914400" rtl="0" eaLnBrk="1" latinLnBrk="0" hangingPunct="1">
+      <a:lvl9pPr marL="3657600" algn="l" defTabSz="457200" rtl="0" eaLnBrk="1" latinLnBrk="0" hangingPunct="1">
         <a:defRPr sz="1800" kern="1200">
           <a:solidFill>
             <a:schemeClr val="tx1"/>
@@ -3361,12 +5864,8 @@
           <a:lstStyle/>
           <a:p>
             <a:r>
-              <a:rPr lang="th-TH" dirty="0"/>
-              <a:t>ชื่อโปรเจค/</a:t>
-            </a:r>
-            <a:r>
               <a:rPr lang="en-US" dirty="0"/>
-              <a:t>Entity</a:t>
+              <a:t>SMARTPHONE</a:t>
             </a:r>
           </a:p>
         </p:txBody>
@@ -3389,14 +5888,29 @@
         </p:nvSpPr>
         <p:spPr/>
         <p:txBody>
-          <a:bodyPr/>
+          <a:bodyPr>
+            <a:normAutofit/>
+          </a:bodyPr>
           <a:lstStyle/>
           <a:p>
             <a:r>
-              <a:rPr lang="th-TH" dirty="0"/>
-              <a:t>รหัสนิสิต ชื่อ สกุล</a:t>
-            </a:r>
-            <a:endParaRPr lang="en-US" dirty="0"/>
+              <a:rPr lang="en-US" sz="3200" b="1" dirty="0">
+                <a:latin typeface="TH Sarabun New" panose="020B0500040200020003" pitchFamily="34" charset="-34"/>
+                <a:cs typeface="TH Sarabun New" panose="020B0500040200020003" pitchFamily="34" charset="-34"/>
+              </a:rPr>
+              <a:t>65311408 </a:t>
+            </a:r>
+            <a:r>
+              <a:rPr lang="th-TH" sz="3200" b="1" dirty="0">
+                <a:latin typeface="TH Sarabun New" panose="020B0500040200020003" pitchFamily="34" charset="-34"/>
+                <a:cs typeface="TH Sarabun New" panose="020B0500040200020003" pitchFamily="34" charset="-34"/>
+              </a:rPr>
+              <a:t>นายณรงค์ฤทธิ์ ใจเสมอ</a:t>
+            </a:r>
+            <a:endParaRPr lang="en-US" sz="3200" b="1" dirty="0">
+              <a:latin typeface="TH Sarabun New" panose="020B0500040200020003" pitchFamily="34" charset="-34"/>
+              <a:cs typeface="TH Sarabun New" panose="020B0500040200020003" pitchFamily="34" charset="-34"/>
+            </a:endParaRPr>
           </a:p>
         </p:txBody>
       </p:sp>
@@ -3475,14 +5989,14 @@
             <p:ph idx="1"/>
             <p:extLst>
               <p:ext uri="{D42A27DB-BD31-4B8C-83A1-F6EECF244321}">
-                <p14:modId xmlns:p14="http://schemas.microsoft.com/office/powerpoint/2010/main" val="1089704681"/>
+                <p14:modId xmlns:p14="http://schemas.microsoft.com/office/powerpoint/2010/main" val="4243216147"/>
               </p:ext>
             </p:extLst>
           </p:nvPr>
         </p:nvGraphicFramePr>
         <p:xfrm>
-          <a:off x="789709" y="2698462"/>
-          <a:ext cx="10515600" cy="1854200"/>
+          <a:off x="443654" y="1783080"/>
+          <a:ext cx="11160760" cy="4683760"/>
         </p:xfrm>
         <a:graphic>
           <a:graphicData uri="http://schemas.openxmlformats.org/drawingml/2006/table">
@@ -3491,35 +6005,35 @@
                 <a:tableStyleId>{5C22544A-7EE6-4342-B048-85BDC9FD1C3A}</a:tableStyleId>
               </a:tblPr>
               <a:tblGrid>
-                <a:gridCol w="706582">
+                <a:gridCol w="749933">
                   <a:extLst>
                     <a:ext uri="{9D8B030D-6E8A-4147-A177-3AD203B41FA5}">
                       <a16:colId xmlns:a16="http://schemas.microsoft.com/office/drawing/2014/main" val="1891398218"/>
                     </a:ext>
                   </a:extLst>
                 </a:gridCol>
-                <a:gridCol w="3499658">
+                <a:gridCol w="3714371">
                   <a:extLst>
                     <a:ext uri="{9D8B030D-6E8A-4147-A177-3AD203B41FA5}">
                       <a16:colId xmlns:a16="http://schemas.microsoft.com/office/drawing/2014/main" val="931759099"/>
                     </a:ext>
                   </a:extLst>
                 </a:gridCol>
-                <a:gridCol w="2103120">
+                <a:gridCol w="1565656">
                   <a:extLst>
                     <a:ext uri="{9D8B030D-6E8A-4147-A177-3AD203B41FA5}">
                       <a16:colId xmlns:a16="http://schemas.microsoft.com/office/drawing/2014/main" val="464374099"/>
                     </a:ext>
                   </a:extLst>
                 </a:gridCol>
-                <a:gridCol w="2103120">
+                <a:gridCol w="2133600">
                   <a:extLst>
                     <a:ext uri="{9D8B030D-6E8A-4147-A177-3AD203B41FA5}">
                       <a16:colId xmlns:a16="http://schemas.microsoft.com/office/drawing/2014/main" val="3455624494"/>
                     </a:ext>
                   </a:extLst>
                 </a:gridCol>
-                <a:gridCol w="2103120">
+                <a:gridCol w="2997200">
                   <a:extLst>
                     <a:ext uri="{9D8B030D-6E8A-4147-A177-3AD203B41FA5}">
                       <a16:colId xmlns:a16="http://schemas.microsoft.com/office/drawing/2014/main" val="3575121391"/>
@@ -3634,9 +6148,12 @@
                     <a:lstStyle/>
                     <a:p>
                       <a:r>
-                        <a:rPr lang="en-US" dirty="0"/>
-                        <a:t>ID</a:t>
+                        <a:rPr lang="en-US" dirty="0">
+                          <a:effectLst/>
+                        </a:rPr>
+                        <a:t>id</a:t>
                       </a:r>
+                      <a:endParaRPr lang="en-US" dirty="0"/>
                     </a:p>
                   </a:txBody>
                   <a:tcPr/>
@@ -3686,7 +6203,7 @@
                   </a:ext>
                 </a:extLst>
               </a:tr>
-              <a:tr h="370840">
+              <a:tr h="421640">
                 <a:tc>
                   <a:txBody>
                     <a:bodyPr/>
@@ -3706,9 +6223,12 @@
                     <a:lstStyle/>
                     <a:p>
                       <a:r>
-                        <a:rPr lang="en-US" dirty="0"/>
-                        <a:t>CPU</a:t>
+                        <a:rPr lang="en-US" dirty="0">
+                          <a:effectLst/>
+                        </a:rPr>
+                        <a:t>brand </a:t>
                       </a:r>
+                      <a:endParaRPr lang="en-US" dirty="0"/>
                     </a:p>
                   </a:txBody>
                   <a:tcPr/>
@@ -3719,9 +6239,12 @@
                     <a:lstStyle/>
                     <a:p>
                       <a:r>
-                        <a:rPr lang="en-US" dirty="0"/>
-                        <a:t>String</a:t>
+                        <a:rPr lang="en-US" sz="1600" dirty="0">
+                          <a:effectLst/>
+                        </a:rPr>
+                        <a:t>VARCHAR (255)</a:t>
                       </a:r>
+                      <a:endParaRPr lang="en-US" sz="1600" dirty="0"/>
                     </a:p>
                   </a:txBody>
                   <a:tcPr/>
@@ -3746,13 +6269,8 @@
                     <a:p>
                       <a:r>
                         <a:rPr lang="en-US" dirty="0"/>
-                        <a:t>Intel i9 </a:t>
+                        <a:t>Vivo </a:t>
                       </a:r>
-                      <a:r>
-                        <a:rPr lang="en-US" dirty="0" err="1"/>
-                        <a:t>GenXX</a:t>
-                      </a:r>
-                      <a:endParaRPr lang="en-US" dirty="0"/>
                     </a:p>
                   </a:txBody>
                   <a:tcPr/>
@@ -3783,9 +6301,12 @@
                     <a:lstStyle/>
                     <a:p>
                       <a:r>
-                        <a:rPr lang="en-US" dirty="0"/>
-                        <a:t>RAM</a:t>
+                        <a:rPr lang="en-US" dirty="0">
+                          <a:effectLst/>
+                        </a:rPr>
+                        <a:t>model </a:t>
                       </a:r>
+                      <a:endParaRPr lang="en-US" dirty="0"/>
                     </a:p>
                   </a:txBody>
                   <a:tcPr/>
@@ -3796,9 +6317,12 @@
                     <a:lstStyle/>
                     <a:p>
                       <a:r>
-                        <a:rPr lang="en-US" dirty="0"/>
-                        <a:t>String</a:t>
+                        <a:rPr lang="en-US" sz="1600" dirty="0">
+                          <a:effectLst/>
+                        </a:rPr>
+                        <a:t>VARCHAR (255)</a:t>
                       </a:r>
+                      <a:endParaRPr lang="en-US" sz="1600" dirty="0"/>
                     </a:p>
                   </a:txBody>
                   <a:tcPr/>
@@ -3822,18 +6346,9 @@
                     <a:lstStyle/>
                     <a:p>
                       <a:r>
-                        <a:rPr lang="en-US" dirty="0" err="1"/>
-                        <a:t>Corrair</a:t>
+                        <a:rPr lang="en-US" dirty="0"/>
+                        <a:t>V40 Pro (12+512GB) </a:t>
                       </a:r>
-                      <a:r>
-                        <a:rPr lang="en-US" dirty="0"/>
-                        <a:t> </a:t>
-                      </a:r>
-                      <a:r>
-                        <a:rPr lang="en-US" dirty="0" err="1"/>
-                        <a:t>ModelX</a:t>
-                      </a:r>
-                      <a:endParaRPr lang="en-US" dirty="0"/>
                     </a:p>
                   </a:txBody>
                   <a:tcPr/>
@@ -3864,8 +6379,24 @@
                     <a:lstStyle/>
                     <a:p>
                       <a:r>
+                        <a:rPr lang="en-US" dirty="0">
+                          <a:effectLst/>
+                        </a:rPr>
+                        <a:t>pictures </a:t>
+                      </a:r>
+                      <a:endParaRPr lang="en-US" dirty="0"/>
+                    </a:p>
+                  </a:txBody>
+                  <a:tcPr/>
+                </a:tc>
+                <a:tc>
+                  <a:txBody>
+                    <a:bodyPr/>
+                    <a:lstStyle/>
+                    <a:p>
+                      <a:r>
                         <a:rPr lang="en-US" dirty="0"/>
-                        <a:t>HDD</a:t>
+                        <a:t>TEXT</a:t>
                       </a:r>
                     </a:p>
                   </a:txBody>
@@ -3878,7 +6409,175 @@
                     <a:p>
                       <a:r>
                         <a:rPr lang="en-US" dirty="0"/>
-                        <a:t>String</a:t>
+                        <a:t>-</a:t>
+                      </a:r>
+                    </a:p>
+                  </a:txBody>
+                  <a:tcPr/>
+                </a:tc>
+                <a:tc>
+                  <a:txBody>
+                    <a:bodyPr/>
+                    <a:lstStyle/>
+                    <a:p>
+                      <a:r>
+                        <a:rPr lang="en-US" sz="1400" dirty="0"/>
+                        <a:t>[{"id":1,"name":"https://media-cdn.bnn.in.th/416601/vivo-Smartphone-V40-Pro-Stellar-Silver-5G--1-square_medium.jpg"}]</a:t>
+                      </a:r>
+                    </a:p>
+                  </a:txBody>
+                  <a:tcPr/>
+                </a:tc>
+                <a:extLst>
+                  <a:ext uri="{0D108BD9-81ED-4DB2-BD59-A6C34878D82A}">
+                    <a16:rowId xmlns:a16="http://schemas.microsoft.com/office/drawing/2014/main" val="792690464"/>
+                  </a:ext>
+                </a:extLst>
+              </a:tr>
+              <a:tr h="370840">
+                <a:tc>
+                  <a:txBody>
+                    <a:bodyPr/>
+                    <a:lstStyle/>
+                    <a:p>
+                      <a:r>
+                        <a:rPr lang="en-US" dirty="0"/>
+                        <a:t>5</a:t>
+                      </a:r>
+                    </a:p>
+                  </a:txBody>
+                  <a:tcPr/>
+                </a:tc>
+                <a:tc>
+                  <a:txBody>
+                    <a:bodyPr/>
+                    <a:lstStyle/>
+                    <a:p>
+                      <a:r>
+                        <a:rPr lang="en-US" dirty="0">
+                          <a:effectLst/>
+                        </a:rPr>
+                        <a:t>description</a:t>
+                      </a:r>
+                      <a:endParaRPr lang="en-US" dirty="0"/>
+                    </a:p>
+                  </a:txBody>
+                  <a:tcPr/>
+                </a:tc>
+                <a:tc>
+                  <a:txBody>
+                    <a:bodyPr/>
+                    <a:lstStyle/>
+                    <a:p>
+                      <a:r>
+                        <a:rPr lang="en-US" sz="1600" dirty="0">
+                          <a:effectLst/>
+                        </a:rPr>
+                        <a:t>VARCHAR (255)</a:t>
+                      </a:r>
+                      <a:endParaRPr lang="en-US" sz="1600" dirty="0"/>
+                    </a:p>
+                  </a:txBody>
+                  <a:tcPr/>
+                </a:tc>
+                <a:tc>
+                  <a:txBody>
+                    <a:bodyPr/>
+                    <a:lstStyle/>
+                    <a:p>
+                      <a:r>
+                        <a:rPr lang="en-US" dirty="0"/>
+                        <a:t>-</a:t>
+                      </a:r>
+                    </a:p>
+                  </a:txBody>
+                  <a:tcPr/>
+                </a:tc>
+                <a:tc>
+                  <a:txBody>
+                    <a:bodyPr/>
+                    <a:lstStyle/>
+                    <a:p>
+                      <a:r>
+                        <a:rPr lang="en-US" dirty="0"/>
+                        <a:t>Screen Size 6.78 inch</a:t>
+                      </a:r>
+                    </a:p>
+                    <a:p>
+                      <a:endParaRPr lang="en-US" dirty="0"/>
+                    </a:p>
+                    <a:p>
+                      <a:r>
+                        <a:rPr lang="en-US" dirty="0"/>
+                        <a:t>Chip </a:t>
+                      </a:r>
+                      <a:r>
+                        <a:rPr lang="en-US" dirty="0" err="1"/>
+                        <a:t>Mediatek</a:t>
+                      </a:r>
+                      <a:r>
+                        <a:rPr lang="en-US" dirty="0"/>
+                        <a:t> </a:t>
+                      </a:r>
+                      <a:r>
+                        <a:rPr lang="en-US" dirty="0" err="1"/>
+                        <a:t>Dimensity</a:t>
+                      </a:r>
+                      <a:r>
+                        <a:rPr lang="en-US" dirty="0"/>
+                        <a:t> 9200+</a:t>
+                      </a:r>
+                    </a:p>
+                    <a:p>
+                      <a:endParaRPr lang="en-US" dirty="0"/>
+                    </a:p>
+                  </a:txBody>
+                  <a:tcPr/>
+                </a:tc>
+                <a:extLst>
+                  <a:ext uri="{0D108BD9-81ED-4DB2-BD59-A6C34878D82A}">
+                    <a16:rowId xmlns:a16="http://schemas.microsoft.com/office/drawing/2014/main" val="1018222401"/>
+                  </a:ext>
+                </a:extLst>
+              </a:tr>
+              <a:tr h="370840">
+                <a:tc>
+                  <a:txBody>
+                    <a:bodyPr/>
+                    <a:lstStyle/>
+                    <a:p>
+                      <a:r>
+                        <a:rPr lang="en-US" dirty="0"/>
+                        <a:t>6</a:t>
+                      </a:r>
+                    </a:p>
+                  </a:txBody>
+                  <a:tcPr/>
+                </a:tc>
+                <a:tc>
+                  <a:txBody>
+                    <a:bodyPr/>
+                    <a:lstStyle/>
+                    <a:p>
+                      <a:r>
+                        <a:rPr lang="en-US" dirty="0">
+                          <a:effectLst/>
+                        </a:rPr>
+                        <a:t>country </a:t>
+                      </a:r>
+                      <a:endParaRPr lang="en-US" dirty="0"/>
+                    </a:p>
+                  </a:txBody>
+                  <a:tcPr/>
+                </a:tc>
+                <a:tc>
+                  <a:txBody>
+                    <a:bodyPr/>
+                    <a:lstStyle/>
+                    <a:p>
+                      <a:r>
+                        <a:rPr lang="en-US" dirty="0"/>
+                        <a:t>TEXT</a:t>
                       </a:r>
                     </a:p>
                   </a:txBody>
@@ -3904,20 +6603,93 @@
                     <a:p>
                       <a:r>
                         <a:rPr lang="en-US" dirty="0"/>
-                        <a:t>WD Black </a:t>
+                        <a:t>China</a:t>
                       </a:r>
+                    </a:p>
+                  </a:txBody>
+                  <a:tcPr/>
+                </a:tc>
+                <a:extLst>
+                  <a:ext uri="{0D108BD9-81ED-4DB2-BD59-A6C34878D82A}">
+                    <a16:rowId xmlns:a16="http://schemas.microsoft.com/office/drawing/2014/main" val="2978245720"/>
+                  </a:ext>
+                </a:extLst>
+              </a:tr>
+              <a:tr h="370840">
+                <a:tc>
+                  <a:txBody>
+                    <a:bodyPr/>
+                    <a:lstStyle/>
+                    <a:p>
                       <a:r>
-                        <a:rPr lang="en-US" dirty="0" err="1"/>
-                        <a:t>ModelX</a:t>
+                        <a:rPr lang="en-US" dirty="0"/>
+                        <a:t>7</a:t>
+                      </a:r>
+                    </a:p>
+                  </a:txBody>
+                  <a:tcPr/>
+                </a:tc>
+                <a:tc>
+                  <a:txBody>
+                    <a:bodyPr/>
+                    <a:lstStyle/>
+                    <a:p>
+                      <a:r>
+                        <a:rPr lang="en-US" dirty="0">
+                          <a:effectLst/>
+                        </a:rPr>
+                        <a:t>price </a:t>
                       </a:r>
                       <a:endParaRPr lang="en-US" dirty="0"/>
                     </a:p>
                   </a:txBody>
                   <a:tcPr/>
                 </a:tc>
+                <a:tc>
+                  <a:txBody>
+                    <a:bodyPr/>
+                    <a:lstStyle/>
+                    <a:p>
+                      <a:r>
+                        <a:rPr lang="en-US" sz="1600" dirty="0">
+                          <a:effectLst/>
+                        </a:rPr>
+                        <a:t>DECIMAL (10,2)</a:t>
+                      </a:r>
+                      <a:endParaRPr lang="en-US" sz="1600" dirty="0"/>
+                    </a:p>
+                  </a:txBody>
+                  <a:tcPr/>
+                </a:tc>
+                <a:tc>
+                  <a:txBody>
+                    <a:bodyPr/>
+                    <a:lstStyle/>
+                    <a:p>
+                      <a:r>
+                        <a:rPr lang="en-US" dirty="0"/>
+                        <a:t>-</a:t>
+                      </a:r>
+                    </a:p>
+                  </a:txBody>
+                  <a:tcPr/>
+                </a:tc>
+                <a:tc>
+                  <a:txBody>
+                    <a:bodyPr/>
+                    <a:lstStyle/>
+                    <a:p>
+                      <a:r>
+                        <a:rPr lang="en-US" dirty="0"/>
+                        <a:t>24999</a:t>
+                      </a:r>
+                    </a:p>
+                  </a:txBody>
+                  <a:tcPr/>
+                </a:tc>
                 <a:extLst>
                   <a:ext uri="{0D108BD9-81ED-4DB2-BD59-A6C34878D82A}">
-                    <a16:rowId xmlns:a16="http://schemas.microsoft.com/office/drawing/2014/main" val="792690464"/>
+                    <a16:rowId xmlns:a16="http://schemas.microsoft.com/office/drawing/2014/main" val="3378910438"/>
                   </a:ext>
                 </a:extLst>
               </a:tr>
@@ -3939,8 +6711,8 @@
         </p:nvSpPr>
         <p:spPr>
           <a:xfrm>
-            <a:off x="949036" y="1690688"/>
-            <a:ext cx="3740728" cy="369332"/>
+            <a:off x="677334" y="1270000"/>
+            <a:ext cx="3740728" cy="461665"/>
           </a:xfrm>
           <a:prstGeom prst="rect">
             <a:avLst/>
@@ -3954,13 +6726,30 @@
           <a:lstStyle/>
           <a:p>
             <a:r>
-              <a:rPr lang="th-TH" dirty="0"/>
+              <a:rPr lang="th-TH" sz="2400" b="1" dirty="0">
+                <a:latin typeface="TH Sarabun New" panose="020B0500040200020003" pitchFamily="34" charset="-34"/>
+                <a:cs typeface="TH Sarabun New" panose="020B0500040200020003" pitchFamily="34" charset="-34"/>
+              </a:rPr>
               <a:t>ชื่อโมเดล</a:t>
             </a:r>
             <a:r>
-              <a:rPr lang="en-US" dirty="0"/>
-              <a:t>: Computer</a:t>
-            </a:r>
+              <a:rPr lang="en-US" sz="2400" b="1" dirty="0">
+                <a:latin typeface="TH Sarabun New" panose="020B0500040200020003" pitchFamily="34" charset="-34"/>
+                <a:cs typeface="TH Sarabun New" panose="020B0500040200020003" pitchFamily="34" charset="-34"/>
+              </a:rPr>
+              <a:t>: </a:t>
+            </a:r>
+            <a:r>
+              <a:rPr lang="en-US" sz="2400" b="1" dirty="0" err="1">
+                <a:latin typeface="TH Sarabun New" panose="020B0500040200020003" pitchFamily="34" charset="-34"/>
+                <a:cs typeface="TH Sarabun New" panose="020B0500040200020003" pitchFamily="34" charset="-34"/>
+              </a:rPr>
+              <a:t>SmartPhone</a:t>
+            </a:r>
+            <a:endParaRPr lang="en-US" sz="2400" b="1" dirty="0">
+              <a:latin typeface="TH Sarabun New" panose="020B0500040200020003" pitchFamily="34" charset="-34"/>
+              <a:cs typeface="TH Sarabun New" panose="020B0500040200020003" pitchFamily="34" charset="-34"/>
+            </a:endParaRPr>
           </a:p>
         </p:txBody>
       </p:sp>
@@ -4025,7 +6814,7 @@
             </a:r>
             <a:r>
               <a:rPr lang="th-TH" dirty="0"/>
-              <a:t>ตั้งต้น (ถ้ามี)</a:t>
+              <a:t>ตั้งต้น</a:t>
             </a:r>
             <a:endParaRPr lang="en-US" dirty="0"/>
           </a:p>
@@ -4047,9 +6836,16 @@
             <p:ph idx="1"/>
           </p:nvPr>
         </p:nvSpPr>
-        <p:spPr/>
-        <p:txBody>
-          <a:bodyPr/>
+        <p:spPr>
+          <a:xfrm>
+            <a:off x="352214" y="1490029"/>
+            <a:ext cx="8596668" cy="440371"/>
+          </a:xfrm>
+        </p:spPr>
+        <p:txBody>
+          <a:bodyPr>
+            <a:normAutofit fontScale="92500" lnSpcReduction="20000"/>
+          </a:bodyPr>
           <a:lstStyle/>
           <a:p>
             <a:pPr marL="514350" indent="-514350">
@@ -4057,56 +6853,88 @@
               <a:buAutoNum type="arabicPeriod"/>
             </a:pPr>
             <a:r>
-              <a:rPr lang="en-US" dirty="0"/>
-              <a:t>Feature </a:t>
-            </a:r>
-            <a:r>
-              <a:rPr lang="th-TH" dirty="0"/>
-              <a:t>ที่ </a:t>
-            </a:r>
-            <a:r>
-              <a:rPr lang="en-US" dirty="0"/>
-              <a:t>1</a:t>
-            </a:r>
-          </a:p>
-          <a:p>
-            <a:pPr marL="514350" indent="-514350">
-              <a:buFont typeface="+mj-lt"/>
-              <a:buAutoNum type="arabicPeriod"/>
-            </a:pPr>
-            <a:r>
-              <a:rPr lang="en-US" dirty="0"/>
-              <a:t>Feature </a:t>
-            </a:r>
-            <a:r>
-              <a:rPr lang="th-TH" dirty="0"/>
-              <a:t>ที่</a:t>
-            </a:r>
-            <a:r>
-              <a:rPr lang="en-US" dirty="0"/>
-              <a:t> 2</a:t>
-            </a:r>
-          </a:p>
-          <a:p>
-            <a:pPr marL="514350" indent="-514350">
-              <a:buFont typeface="+mj-lt"/>
-              <a:buAutoNum type="arabicPeriod"/>
-            </a:pPr>
-            <a:r>
-              <a:rPr lang="en-US" dirty="0"/>
-              <a:t>Feature </a:t>
-            </a:r>
-            <a:r>
-              <a:rPr lang="th-TH" dirty="0"/>
-              <a:t>ที่</a:t>
-            </a:r>
-            <a:r>
-              <a:rPr lang="en-US" dirty="0"/>
-              <a:t> 3</a:t>
-            </a:r>
-          </a:p>
-        </p:txBody>
-      </p:sp>
+              <a:rPr lang="th-TH" sz="2800" b="1" dirty="0" err="1">
+                <a:latin typeface="TH Sarabun New" panose="020B0500040200020003" pitchFamily="34" charset="-34"/>
+                <a:cs typeface="TH Sarabun New" panose="020B0500040200020003" pitchFamily="34" charset="-34"/>
+              </a:rPr>
+              <a:t>อัพ</a:t>
+            </a:r>
+            <a:r>
+              <a:rPr lang="th-TH" sz="2800" b="1" dirty="0">
+                <a:latin typeface="TH Sarabun New" panose="020B0500040200020003" pitchFamily="34" charset="-34"/>
+                <a:cs typeface="TH Sarabun New" panose="020B0500040200020003" pitchFamily="34" charset="-34"/>
+              </a:rPr>
+              <a:t>โหลดรูปโดยใช้</a:t>
+            </a:r>
+            <a:r>
+              <a:rPr lang="en-US" sz="2800" b="1" dirty="0">
+                <a:latin typeface="TH Sarabun New" panose="020B0500040200020003" pitchFamily="34" charset="-34"/>
+                <a:cs typeface="TH Sarabun New" panose="020B0500040200020003" pitchFamily="34" charset="-34"/>
+              </a:rPr>
+              <a:t>URL</a:t>
+            </a:r>
+          </a:p>
+        </p:txBody>
+      </p:sp>
+      <p:pic>
+        <p:nvPicPr>
+          <p:cNvPr id="5" name="รูปภาพ 4">
+            <a:extLst>
+              <a:ext uri="{FF2B5EF4-FFF2-40B4-BE49-F238E27FC236}">
+                <a16:creationId xmlns:a16="http://schemas.microsoft.com/office/drawing/2014/main" id="{B57DBA38-FD2A-F0D6-F383-FC1BF961D0EA}"/>
+              </a:ext>
+            </a:extLst>
+          </p:cNvPr>
+          <p:cNvPicPr>
+            <a:picLocks noChangeAspect="1"/>
+          </p:cNvPicPr>
+          <p:nvPr/>
+        </p:nvPicPr>
+        <p:blipFill>
+          <a:blip r:embed="rId2"/>
+          <a:srcRect t="55556"/>
+          <a:stretch/>
+        </p:blipFill>
+        <p:spPr>
+          <a:xfrm>
+            <a:off x="677334" y="1910081"/>
+            <a:ext cx="4824114" cy="1524000"/>
+          </a:xfrm>
+          <a:prstGeom prst="rect">
+            <a:avLst/>
+          </a:prstGeom>
+        </p:spPr>
+      </p:pic>
+      <p:pic>
+        <p:nvPicPr>
+          <p:cNvPr id="7" name="รูปภาพ 6">
+            <a:extLst>
+              <a:ext uri="{FF2B5EF4-FFF2-40B4-BE49-F238E27FC236}">
+                <a16:creationId xmlns:a16="http://schemas.microsoft.com/office/drawing/2014/main" id="{DB1DA9ED-73F5-5BE0-FF9B-35D8C7C0DFB0}"/>
+              </a:ext>
+            </a:extLst>
+          </p:cNvPr>
+          <p:cNvPicPr>
+            <a:picLocks noChangeAspect="1"/>
+          </p:cNvPicPr>
+          <p:nvPr/>
+        </p:nvPicPr>
+        <p:blipFill>
+          <a:blip r:embed="rId3"/>
+          <a:stretch>
+            <a:fillRect/>
+          </a:stretch>
+        </p:blipFill>
+        <p:spPr>
+          <a:xfrm>
+            <a:off x="6096000" y="2243619"/>
+            <a:ext cx="3097932" cy="4004781"/>
+          </a:xfrm>
+          <a:prstGeom prst="rect">
+            <a:avLst/>
+          </a:prstGeom>
+        </p:spPr>
+      </p:pic>
     </p:spTree>
     <p:extLst>
       <p:ext uri="{BB962C8B-B14F-4D97-AF65-F5344CB8AC3E}">
@@ -4121,9 +6949,9 @@
 </file>
 
 <file path=ppt/theme/theme1.xml><?xml version="1.0" encoding="utf-8"?>
-<a:theme xmlns:a="http://schemas.openxmlformats.org/drawingml/2006/main" name="Office Theme">
+<a:theme xmlns:a="http://schemas.openxmlformats.org/drawingml/2006/main" name="เหลี่ยมเพชร">
   <a:themeElements>
-    <a:clrScheme name="Office">
+    <a:clrScheme name="เหลี่ยมเพชร">
       <a:dk1>
         <a:sysClr val="windowText" lastClr="000000"/>
       </a:dk1>
@@ -4131,52 +6959,52 @@
         <a:sysClr val="window" lastClr="FFFFFF"/>
       </a:lt1>
       <a:dk2>
-        <a:srgbClr val="44546A"/>
+        <a:srgbClr val="2C3C43"/>
       </a:dk2>
       <a:lt2>
-        <a:srgbClr val="E7E6E6"/>
+        <a:srgbClr val="EBEBEB"/>
       </a:lt2>
       <a:accent1>
-        <a:srgbClr val="4472C4"/>
+        <a:srgbClr val="90C226"/>
       </a:accent1>
       <a:accent2>
-        <a:srgbClr val="ED7D31"/>
+        <a:srgbClr val="54A021"/>
       </a:accent2>
       <a:accent3>
-        <a:srgbClr val="A5A5A5"/>
+        <a:srgbClr val="E6B91E"/>
       </a:accent3>
       <a:accent4>
-        <a:srgbClr val="FFC000"/>
+        <a:srgbClr val="E76618"/>
       </a:accent4>
       <a:accent5>
-        <a:srgbClr val="5B9BD5"/>
+        <a:srgbClr val="C42F1A"/>
       </a:accent5>
       <a:accent6>
-        <a:srgbClr val="70AD47"/>
+        <a:srgbClr val="918655"/>
       </a:accent6>
       <a:hlink>
-        <a:srgbClr val="0563C1"/>
+        <a:srgbClr val="99CA3C"/>
       </a:hlink>
       <a:folHlink>
-        <a:srgbClr val="954F72"/>
+        <a:srgbClr val="B9D181"/>
       </a:folHlink>
     </a:clrScheme>
-    <a:fontScheme name="Office">
+    <a:fontScheme name="เหลี่ยมเพชร">
       <a:majorFont>
-        <a:latin typeface="Calibri Light" panose="020F0302020204030204"/>
+        <a:latin typeface="Trebuchet MS" panose="020B0603020202020204"/>
         <a:ea typeface=""/>
         <a:cs typeface=""/>
-        <a:font script="Jpan" typeface="游ゴシック Light"/>
+        <a:font script="Jpan" typeface="メイリオ"/>
         <a:font script="Hang" typeface="맑은 고딕"/>
-        <a:font script="Hans" typeface="等线 Light"/>
-        <a:font script="Hant" typeface="新細明體"/>
-        <a:font script="Arab" typeface="Times New Roman"/>
-        <a:font script="Hebr" typeface="Times New Roman"/>
-        <a:font script="Thai" typeface="Angsana New"/>
+        <a:font script="Hans" typeface="方正姚体"/>
+        <a:font script="Hant" typeface="微軟正黑體"/>
+        <a:font script="Arab" typeface="Tahoma"/>
+        <a:font script="Hebr" typeface="Arial"/>
+        <a:font script="Thai" typeface="Cordia New"/>
         <a:font script="Ethi" typeface="Nyala"/>
         <a:font script="Beng" typeface="Vrinda"/>
         <a:font script="Gujr" typeface="Shruti"/>
-        <a:font script="Khmr" typeface="MoolBoran"/>
+        <a:font script="Khmr" typeface="DaunPenh"/>
         <a:font script="Knda" typeface="Tunga"/>
         <a:font script="Guru" typeface="Raavi"/>
         <a:font script="Cans" typeface="Euphemia"/>
@@ -4193,38 +7021,21 @@
         <a:font script="Laoo" typeface="DokChampa"/>
         <a:font script="Sinh" typeface="Iskoola Pota"/>
         <a:font script="Mong" typeface="Mongolian Baiti"/>
-        <a:font script="Viet" typeface="Times New Roman"/>
+        <a:font script="Viet" typeface="Tahoma"/>
         <a:font script="Uigh" typeface="Microsoft Uighur"/>
         <a:font script="Geor" typeface="Sylfaen"/>
-        <a:font script="Armn" typeface="Arial"/>
-        <a:font script="Bugi" typeface="Leelawadee UI"/>
-        <a:font script="Bopo" typeface="Microsoft JhengHei"/>
-        <a:font script="Java" typeface="Javanese Text"/>
-        <a:font script="Lisu" typeface="Segoe UI"/>
-        <a:font script="Mymr" typeface="Myanmar Text"/>
-        <a:font script="Nkoo" typeface="Ebrima"/>
-        <a:font script="Olck" typeface="Nirmala UI"/>
-        <a:font script="Osma" typeface="Ebrima"/>
-        <a:font script="Phag" typeface="Phagspa"/>
-        <a:font script="Syrn" typeface="Estrangelo Edessa"/>
-        <a:font script="Syrj" typeface="Estrangelo Edessa"/>
-        <a:font script="Syre" typeface="Estrangelo Edessa"/>
-        <a:font script="Sora" typeface="Nirmala UI"/>
-        <a:font script="Tale" typeface="Microsoft Tai Le"/>
-        <a:font script="Talu" typeface="Microsoft New Tai Lue"/>
-        <a:font script="Tfng" typeface="Ebrima"/>
       </a:majorFont>
       <a:minorFont>
-        <a:latin typeface="Calibri" panose="020F0502020204030204"/>
+        <a:latin typeface="Trebuchet MS" panose="020B0603020202020204"/>
         <a:ea typeface=""/>
         <a:cs typeface=""/>
-        <a:font script="Jpan" typeface="游ゴシック"/>
-        <a:font script="Hang" typeface="맑은 고딕"/>
-        <a:font script="Hans" typeface="等线"/>
-        <a:font script="Hant" typeface="新細明體"/>
-        <a:font script="Arab" typeface="Arial"/>
-        <a:font script="Hebr" typeface="Arial"/>
-        <a:font script="Thai" typeface="Cordia New"/>
+        <a:font script="Jpan" typeface="メイリオ"/>
+        <a:font script="Hang" typeface="HY그래픽M"/>
+        <a:font script="Hans" typeface="华文新魏"/>
+        <a:font script="Hant" typeface="微軟正黑體"/>
+        <a:font script="Arab" typeface="Tahoma"/>
+        <a:font script="Hebr" typeface="Gisha"/>
+        <a:font script="Thai" typeface="IrisUPC"/>
         <a:font script="Ethi" typeface="Nyala"/>
         <a:font script="Beng" typeface="Vrinda"/>
         <a:font script="Gujr" typeface="Shruti"/>
@@ -4248,26 +7059,9 @@
         <a:font script="Viet" typeface="Arial"/>
         <a:font script="Uigh" typeface="Microsoft Uighur"/>
         <a:font script="Geor" typeface="Sylfaen"/>
-        <a:font script="Armn" typeface="Arial"/>
-        <a:font script="Bugi" typeface="Leelawadee UI"/>
-        <a:font script="Bopo" typeface="Microsoft JhengHei"/>
-        <a:font script="Java" typeface="Javanese Text"/>
-        <a:font script="Lisu" typeface="Segoe UI"/>
-        <a:font script="Mymr" typeface="Myanmar Text"/>
-        <a:font script="Nkoo" typeface="Ebrima"/>
-        <a:font script="Olck" typeface="Nirmala UI"/>
-        <a:font script="Osma" typeface="Ebrima"/>
-        <a:font script="Phag" typeface="Phagspa"/>
-        <a:font script="Syrn" typeface="Estrangelo Edessa"/>
-        <a:font script="Syrj" typeface="Estrangelo Edessa"/>
-        <a:font script="Syre" typeface="Estrangelo Edessa"/>
-        <a:font script="Sora" typeface="Nirmala UI"/>
-        <a:font script="Tale" typeface="Microsoft Tai Le"/>
-        <a:font script="Talu" typeface="Microsoft New Tai Lue"/>
-        <a:font script="Tfng" typeface="Ebrima"/>
       </a:minorFont>
     </a:fontScheme>
-    <a:fmtScheme name="Office">
+    <a:fmtScheme name="เหลี่ยมเพชร">
       <a:fillStyleLst>
         <a:solidFill>
           <a:schemeClr val="phClr"/>
@@ -4276,23 +7070,13 @@
           <a:gsLst>
             <a:gs pos="0">
               <a:schemeClr val="phClr">
+                <a:tint val="65000"/>
                 <a:lumMod val="110000"/>
-                <a:satMod val="105000"/>
-                <a:tint val="67000"/>
               </a:schemeClr>
             </a:gs>
-            <a:gs pos="50000">
+            <a:gs pos="88000">
               <a:schemeClr val="phClr">
-                <a:lumMod val="105000"/>
-                <a:satMod val="103000"/>
-                <a:tint val="73000"/>
-              </a:schemeClr>
-            </a:gs>
-            <a:gs pos="100000">
-              <a:schemeClr val="phClr">
-                <a:lumMod val="105000"/>
-                <a:satMod val="109000"/>
-                <a:tint val="81000"/>
+                <a:tint val="90000"/>
               </a:schemeClr>
             </a:gs>
           </a:gsLst>
@@ -4302,23 +7086,14 @@
           <a:gsLst>
             <a:gs pos="0">
               <a:schemeClr val="phClr">
-                <a:satMod val="103000"/>
-                <a:lumMod val="102000"/>
-                <a:tint val="94000"/>
+                <a:tint val="96000"/>
+                <a:lumMod val="100000"/>
               </a:schemeClr>
             </a:gs>
-            <a:gs pos="50000">
+            <a:gs pos="78000">
               <a:schemeClr val="phClr">
-                <a:satMod val="110000"/>
-                <a:lumMod val="100000"/>
-                <a:shade val="100000"/>
-              </a:schemeClr>
-            </a:gs>
-            <a:gs pos="100000">
-              <a:schemeClr val="phClr">
-                <a:lumMod val="99000"/>
-                <a:satMod val="120000"/>
-                <a:shade val="78000"/>
+                <a:shade val="94000"/>
+                <a:lumMod val="94000"/>
               </a:schemeClr>
             </a:gs>
           </a:gsLst>
@@ -4326,26 +7101,23 @@
         </a:gradFill>
       </a:fillStyleLst>
       <a:lnStyleLst>
-        <a:ln w="6350" cap="flat" cmpd="sng" algn="ctr">
+        <a:ln w="12700" cap="rnd" cmpd="sng" algn="ctr">
           <a:solidFill>
             <a:schemeClr val="phClr"/>
           </a:solidFill>
           <a:prstDash val="solid"/>
-          <a:miter lim="800000"/>
         </a:ln>
-        <a:ln w="12700" cap="flat" cmpd="sng" algn="ctr">
+        <a:ln w="19050" cap="rnd" cmpd="sng" algn="ctr">
           <a:solidFill>
             <a:schemeClr val="phClr"/>
           </a:solidFill>
           <a:prstDash val="solid"/>
-          <a:miter lim="800000"/>
         </a:ln>
-        <a:ln w="19050" cap="flat" cmpd="sng" algn="ctr">
+        <a:ln w="25400" cap="rnd" cmpd="sng" algn="ctr">
           <a:solidFill>
             <a:schemeClr val="phClr"/>
           </a:solidFill>
           <a:prstDash val="solid"/>
-          <a:miter lim="800000"/>
         </a:ln>
       </a:lnStyleLst>
       <a:effectStyleLst>
@@ -4353,54 +7125,72 @@
           <a:effectLst/>
         </a:effectStyle>
         <a:effectStyle>
-          <a:effectLst/>
+          <a:effectLst>
+            <a:outerShdw blurRad="38100" dist="25400" dir="5400000" rotWithShape="0">
+              <a:srgbClr val="000000">
+                <a:alpha val="35000"/>
+              </a:srgbClr>
+            </a:outerShdw>
+          </a:effectLst>
         </a:effectStyle>
         <a:effectStyle>
           <a:effectLst>
-            <a:outerShdw blurRad="57150" dist="19050" dir="5400000" algn="ctr" rotWithShape="0">
+            <a:outerShdw blurRad="50800" dist="38100" dir="5400000" rotWithShape="0">
               <a:srgbClr val="000000">
-                <a:alpha val="63000"/>
+                <a:alpha val="35000"/>
               </a:srgbClr>
             </a:outerShdw>
           </a:effectLst>
+          <a:scene3d>
+            <a:camera prst="orthographicFront">
+              <a:rot lat="0" lon="0" rev="0"/>
+            </a:camera>
+            <a:lightRig rig="threePt" dir="tl"/>
+          </a:scene3d>
+          <a:sp3d prstMaterial="plastic">
+            <a:bevelT w="0" h="0"/>
+          </a:sp3d>
         </a:effectStyle>
       </a:effectStyleLst>
       <a:bgFillStyleLst>
         <a:solidFill>
           <a:schemeClr val="phClr"/>
         </a:solidFill>
-        <a:solidFill>
-          <a:schemeClr val="phClr">
-            <a:tint val="95000"/>
-            <a:satMod val="170000"/>
-          </a:schemeClr>
-        </a:solidFill>
         <a:gradFill rotWithShape="1">
           <a:gsLst>
             <a:gs pos="0">
               <a:schemeClr val="phClr">
-                <a:tint val="93000"/>
-                <a:satMod val="150000"/>
-                <a:shade val="98000"/>
-                <a:lumMod val="102000"/>
+                <a:tint val="90000"/>
+                <a:lumMod val="104000"/>
               </a:schemeClr>
             </a:gs>
-            <a:gs pos="50000">
+            <a:gs pos="94000">
               <a:schemeClr val="phClr">
-                <a:tint val="98000"/>
-                <a:satMod val="130000"/>
-                <a:shade val="90000"/>
-                <a:lumMod val="103000"/>
+                <a:shade val="96000"/>
+                <a:lumMod val="82000"/>
+              </a:schemeClr>
+            </a:gs>
+          </a:gsLst>
+          <a:lin ang="5400000" scaled="0"/>
+        </a:gradFill>
+        <a:gradFill rotWithShape="1">
+          <a:gsLst>
+            <a:gs pos="0">
+              <a:schemeClr val="phClr">
+                <a:tint val="90000"/>
+                <a:lumMod val="110000"/>
               </a:schemeClr>
             </a:gs>
             <a:gs pos="100000">
               <a:schemeClr val="phClr">
-                <a:shade val="63000"/>
-                <a:satMod val="120000"/>
+                <a:shade val="94000"/>
+                <a:lumMod val="96000"/>
               </a:schemeClr>
             </a:gs>
           </a:gsLst>
-          <a:lin ang="5400000" scaled="0"/>
+          <a:path path="circle">
+            <a:fillToRect l="50000" t="50000" r="100000" b="100000"/>
+          </a:path>
         </a:gradFill>
       </a:bgFillStyleLst>
     </a:fmtScheme>
@@ -4409,7 +7199,7 @@
   <a:extraClrSchemeLst/>
   <a:extLst>
     <a:ext uri="{05A4C25C-085E-4340-85A3-A5531E510DB2}">
-      <thm15:themeFamily xmlns:thm15="http://schemas.microsoft.com/office/thememl/2012/main" name="Office Theme" id="{62F939B6-93AF-4DB8-9C6B-D6C7DFDC589F}" vid="{4A3C46E8-61CC-4603-A589-7422A47A8E4A}"/>
+      <thm15:themeFamily xmlns:thm15="http://schemas.microsoft.com/office/thememl/2012/main" name="Facet" id="{C0C680CD-088A-49FC-A102-D699147F32B2}" vid="{CFBC31BA-B70F-4F30-BCAA-4F3011E16C4D}"/>
     </a:ext>
   </a:extLst>
 </a:theme>
